--- a/Presentation.pptx
+++ b/Presentation.pptx
@@ -4,19 +4,26 @@
   <p:sldMasterIdLst>
     <p:sldMasterId id="2147483648" r:id="rId1"/>
   </p:sldMasterIdLst>
+  <p:notesMasterIdLst>
+    <p:notesMasterId r:id="rId18"/>
+  </p:notesMasterIdLst>
   <p:sldIdLst>
     <p:sldId id="256" r:id="rId2"/>
     <p:sldId id="257" r:id="rId3"/>
     <p:sldId id="258" r:id="rId4"/>
     <p:sldId id="261" r:id="rId5"/>
     <p:sldId id="262" r:id="rId6"/>
-    <p:sldId id="263" r:id="rId7"/>
-    <p:sldId id="264" r:id="rId8"/>
-    <p:sldId id="265" r:id="rId9"/>
-    <p:sldId id="266" r:id="rId10"/>
-    <p:sldId id="267" r:id="rId11"/>
-    <p:sldId id="268" r:id="rId12"/>
-    <p:sldId id="269" r:id="rId13"/>
+    <p:sldId id="273" r:id="rId7"/>
+    <p:sldId id="263" r:id="rId8"/>
+    <p:sldId id="266" r:id="rId9"/>
+    <p:sldId id="270" r:id="rId10"/>
+    <p:sldId id="264" r:id="rId11"/>
+    <p:sldId id="271" r:id="rId12"/>
+    <p:sldId id="265" r:id="rId13"/>
+    <p:sldId id="272" r:id="rId14"/>
+    <p:sldId id="267" r:id="rId15"/>
+    <p:sldId id="268" r:id="rId16"/>
+    <p:sldId id="269" r:id="rId17"/>
   </p:sldIdLst>
   <p:sldSz cx="12192000" cy="6858000"/>
   <p:notesSz cx="6858000" cy="9144000"/>
@@ -115,6 +122,11 @@
       </a:defRPr>
     </a:lvl9pPr>
   </p:defaultTextStyle>
+  <p:extLst>
+    <p:ext uri="{EFAFB233-063F-42B5-8137-9DF3F51BA10A}">
+      <p15:sldGuideLst xmlns:p15="http://schemas.microsoft.com/office/powerpoint/2012/main"/>
+    </p:ext>
+  </p:extLst>
 </p:presentation>
 </file>
 
@@ -1305,80 +1317,6 @@
         </a:p>
       </dgm:t>
     </dgm:pt>
-    <dgm:pt modelId="{BCBCD600-430C-4311-B6AA-7CD00AF363CD}">
-      <dgm:prSet phldrT="[Text]" phldr="0" custT="1"/>
-      <dgm:spPr/>
-      <dgm:t>
-        <a:bodyPr/>
-        <a:lstStyle/>
-        <a:p>
-          <a:r>
-            <a:rPr lang="de-DE" sz="1400" dirty="0" err="1"/>
-            <a:t>Mondelezaktie</a:t>
-          </a:r>
-          <a:endParaRPr lang="de-DE" sz="1400" dirty="0"/>
-        </a:p>
-      </dgm:t>
-    </dgm:pt>
-    <dgm:pt modelId="{ED1E7586-63C2-45E1-91C7-CD5A4DE7FBE4}" type="parTrans" cxnId="{D648BFC8-E1F2-454A-BE7A-8E8FB82D8042}">
-      <dgm:prSet/>
-      <dgm:spPr/>
-      <dgm:t>
-        <a:bodyPr/>
-        <a:lstStyle/>
-        <a:p>
-          <a:endParaRPr lang="de-DE"/>
-        </a:p>
-      </dgm:t>
-    </dgm:pt>
-    <dgm:pt modelId="{C5662E2F-06D8-4244-86D8-99FACF5F322F}" type="sibTrans" cxnId="{D648BFC8-E1F2-454A-BE7A-8E8FB82D8042}">
-      <dgm:prSet/>
-      <dgm:spPr/>
-      <dgm:t>
-        <a:bodyPr/>
-        <a:lstStyle/>
-        <a:p>
-          <a:endParaRPr lang="de-DE"/>
-        </a:p>
-      </dgm:t>
-    </dgm:pt>
-    <dgm:pt modelId="{43D358A8-74A2-44F7-BDFA-A532360CD9E0}">
-      <dgm:prSet phldrT="[Text]" phldr="0" custT="1"/>
-      <dgm:spPr/>
-      <dgm:t>
-        <a:bodyPr/>
-        <a:lstStyle/>
-        <a:p>
-          <a:r>
-            <a:rPr lang="de-DE" sz="1400"/>
-            <a:t>Ferreroaktie</a:t>
-          </a:r>
-          <a:endParaRPr lang="de-DE" sz="1400" dirty="0"/>
-        </a:p>
-      </dgm:t>
-    </dgm:pt>
-    <dgm:pt modelId="{E9EEF493-7CD2-4105-9813-3DB244F05A60}" type="parTrans" cxnId="{323AFE7A-C296-430F-8888-3CF111FF01AE}">
-      <dgm:prSet/>
-      <dgm:spPr/>
-      <dgm:t>
-        <a:bodyPr/>
-        <a:lstStyle/>
-        <a:p>
-          <a:endParaRPr lang="de-DE"/>
-        </a:p>
-      </dgm:t>
-    </dgm:pt>
-    <dgm:pt modelId="{D607FD8E-FAA0-4DB6-95C9-C4C93F480FB9}" type="sibTrans" cxnId="{323AFE7A-C296-430F-8888-3CF111FF01AE}">
-      <dgm:prSet/>
-      <dgm:spPr/>
-      <dgm:t>
-        <a:bodyPr/>
-        <a:lstStyle/>
-        <a:p>
-          <a:endParaRPr lang="de-DE"/>
-        </a:p>
-      </dgm:t>
-    </dgm:pt>
     <dgm:pt modelId="{E296EAB9-EE79-4294-9C01-2793CE67D6E9}">
       <dgm:prSet phldrT="[Text]" phldr="0" custT="1"/>
       <dgm:spPr/>
@@ -1387,12 +1325,8 @@
         <a:lstStyle/>
         <a:p>
           <a:r>
-            <a:rPr lang="de-DE" sz="1400" dirty="0" err="1"/>
-            <a:t>LindtSprüngli</a:t>
-          </a:r>
-          <a:r>
             <a:rPr lang="de-DE" sz="1400" dirty="0"/>
-            <a:t> „Aktie“</a:t>
+            <a:t>Mondelez, Ferrero, Lindt Sprüngli</a:t>
           </a:r>
           <a:endParaRPr lang="de-DE" sz="900" dirty="0"/>
         </a:p>
@@ -1432,11 +1366,11 @@
       <dgm:spPr/>
     </dgm:pt>
     <dgm:pt modelId="{64B68798-C054-485D-AF2D-02AFFC3F9FB4}" type="pres">
-      <dgm:prSet presAssocID="{9189A52D-EEBA-453D-89E0-6C088212FAA4}" presName="centerShape" presStyleLbl="node0" presStyleIdx="0" presStyleCnt="1" custScaleX="170027" custScaleY="159256"/>
+      <dgm:prSet presAssocID="{9189A52D-EEBA-453D-89E0-6C088212FAA4}" presName="centerShape" presStyleLbl="node0" presStyleIdx="0" presStyleCnt="1" custScaleX="162593" custScaleY="95122"/>
       <dgm:spPr/>
     </dgm:pt>
     <dgm:pt modelId="{3DBB7F11-FCEA-4386-A9D3-55CAE7E170D1}" type="pres">
-      <dgm:prSet presAssocID="{8593BA3F-C273-4AAC-944B-AE781351C4DD}" presName="node" presStyleLbl="node1" presStyleIdx="0" presStyleCnt="10" custScaleX="165294" custScaleY="103663">
+      <dgm:prSet presAssocID="{8593BA3F-C273-4AAC-944B-AE781351C4DD}" presName="node" presStyleLbl="node1" presStyleIdx="0" presStyleCnt="8" custScaleX="165294" custScaleY="103663">
         <dgm:presLayoutVars>
           <dgm:bulletEnabled val="1"/>
         </dgm:presLayoutVars>
@@ -1448,11 +1382,11 @@
       <dgm:spPr/>
     </dgm:pt>
     <dgm:pt modelId="{24F648E4-6FA1-4565-BE2C-9B6C87816814}" type="pres">
-      <dgm:prSet presAssocID="{38448290-E4EC-4777-B529-EA0FCA8670B5}" presName="sibTrans" presStyleLbl="sibTrans2D1" presStyleIdx="0" presStyleCnt="10"/>
+      <dgm:prSet presAssocID="{38448290-E4EC-4777-B529-EA0FCA8670B5}" presName="sibTrans" presStyleLbl="sibTrans2D1" presStyleIdx="0" presStyleCnt="8"/>
       <dgm:spPr/>
     </dgm:pt>
     <dgm:pt modelId="{4BA0F6F2-ADF5-483A-A561-E881FE1F5D72}" type="pres">
-      <dgm:prSet presAssocID="{51A9AC7B-FCE9-4972-BEAC-E6E1561CA0EF}" presName="node" presStyleLbl="node1" presStyleIdx="1" presStyleCnt="10" custScaleX="165294" custScaleY="103663" custRadScaleRad="103458" custRadScaleInc="48508">
+      <dgm:prSet presAssocID="{51A9AC7B-FCE9-4972-BEAC-E6E1561CA0EF}" presName="node" presStyleLbl="node1" presStyleIdx="1" presStyleCnt="8" custScaleX="165294" custScaleY="103663" custRadScaleRad="103458" custRadScaleInc="48508">
         <dgm:presLayoutVars>
           <dgm:bulletEnabled val="1"/>
         </dgm:presLayoutVars>
@@ -1464,11 +1398,11 @@
       <dgm:spPr/>
     </dgm:pt>
     <dgm:pt modelId="{D57B940D-68F5-40FF-970F-19E9AE671C70}" type="pres">
-      <dgm:prSet presAssocID="{0EAFDB6D-6238-493B-9C37-E1F700DE04C8}" presName="sibTrans" presStyleLbl="sibTrans2D1" presStyleIdx="1" presStyleCnt="10"/>
+      <dgm:prSet presAssocID="{0EAFDB6D-6238-493B-9C37-E1F700DE04C8}" presName="sibTrans" presStyleLbl="sibTrans2D1" presStyleIdx="1" presStyleCnt="8"/>
       <dgm:spPr/>
     </dgm:pt>
     <dgm:pt modelId="{E9984FAA-34C7-480F-90DF-3ADE45126465}" type="pres">
-      <dgm:prSet presAssocID="{89F13708-2FDF-429C-B4FC-7D244F626392}" presName="node" presStyleLbl="node1" presStyleIdx="2" presStyleCnt="10" custScaleX="165294" custScaleY="103663">
+      <dgm:prSet presAssocID="{89F13708-2FDF-429C-B4FC-7D244F626392}" presName="node" presStyleLbl="node1" presStyleIdx="2" presStyleCnt="8" custScaleX="165294" custScaleY="103663">
         <dgm:presLayoutVars>
           <dgm:bulletEnabled val="1"/>
         </dgm:presLayoutVars>
@@ -1480,11 +1414,11 @@
       <dgm:spPr/>
     </dgm:pt>
     <dgm:pt modelId="{19537169-84AC-45D8-9C63-67980B88063E}" type="pres">
-      <dgm:prSet presAssocID="{EBC3442F-7959-44C2-8236-A4A796866360}" presName="sibTrans" presStyleLbl="sibTrans2D1" presStyleIdx="2" presStyleCnt="10"/>
+      <dgm:prSet presAssocID="{EBC3442F-7959-44C2-8236-A4A796866360}" presName="sibTrans" presStyleLbl="sibTrans2D1" presStyleIdx="2" presStyleCnt="8"/>
       <dgm:spPr/>
     </dgm:pt>
     <dgm:pt modelId="{26D9CF0F-D0EB-4382-A73A-42BC43D74F1B}" type="pres">
-      <dgm:prSet presAssocID="{24C68214-C91C-4E48-98DD-5E5A82706A0C}" presName="node" presStyleLbl="node1" presStyleIdx="3" presStyleCnt="10" custScaleX="165294" custScaleY="103663">
+      <dgm:prSet presAssocID="{24C68214-C91C-4E48-98DD-5E5A82706A0C}" presName="node" presStyleLbl="node1" presStyleIdx="3" presStyleCnt="8" custScaleX="165294" custScaleY="103663" custRadScaleRad="106536" custRadScaleInc="-67507">
         <dgm:presLayoutVars>
           <dgm:bulletEnabled val="1"/>
         </dgm:presLayoutVars>
@@ -1496,11 +1430,11 @@
       <dgm:spPr/>
     </dgm:pt>
     <dgm:pt modelId="{98FBFBE3-655F-4BF6-B027-AA9C29315711}" type="pres">
-      <dgm:prSet presAssocID="{2BD83ECF-30D7-43A5-8B4A-6173CAAE1870}" presName="sibTrans" presStyleLbl="sibTrans2D1" presStyleIdx="3" presStyleCnt="10"/>
+      <dgm:prSet presAssocID="{2BD83ECF-30D7-43A5-8B4A-6173CAAE1870}" presName="sibTrans" presStyleLbl="sibTrans2D1" presStyleIdx="3" presStyleCnt="8"/>
       <dgm:spPr/>
     </dgm:pt>
     <dgm:pt modelId="{CCB7C157-5FBD-4DDE-BEBA-191047FE7675}" type="pres">
-      <dgm:prSet presAssocID="{74AC8F7A-6C57-4A63-A300-D5025870743F}" presName="node" presStyleLbl="node1" presStyleIdx="4" presStyleCnt="10" custScaleX="165294" custScaleY="103663" custRadScaleRad="106121" custRadScaleInc="-51000">
+      <dgm:prSet presAssocID="{74AC8F7A-6C57-4A63-A300-D5025870743F}" presName="node" presStyleLbl="node1" presStyleIdx="4" presStyleCnt="8" custScaleX="165294" custScaleY="103663" custRadScaleRad="94194" custRadScaleInc="-29290">
         <dgm:presLayoutVars>
           <dgm:bulletEnabled val="1"/>
         </dgm:presLayoutVars>
@@ -1512,11 +1446,11 @@
       <dgm:spPr/>
     </dgm:pt>
     <dgm:pt modelId="{1F354661-6C6A-4626-A871-2A74340398AE}" type="pres">
-      <dgm:prSet presAssocID="{9419D3BE-41C8-4101-8F9E-8B95DC2D12AC}" presName="sibTrans" presStyleLbl="sibTrans2D1" presStyleIdx="4" presStyleCnt="10"/>
+      <dgm:prSet presAssocID="{9419D3BE-41C8-4101-8F9E-8B95DC2D12AC}" presName="sibTrans" presStyleLbl="sibTrans2D1" presStyleIdx="4" presStyleCnt="8"/>
       <dgm:spPr/>
     </dgm:pt>
     <dgm:pt modelId="{6634CEF4-5FE3-4771-9584-814A161C8192}" type="pres">
-      <dgm:prSet presAssocID="{3A82027D-3368-4C6C-AFB1-FFDB83452C8E}" presName="node" presStyleLbl="node1" presStyleIdx="5" presStyleCnt="10" custScaleX="165294" custScaleY="103663">
+      <dgm:prSet presAssocID="{3A82027D-3368-4C6C-AFB1-FFDB83452C8E}" presName="node" presStyleLbl="node1" presStyleIdx="5" presStyleCnt="8" custScaleX="165294" custScaleY="103663" custRadScaleRad="97416" custRadScaleInc="41972">
         <dgm:presLayoutVars>
           <dgm:bulletEnabled val="1"/>
         </dgm:presLayoutVars>
@@ -1528,11 +1462,11 @@
       <dgm:spPr/>
     </dgm:pt>
     <dgm:pt modelId="{5542C350-0303-4D7C-9DAB-97B68E3AA305}" type="pres">
-      <dgm:prSet presAssocID="{EC9757D5-A912-4CD7-8300-BDCBC627C6CC}" presName="sibTrans" presStyleLbl="sibTrans2D1" presStyleIdx="5" presStyleCnt="10"/>
+      <dgm:prSet presAssocID="{EC9757D5-A912-4CD7-8300-BDCBC627C6CC}" presName="sibTrans" presStyleLbl="sibTrans2D1" presStyleIdx="5" presStyleCnt="8"/>
       <dgm:spPr/>
     </dgm:pt>
     <dgm:pt modelId="{777913BC-8F85-4384-9E6B-F6FFB7346CB1}" type="pres">
-      <dgm:prSet presAssocID="{F6771BA9-5991-4A94-851E-C1F9D205F1B3}" presName="node" presStyleLbl="node1" presStyleIdx="6" presStyleCnt="10" custScaleX="165294" custScaleY="103663" custRadScaleRad="103711" custRadScaleInc="38549">
+      <dgm:prSet presAssocID="{F6771BA9-5991-4A94-851E-C1F9D205F1B3}" presName="node" presStyleLbl="node1" presStyleIdx="6" presStyleCnt="8" custScaleX="165294" custScaleY="103663" custRadScaleRad="101286" custRadScaleInc="0">
         <dgm:presLayoutVars>
           <dgm:bulletEnabled val="1"/>
         </dgm:presLayoutVars>
@@ -1544,43 +1478,11 @@
       <dgm:spPr/>
     </dgm:pt>
     <dgm:pt modelId="{D7B50608-AA5C-4898-8353-E2EF9F80313F}" type="pres">
-      <dgm:prSet presAssocID="{71856E6A-7AC8-4BC5-A34C-FFBFEAD91A9F}" presName="sibTrans" presStyleLbl="sibTrans2D1" presStyleIdx="6" presStyleCnt="10" custLinFactNeighborX="2034" custLinFactNeighborY="1459"/>
-      <dgm:spPr/>
-    </dgm:pt>
-    <dgm:pt modelId="{6CF17F77-E032-4A41-9F38-9FACA655950D}" type="pres">
-      <dgm:prSet presAssocID="{BCBCD600-430C-4311-B6AA-7CD00AF363CD}" presName="node" presStyleLbl="node1" presStyleIdx="7" presStyleCnt="10" custScaleX="165294" custScaleY="103663">
-        <dgm:presLayoutVars>
-          <dgm:bulletEnabled val="1"/>
-        </dgm:presLayoutVars>
-      </dgm:prSet>
-      <dgm:spPr/>
-    </dgm:pt>
-    <dgm:pt modelId="{4E316707-7A12-4349-BC43-0B9529AB5357}" type="pres">
-      <dgm:prSet presAssocID="{BCBCD600-430C-4311-B6AA-7CD00AF363CD}" presName="dummy" presStyleCnt="0"/>
-      <dgm:spPr/>
-    </dgm:pt>
-    <dgm:pt modelId="{666F2A60-23A4-453B-B1A7-CE0093C8875E}" type="pres">
-      <dgm:prSet presAssocID="{C5662E2F-06D8-4244-86D8-99FACF5F322F}" presName="sibTrans" presStyleLbl="sibTrans2D1" presStyleIdx="7" presStyleCnt="10"/>
-      <dgm:spPr/>
-    </dgm:pt>
-    <dgm:pt modelId="{F38BE074-8A94-4C03-8D0C-300B48429077}" type="pres">
-      <dgm:prSet presAssocID="{43D358A8-74A2-44F7-BDFA-A532360CD9E0}" presName="node" presStyleLbl="node1" presStyleIdx="8" presStyleCnt="10" custScaleX="165294" custScaleY="103663">
-        <dgm:presLayoutVars>
-          <dgm:bulletEnabled val="1"/>
-        </dgm:presLayoutVars>
-      </dgm:prSet>
-      <dgm:spPr/>
-    </dgm:pt>
-    <dgm:pt modelId="{A1584CEE-856B-4EF9-95E4-24A4FA8CE404}" type="pres">
-      <dgm:prSet presAssocID="{43D358A8-74A2-44F7-BDFA-A532360CD9E0}" presName="dummy" presStyleCnt="0"/>
-      <dgm:spPr/>
-    </dgm:pt>
-    <dgm:pt modelId="{B7F93218-3D6F-4EAE-8681-75D20120D096}" type="pres">
-      <dgm:prSet presAssocID="{D607FD8E-FAA0-4DB6-95C9-C4C93F480FB9}" presName="sibTrans" presStyleLbl="sibTrans2D1" presStyleIdx="8" presStyleCnt="10"/>
+      <dgm:prSet presAssocID="{71856E6A-7AC8-4BC5-A34C-FFBFEAD91A9F}" presName="sibTrans" presStyleLbl="sibTrans2D1" presStyleIdx="6" presStyleCnt="8" custLinFactNeighborX="2034" custLinFactNeighborY="1459"/>
       <dgm:spPr/>
     </dgm:pt>
     <dgm:pt modelId="{0792344A-7FE6-4EDC-A301-837CDFF0CF21}" type="pres">
-      <dgm:prSet presAssocID="{E296EAB9-EE79-4294-9C01-2793CE67D6E9}" presName="node" presStyleLbl="node1" presStyleIdx="9" presStyleCnt="10" custScaleX="165294" custScaleY="103663" custRadScaleRad="99663" custRadScaleInc="-27676">
+      <dgm:prSet presAssocID="{E296EAB9-EE79-4294-9C01-2793CE67D6E9}" presName="node" presStyleLbl="node1" presStyleIdx="7" presStyleCnt="8" custScaleX="165294" custScaleY="103663" custRadScaleRad="99663" custRadScaleInc="-27676">
         <dgm:presLayoutVars>
           <dgm:bulletEnabled val="1"/>
         </dgm:presLayoutVars>
@@ -1592,7 +1494,7 @@
       <dgm:spPr/>
     </dgm:pt>
     <dgm:pt modelId="{BC68F289-6671-400F-BAA6-E7D272F56F02}" type="pres">
-      <dgm:prSet presAssocID="{EA140679-F36C-4BF1-8EE0-7D6B9B5A6B1A}" presName="sibTrans" presStyleLbl="sibTrans2D1" presStyleIdx="9" presStyleCnt="10"/>
+      <dgm:prSet presAssocID="{EA140679-F36C-4BF1-8EE0-7D6B9B5A6B1A}" presName="sibTrans" presStyleLbl="sibTrans2D1" presStyleIdx="7" presStyleCnt="8"/>
       <dgm:spPr/>
     </dgm:pt>
   </dgm:ptLst>
@@ -1605,7 +1507,6 @@
     <dgm:cxn modelId="{73FA1E35-8064-405B-BC22-D7E6E24E4973}" type="presOf" srcId="{EC9757D5-A912-4CD7-8300-BDCBC627C6CC}" destId="{5542C350-0303-4D7C-9DAB-97B68E3AA305}" srcOrd="0" destOrd="0" presId="urn:microsoft.com/office/officeart/2005/8/layout/radial6"/>
     <dgm:cxn modelId="{CBB2413B-7531-44AD-93D8-E0A433CCD6FA}" type="presOf" srcId="{2BD83ECF-30D7-43A5-8B4A-6173CAAE1870}" destId="{98FBFBE3-655F-4BF6-B027-AA9C29315711}" srcOrd="0" destOrd="0" presId="urn:microsoft.com/office/officeart/2005/8/layout/radial6"/>
     <dgm:cxn modelId="{19648F5E-802A-4A7F-B8FA-0994FD3435C0}" type="presOf" srcId="{9419D3BE-41C8-4101-8F9E-8B95DC2D12AC}" destId="{1F354661-6C6A-4626-A871-2A74340398AE}" srcOrd="0" destOrd="0" presId="urn:microsoft.com/office/officeart/2005/8/layout/radial6"/>
-    <dgm:cxn modelId="{4D547E60-2C01-4E6F-8753-08A6631CC403}" type="presOf" srcId="{43D358A8-74A2-44F7-BDFA-A532360CD9E0}" destId="{F38BE074-8A94-4C03-8D0C-300B48429077}" srcOrd="0" destOrd="0" presId="urn:microsoft.com/office/officeart/2005/8/layout/radial6"/>
     <dgm:cxn modelId="{44DEC347-3759-4335-9ED5-3727407C8D09}" type="presOf" srcId="{3A82027D-3368-4C6C-AFB1-FFDB83452C8E}" destId="{6634CEF4-5FE3-4771-9584-814A161C8192}" srcOrd="0" destOrd="0" presId="urn:microsoft.com/office/officeart/2005/8/layout/radial6"/>
     <dgm:cxn modelId="{7C15DC6A-431F-4B66-B06F-1B242550F3A3}" type="presOf" srcId="{13ADD0A6-BC7A-43EF-8E9C-4BCC80DCFB25}" destId="{666DCE42-DFC1-4F39-A360-1905CB206636}" srcOrd="0" destOrd="0" presId="urn:microsoft.com/office/officeart/2005/8/layout/radial6"/>
     <dgm:cxn modelId="{2F16726E-2783-499F-AB50-33682A7C7043}" type="presOf" srcId="{9189A52D-EEBA-453D-89E0-6C088212FAA4}" destId="{64B68798-C054-485D-AF2D-02AFFC3F9FB4}" srcOrd="0" destOrd="0" presId="urn:microsoft.com/office/officeart/2005/8/layout/radial6"/>
@@ -1613,20 +1514,15 @@
     <dgm:cxn modelId="{7458D073-B1EF-4821-B968-12383AAD1D4D}" type="presOf" srcId="{8593BA3F-C273-4AAC-944B-AE781351C4DD}" destId="{3DBB7F11-FCEA-4386-A9D3-55CAE7E170D1}" srcOrd="0" destOrd="0" presId="urn:microsoft.com/office/officeart/2005/8/layout/radial6"/>
     <dgm:cxn modelId="{C7C41255-2CE1-4FCD-BD39-4A91399EAB8F}" type="presOf" srcId="{38448290-E4EC-4777-B529-EA0FCA8670B5}" destId="{24F648E4-6FA1-4565-BE2C-9B6C87816814}" srcOrd="0" destOrd="0" presId="urn:microsoft.com/office/officeart/2005/8/layout/radial6"/>
     <dgm:cxn modelId="{B9274376-E268-4896-9DE9-B211E6485FC5}" type="presOf" srcId="{EA140679-F36C-4BF1-8EE0-7D6B9B5A6B1A}" destId="{BC68F289-6671-400F-BAA6-E7D272F56F02}" srcOrd="0" destOrd="0" presId="urn:microsoft.com/office/officeart/2005/8/layout/radial6"/>
-    <dgm:cxn modelId="{FADC127A-A550-4930-866E-99CE8F8239C4}" type="presOf" srcId="{D607FD8E-FAA0-4DB6-95C9-C4C93F480FB9}" destId="{B7F93218-3D6F-4EAE-8681-75D20120D096}" srcOrd="0" destOrd="0" presId="urn:microsoft.com/office/officeart/2005/8/layout/radial6"/>
-    <dgm:cxn modelId="{323AFE7A-C296-430F-8888-3CF111FF01AE}" srcId="{9189A52D-EEBA-453D-89E0-6C088212FAA4}" destId="{43D358A8-74A2-44F7-BDFA-A532360CD9E0}" srcOrd="8" destOrd="0" parTransId="{E9EEF493-7CD2-4105-9813-3DB244F05A60}" sibTransId="{D607FD8E-FAA0-4DB6-95C9-C4C93F480FB9}"/>
     <dgm:cxn modelId="{B491117F-DC29-4B1C-A29B-930624AA0F87}" srcId="{9189A52D-EEBA-453D-89E0-6C088212FAA4}" destId="{8593BA3F-C273-4AAC-944B-AE781351C4DD}" srcOrd="0" destOrd="0" parTransId="{90EAC7B1-28EE-440E-B7B8-DFDCF1CBB802}" sibTransId="{38448290-E4EC-4777-B529-EA0FCA8670B5}"/>
-    <dgm:cxn modelId="{ADBF0E88-87C7-4966-9775-19D5D56F87B8}" type="presOf" srcId="{C5662E2F-06D8-4244-86D8-99FACF5F322F}" destId="{666F2A60-23A4-453B-B1A7-CE0093C8875E}" srcOrd="0" destOrd="0" presId="urn:microsoft.com/office/officeart/2005/8/layout/radial6"/>
     <dgm:cxn modelId="{9305F98E-1E79-43EF-856D-9826A7061767}" srcId="{9189A52D-EEBA-453D-89E0-6C088212FAA4}" destId="{3A82027D-3368-4C6C-AFB1-FFDB83452C8E}" srcOrd="5" destOrd="0" parTransId="{7D17A04C-FA2B-466C-ABD4-0592745253C4}" sibTransId="{EC9757D5-A912-4CD7-8300-BDCBC627C6CC}"/>
     <dgm:cxn modelId="{E5CFA79B-AB4F-4412-9E83-ADF7C6371FCA}" type="presOf" srcId="{71856E6A-7AC8-4BC5-A34C-FFBFEAD91A9F}" destId="{D7B50608-AA5C-4898-8353-E2EF9F80313F}" srcOrd="0" destOrd="0" presId="urn:microsoft.com/office/officeart/2005/8/layout/radial6"/>
     <dgm:cxn modelId="{24D678A8-CCE0-42E3-AC61-D9D2AC197593}" type="presOf" srcId="{89F13708-2FDF-429C-B4FC-7D244F626392}" destId="{E9984FAA-34C7-480F-90DF-3ADE45126465}" srcOrd="0" destOrd="0" presId="urn:microsoft.com/office/officeart/2005/8/layout/radial6"/>
     <dgm:cxn modelId="{D7AC60AE-45C8-4CEE-A532-9DF05F2A3580}" type="presOf" srcId="{74AC8F7A-6C57-4A63-A300-D5025870743F}" destId="{CCB7C157-5FBD-4DDE-BEBA-191047FE7675}" srcOrd="0" destOrd="0" presId="urn:microsoft.com/office/officeart/2005/8/layout/radial6"/>
-    <dgm:cxn modelId="{1F07FCB6-2384-42B5-9CEE-544A7A4DE713}" type="presOf" srcId="{BCBCD600-430C-4311-B6AA-7CD00AF363CD}" destId="{6CF17F77-E032-4A41-9F38-9FACA655950D}" srcOrd="0" destOrd="0" presId="urn:microsoft.com/office/officeart/2005/8/layout/radial6"/>
-    <dgm:cxn modelId="{400072BC-2E3D-47F8-8319-E22A313A0F7B}" srcId="{9189A52D-EEBA-453D-89E0-6C088212FAA4}" destId="{E296EAB9-EE79-4294-9C01-2793CE67D6E9}" srcOrd="9" destOrd="0" parTransId="{FAB7921A-B73A-4974-AE69-7D467A532364}" sibTransId="{EA140679-F36C-4BF1-8EE0-7D6B9B5A6B1A}"/>
+    <dgm:cxn modelId="{400072BC-2E3D-47F8-8319-E22A313A0F7B}" srcId="{9189A52D-EEBA-453D-89E0-6C088212FAA4}" destId="{E296EAB9-EE79-4294-9C01-2793CE67D6E9}" srcOrd="7" destOrd="0" parTransId="{FAB7921A-B73A-4974-AE69-7D467A532364}" sibTransId="{EA140679-F36C-4BF1-8EE0-7D6B9B5A6B1A}"/>
     <dgm:cxn modelId="{E7BC75BD-A58B-4ED2-B6D3-36F00D5AFD5E}" type="presOf" srcId="{51A9AC7B-FCE9-4972-BEAC-E6E1561CA0EF}" destId="{4BA0F6F2-ADF5-483A-A561-E881FE1F5D72}" srcOrd="0" destOrd="0" presId="urn:microsoft.com/office/officeart/2005/8/layout/radial6"/>
     <dgm:cxn modelId="{B26365BE-C0C6-4C73-B71F-B4E075B430F9}" srcId="{9189A52D-EEBA-453D-89E0-6C088212FAA4}" destId="{F6771BA9-5991-4A94-851E-C1F9D205F1B3}" srcOrd="6" destOrd="0" parTransId="{27912CD7-5878-41C9-96B6-8B92F6585A2A}" sibTransId="{71856E6A-7AC8-4BC5-A34C-FFBFEAD91A9F}"/>
     <dgm:cxn modelId="{7AB2FBBF-A686-4905-9432-E6251481E5BB}" type="presOf" srcId="{F6771BA9-5991-4A94-851E-C1F9D205F1B3}" destId="{777913BC-8F85-4384-9E6B-F6FFB7346CB1}" srcOrd="0" destOrd="0" presId="urn:microsoft.com/office/officeart/2005/8/layout/radial6"/>
-    <dgm:cxn modelId="{D648BFC8-E1F2-454A-BE7A-8E8FB82D8042}" srcId="{9189A52D-EEBA-453D-89E0-6C088212FAA4}" destId="{BCBCD600-430C-4311-B6AA-7CD00AF363CD}" srcOrd="7" destOrd="0" parTransId="{ED1E7586-63C2-45E1-91C7-CD5A4DE7FBE4}" sibTransId="{C5662E2F-06D8-4244-86D8-99FACF5F322F}"/>
     <dgm:cxn modelId="{12EFEEC9-0CEF-4A1E-8C51-E79159E96CC6}" type="presOf" srcId="{0EAFDB6D-6238-493B-9C37-E1F700DE04C8}" destId="{D57B940D-68F5-40FF-970F-19E9AE671C70}" srcOrd="0" destOrd="0" presId="urn:microsoft.com/office/officeart/2005/8/layout/radial6"/>
     <dgm:cxn modelId="{7D5F64EC-B4DC-4617-8CC5-EA9CC2F93FA2}" srcId="{9189A52D-EEBA-453D-89E0-6C088212FAA4}" destId="{24C68214-C91C-4E48-98DD-5E5A82706A0C}" srcOrd="3" destOrd="0" parTransId="{6E114170-53DC-4D3D-A768-D3922D07EAA2}" sibTransId="{2BD83ECF-30D7-43A5-8B4A-6173CAAE1870}"/>
     <dgm:cxn modelId="{E49F21FF-F88A-41A8-9A9E-3ED406D21FD8}" srcId="{9189A52D-EEBA-453D-89E0-6C088212FAA4}" destId="{89F13708-2FDF-429C-B4FC-7D244F626392}" srcOrd="2" destOrd="0" parTransId="{DE83F28A-DA72-451C-8E9B-435F84965105}" sibTransId="{EBC3442F-7959-44C2-8236-A4A796866360}"/>
@@ -1652,21 +1548,15 @@
     <dgm:cxn modelId="{16271128-4261-4D70-945A-0E51FF236D94}" type="presParOf" srcId="{666DCE42-DFC1-4F39-A360-1905CB206636}" destId="{777913BC-8F85-4384-9E6B-F6FFB7346CB1}" srcOrd="19" destOrd="0" presId="urn:microsoft.com/office/officeart/2005/8/layout/radial6"/>
     <dgm:cxn modelId="{83194B36-DA0F-42C8-8B5A-0E0A275DE326}" type="presParOf" srcId="{666DCE42-DFC1-4F39-A360-1905CB206636}" destId="{F6005688-1982-4E66-80D0-DD8D2CCBD426}" srcOrd="20" destOrd="0" presId="urn:microsoft.com/office/officeart/2005/8/layout/radial6"/>
     <dgm:cxn modelId="{C5808CBA-B2E4-4028-8886-C7F765C2902A}" type="presParOf" srcId="{666DCE42-DFC1-4F39-A360-1905CB206636}" destId="{D7B50608-AA5C-4898-8353-E2EF9F80313F}" srcOrd="21" destOrd="0" presId="urn:microsoft.com/office/officeart/2005/8/layout/radial6"/>
-    <dgm:cxn modelId="{7617E0F5-A296-452F-AF94-3D3CFC4B6D83}" type="presParOf" srcId="{666DCE42-DFC1-4F39-A360-1905CB206636}" destId="{6CF17F77-E032-4A41-9F38-9FACA655950D}" srcOrd="22" destOrd="0" presId="urn:microsoft.com/office/officeart/2005/8/layout/radial6"/>
-    <dgm:cxn modelId="{ABF7F64F-A111-4132-B7BE-C3D6DCEECECE}" type="presParOf" srcId="{666DCE42-DFC1-4F39-A360-1905CB206636}" destId="{4E316707-7A12-4349-BC43-0B9529AB5357}" srcOrd="23" destOrd="0" presId="urn:microsoft.com/office/officeart/2005/8/layout/radial6"/>
-    <dgm:cxn modelId="{97AFB06F-C0FA-496A-BDC4-30B595D74FE5}" type="presParOf" srcId="{666DCE42-DFC1-4F39-A360-1905CB206636}" destId="{666F2A60-23A4-453B-B1A7-CE0093C8875E}" srcOrd="24" destOrd="0" presId="urn:microsoft.com/office/officeart/2005/8/layout/radial6"/>
-    <dgm:cxn modelId="{CDE68CDB-ED87-4C72-ABC5-189700976064}" type="presParOf" srcId="{666DCE42-DFC1-4F39-A360-1905CB206636}" destId="{F38BE074-8A94-4C03-8D0C-300B48429077}" srcOrd="25" destOrd="0" presId="urn:microsoft.com/office/officeart/2005/8/layout/radial6"/>
-    <dgm:cxn modelId="{94FF84DD-C20B-4012-8777-91ABD282777D}" type="presParOf" srcId="{666DCE42-DFC1-4F39-A360-1905CB206636}" destId="{A1584CEE-856B-4EF9-95E4-24A4FA8CE404}" srcOrd="26" destOrd="0" presId="urn:microsoft.com/office/officeart/2005/8/layout/radial6"/>
-    <dgm:cxn modelId="{336BBB95-8C4F-4211-A340-10E01E861469}" type="presParOf" srcId="{666DCE42-DFC1-4F39-A360-1905CB206636}" destId="{B7F93218-3D6F-4EAE-8681-75D20120D096}" srcOrd="27" destOrd="0" presId="urn:microsoft.com/office/officeart/2005/8/layout/radial6"/>
-    <dgm:cxn modelId="{9D6587D0-7E1F-41D3-B025-6100B37672F4}" type="presParOf" srcId="{666DCE42-DFC1-4F39-A360-1905CB206636}" destId="{0792344A-7FE6-4EDC-A301-837CDFF0CF21}" srcOrd="28" destOrd="0" presId="urn:microsoft.com/office/officeart/2005/8/layout/radial6"/>
-    <dgm:cxn modelId="{020FC509-08B8-44B3-B2BA-E571509570CB}" type="presParOf" srcId="{666DCE42-DFC1-4F39-A360-1905CB206636}" destId="{FF77B7DF-490B-4A07-81A2-A4E68CE21658}" srcOrd="29" destOrd="0" presId="urn:microsoft.com/office/officeart/2005/8/layout/radial6"/>
-    <dgm:cxn modelId="{F6830FE0-06C7-44E5-90D9-841377285639}" type="presParOf" srcId="{666DCE42-DFC1-4F39-A360-1905CB206636}" destId="{BC68F289-6671-400F-BAA6-E7D272F56F02}" srcOrd="30" destOrd="0" presId="urn:microsoft.com/office/officeart/2005/8/layout/radial6"/>
+    <dgm:cxn modelId="{9D6587D0-7E1F-41D3-B025-6100B37672F4}" type="presParOf" srcId="{666DCE42-DFC1-4F39-A360-1905CB206636}" destId="{0792344A-7FE6-4EDC-A301-837CDFF0CF21}" srcOrd="22" destOrd="0" presId="urn:microsoft.com/office/officeart/2005/8/layout/radial6"/>
+    <dgm:cxn modelId="{020FC509-08B8-44B3-B2BA-E571509570CB}" type="presParOf" srcId="{666DCE42-DFC1-4F39-A360-1905CB206636}" destId="{FF77B7DF-490B-4A07-81A2-A4E68CE21658}" srcOrd="23" destOrd="0" presId="urn:microsoft.com/office/officeart/2005/8/layout/radial6"/>
+    <dgm:cxn modelId="{F6830FE0-06C7-44E5-90D9-841377285639}" type="presParOf" srcId="{666DCE42-DFC1-4F39-A360-1905CB206636}" destId="{BC68F289-6671-400F-BAA6-E7D272F56F02}" srcOrd="24" destOrd="0" presId="urn:microsoft.com/office/officeart/2005/8/layout/radial6"/>
   </dgm:cxnLst>
   <dgm:bg/>
   <dgm:whole/>
   <dgm:extLst>
     <a:ext uri="http://schemas.microsoft.com/office/drawing/2008/diagram">
-      <dsp:dataModelExt xmlns:dsp="http://schemas.microsoft.com/office/drawing/2008/diagram" relId="rId6" minVer="http://schemas.openxmlformats.org/drawingml/2006/diagram"/>
+      <dsp:dataModelExt xmlns:dsp="http://schemas.microsoft.com/office/drawing/2008/diagram" relId="rId7" minVer="http://schemas.openxmlformats.org/drawingml/2006/diagram"/>
     </a:ext>
   </dgm:extLst>
 </dgm:dataModel>
@@ -1687,114 +1577,22 @@
       </dsp:nvSpPr>
       <dsp:spPr>
         <a:xfrm>
-          <a:off x="2893597" y="539728"/>
-          <a:ext cx="6055589" cy="6055589"/>
+          <a:off x="3082371" y="642187"/>
+          <a:ext cx="5769511" cy="5769511"/>
         </a:xfrm>
         <a:prstGeom prst="blockArc">
           <a:avLst>
-            <a:gd name="adj1" fmla="val 13826548"/>
-            <a:gd name="adj2" fmla="val 16181704"/>
-            <a:gd name="adj3" fmla="val 2765"/>
+            <a:gd name="adj1" fmla="val 13240866"/>
+            <a:gd name="adj2" fmla="val 16184674"/>
+            <a:gd name="adj3" fmla="val 3439"/>
           </a:avLst>
         </a:prstGeom>
         <a:solidFill>
           <a:schemeClr val="accent2">
             <a:shade val="90000"/>
-            <a:hueOff val="-106964"/>
-            <a:satOff val="-227"/>
-            <a:lumOff val="6465"/>
-            <a:alphaOff val="0"/>
-          </a:schemeClr>
-        </a:solidFill>
-        <a:ln>
-          <a:noFill/>
-        </a:ln>
-        <a:effectLst/>
-      </dsp:spPr>
-      <dsp:style>
-        <a:lnRef idx="0">
-          <a:scrgbClr r="0" g="0" b="0"/>
-        </a:lnRef>
-        <a:fillRef idx="1">
-          <a:scrgbClr r="0" g="0" b="0"/>
-        </a:fillRef>
-        <a:effectRef idx="0">
-          <a:scrgbClr r="0" g="0" b="0"/>
-        </a:effectRef>
-        <a:fontRef idx="minor">
-          <a:schemeClr val="lt1"/>
-        </a:fontRef>
-      </dsp:style>
-    </dsp:sp>
-    <dsp:sp modelId="{B7F93218-3D6F-4EAE-8681-75D20120D096}">
-      <dsp:nvSpPr>
-        <dsp:cNvPr id="0" name=""/>
-        <dsp:cNvSpPr/>
-      </dsp:nvSpPr>
-      <dsp:spPr>
-        <a:xfrm>
-          <a:off x="2871887" y="557490"/>
-          <a:ext cx="6055589" cy="6055589"/>
-        </a:xfrm>
-        <a:prstGeom prst="blockArc">
-          <a:avLst>
-            <a:gd name="adj1" fmla="val 11901473"/>
-            <a:gd name="adj2" fmla="val 13858843"/>
-            <a:gd name="adj3" fmla="val 2765"/>
-          </a:avLst>
-        </a:prstGeom>
-        <a:solidFill>
-          <a:schemeClr val="accent2">
-            <a:shade val="90000"/>
-            <a:hueOff val="-213928"/>
-            <a:satOff val="-454"/>
-            <a:lumOff val="12930"/>
-            <a:alphaOff val="0"/>
-          </a:schemeClr>
-        </a:solidFill>
-        <a:ln>
-          <a:noFill/>
-        </a:ln>
-        <a:effectLst/>
-      </dsp:spPr>
-      <dsp:style>
-        <a:lnRef idx="0">
-          <a:scrgbClr r="0" g="0" b="0"/>
-        </a:lnRef>
-        <a:fillRef idx="1">
-          <a:scrgbClr r="0" g="0" b="0"/>
-        </a:fillRef>
-        <a:effectRef idx="0">
-          <a:scrgbClr r="0" g="0" b="0"/>
-        </a:effectRef>
-        <a:fontRef idx="minor">
-          <a:schemeClr val="lt1"/>
-        </a:fontRef>
-      </dsp:style>
-    </dsp:sp>
-    <dsp:sp modelId="{666F2A60-23A4-453B-B1A7-CE0093C8875E}">
-      <dsp:nvSpPr>
-        <dsp:cNvPr id="0" name=""/>
-        <dsp:cNvSpPr/>
-      </dsp:nvSpPr>
-      <dsp:spPr>
-        <a:xfrm>
-          <a:off x="2877706" y="539770"/>
-          <a:ext cx="6055589" cy="6055589"/>
-        </a:xfrm>
-        <a:prstGeom prst="blockArc">
-          <a:avLst>
-            <a:gd name="adj1" fmla="val 9720000"/>
-            <a:gd name="adj2" fmla="val 11880000"/>
-            <a:gd name="adj3" fmla="val 2765"/>
-          </a:avLst>
-        </a:prstGeom>
-        <a:solidFill>
-          <a:schemeClr val="accent2">
-            <a:shade val="90000"/>
-            <a:hueOff val="-320892"/>
-            <a:satOff val="-682"/>
-            <a:lumOff val="19395"/>
+            <a:hueOff val="-133705"/>
+            <a:satOff val="-284"/>
+            <a:lumOff val="8081"/>
             <a:alphaOff val="0"/>
           </a:schemeClr>
         </a:solidFill>
@@ -1825,22 +1623,22 @@
       </dsp:nvSpPr>
       <dsp:spPr>
         <a:xfrm>
-          <a:off x="3058885" y="830718"/>
-          <a:ext cx="6055589" cy="6055589"/>
+          <a:off x="3150066" y="782611"/>
+          <a:ext cx="5769511" cy="5769511"/>
         </a:xfrm>
         <a:prstGeom prst="blockArc">
           <a:avLst>
-            <a:gd name="adj1" fmla="val 8040234"/>
-            <a:gd name="adj2" fmla="val 9962676"/>
-            <a:gd name="adj3" fmla="val 2765"/>
+            <a:gd name="adj1" fmla="val 10868172"/>
+            <a:gd name="adj2" fmla="val 13331846"/>
+            <a:gd name="adj3" fmla="val 3439"/>
           </a:avLst>
         </a:prstGeom>
         <a:solidFill>
           <a:schemeClr val="accent2">
             <a:shade val="90000"/>
-            <a:hueOff val="-427856"/>
-            <a:satOff val="-909"/>
-            <a:lumOff val="25860"/>
+            <a:hueOff val="-267410"/>
+            <a:satOff val="-568"/>
+            <a:lumOff val="16162"/>
             <a:alphaOff val="0"/>
           </a:schemeClr>
         </a:solidFill>
@@ -1871,14 +1669,60 @@
       </dsp:nvSpPr>
       <dsp:spPr>
         <a:xfrm>
-          <a:off x="2709066" y="544536"/>
-          <a:ext cx="6055589" cy="6055589"/>
+          <a:off x="3028644" y="480302"/>
+          <a:ext cx="5769511" cy="5769511"/>
         </a:xfrm>
         <a:prstGeom prst="blockArc">
           <a:avLst>
-            <a:gd name="adj1" fmla="val 5205740"/>
-            <a:gd name="adj2" fmla="val 7693723"/>
-            <a:gd name="adj3" fmla="val 2765"/>
+            <a:gd name="adj1" fmla="val 8293297"/>
+            <a:gd name="adj2" fmla="val 10603567"/>
+            <a:gd name="adj3" fmla="val 3439"/>
+          </a:avLst>
+        </a:prstGeom>
+        <a:solidFill>
+          <a:schemeClr val="accent2">
+            <a:shade val="90000"/>
+            <a:hueOff val="-401115"/>
+            <a:satOff val="-852"/>
+            <a:lumOff val="24244"/>
+            <a:alphaOff val="0"/>
+          </a:schemeClr>
+        </a:solidFill>
+        <a:ln>
+          <a:noFill/>
+        </a:ln>
+        <a:effectLst/>
+      </dsp:spPr>
+      <dsp:style>
+        <a:lnRef idx="0">
+          <a:scrgbClr r="0" g="0" b="0"/>
+        </a:lnRef>
+        <a:fillRef idx="1">
+          <a:scrgbClr r="0" g="0" b="0"/>
+        </a:fillRef>
+        <a:effectRef idx="0">
+          <a:scrgbClr r="0" g="0" b="0"/>
+        </a:effectRef>
+        <a:fontRef idx="minor">
+          <a:schemeClr val="lt1"/>
+        </a:fontRef>
+      </dsp:style>
+    </dsp:sp>
+    <dsp:sp modelId="{1F354661-6C6A-4626-A871-2A74340398AE}">
+      <dsp:nvSpPr>
+        <dsp:cNvPr id="0" name=""/>
+        <dsp:cNvSpPr/>
+      </dsp:nvSpPr>
+      <dsp:spPr>
+        <a:xfrm>
+          <a:off x="3028744" y="480414"/>
+          <a:ext cx="5769511" cy="5769511"/>
+        </a:xfrm>
+        <a:prstGeom prst="blockArc">
+          <a:avLst>
+            <a:gd name="adj1" fmla="val 5101866"/>
+            <a:gd name="adj2" fmla="val 8293478"/>
+            <a:gd name="adj3" fmla="val 3439"/>
           </a:avLst>
         </a:prstGeom>
         <a:solidFill>
@@ -1910,52 +1754,6 @@
         </a:fontRef>
       </dsp:style>
     </dsp:sp>
-    <dsp:sp modelId="{1F354661-6C6A-4626-A871-2A74340398AE}">
-      <dsp:nvSpPr>
-        <dsp:cNvPr id="0" name=""/>
-        <dsp:cNvSpPr/>
-      </dsp:nvSpPr>
-      <dsp:spPr>
-        <a:xfrm>
-          <a:off x="3145969" y="551845"/>
-          <a:ext cx="6055589" cy="6055589"/>
-        </a:xfrm>
-        <a:prstGeom prst="blockArc">
-          <a:avLst>
-            <a:gd name="adj1" fmla="val 3092716"/>
-            <a:gd name="adj2" fmla="val 5709272"/>
-            <a:gd name="adj3" fmla="val 2765"/>
-          </a:avLst>
-        </a:prstGeom>
-        <a:solidFill>
-          <a:schemeClr val="accent2">
-            <a:shade val="90000"/>
-            <a:hueOff val="-427856"/>
-            <a:satOff val="-909"/>
-            <a:lumOff val="25860"/>
-            <a:alphaOff val="0"/>
-          </a:schemeClr>
-        </a:solidFill>
-        <a:ln>
-          <a:noFill/>
-        </a:ln>
-        <a:effectLst/>
-      </dsp:spPr>
-      <dsp:style>
-        <a:lnRef idx="0">
-          <a:scrgbClr r="0" g="0" b="0"/>
-        </a:lnRef>
-        <a:fillRef idx="1">
-          <a:scrgbClr r="0" g="0" b="0"/>
-        </a:fillRef>
-        <a:effectRef idx="0">
-          <a:scrgbClr r="0" g="0" b="0"/>
-        </a:effectRef>
-        <a:fontRef idx="minor">
-          <a:schemeClr val="lt1"/>
-        </a:fontRef>
-      </dsp:style>
-    </dsp:sp>
     <dsp:sp modelId="{98FBFBE3-655F-4BF6-B027-AA9C29315711}">
       <dsp:nvSpPr>
         <dsp:cNvPr id="0" name=""/>
@@ -1963,22 +1761,22 @@
       </dsp:nvSpPr>
       <dsp:spPr>
         <a:xfrm>
-          <a:off x="2787257" y="888458"/>
-          <a:ext cx="6055589" cy="6055589"/>
+          <a:off x="3438679" y="474528"/>
+          <a:ext cx="5769511" cy="5769511"/>
         </a:xfrm>
         <a:prstGeom prst="blockArc">
           <a:avLst>
-            <a:gd name="adj1" fmla="val 665013"/>
-            <a:gd name="adj2" fmla="val 2525724"/>
-            <a:gd name="adj3" fmla="val 2765"/>
+            <a:gd name="adj1" fmla="val 2516113"/>
+            <a:gd name="adj2" fmla="val 5599415"/>
+            <a:gd name="adj3" fmla="val 3439"/>
           </a:avLst>
         </a:prstGeom>
         <a:solidFill>
           <a:schemeClr val="accent2">
             <a:shade val="90000"/>
-            <a:hueOff val="-320892"/>
-            <a:satOff val="-682"/>
-            <a:lumOff val="19395"/>
+            <a:hueOff val="-401115"/>
+            <a:satOff val="-852"/>
+            <a:lumOff val="24244"/>
             <a:alphaOff val="0"/>
           </a:schemeClr>
         </a:solidFill>
@@ -2009,22 +1807,22 @@
       </dsp:nvSpPr>
       <dsp:spPr>
         <a:xfrm>
-          <a:off x="2877706" y="539770"/>
-          <a:ext cx="6055589" cy="6055589"/>
+          <a:off x="3087604" y="960059"/>
+          <a:ext cx="5769511" cy="5769511"/>
         </a:xfrm>
         <a:prstGeom prst="blockArc">
           <a:avLst>
-            <a:gd name="adj1" fmla="val 20520000"/>
-            <a:gd name="adj2" fmla="val 1080000"/>
-            <a:gd name="adj3" fmla="val 2765"/>
+            <a:gd name="adj1" fmla="val 21213788"/>
+            <a:gd name="adj2" fmla="val 1788245"/>
+            <a:gd name="adj3" fmla="val 3439"/>
           </a:avLst>
         </a:prstGeom>
         <a:solidFill>
           <a:schemeClr val="accent2">
             <a:shade val="90000"/>
-            <a:hueOff val="-213928"/>
-            <a:satOff val="-454"/>
-            <a:lumOff val="12930"/>
+            <a:hueOff val="-267410"/>
+            <a:satOff val="-568"/>
+            <a:lumOff val="16162"/>
             <a:alphaOff val="0"/>
           </a:schemeClr>
         </a:solidFill>
@@ -2055,22 +1853,22 @@
       </dsp:nvSpPr>
       <dsp:spPr>
         <a:xfrm>
-          <a:off x="2821454" y="344208"/>
-          <a:ext cx="6055589" cy="6055589"/>
+          <a:off x="3074184" y="483382"/>
+          <a:ext cx="5769511" cy="5769511"/>
         </a:xfrm>
         <a:prstGeom prst="blockArc">
           <a:avLst>
-            <a:gd name="adj1" fmla="val 18907764"/>
-            <a:gd name="adj2" fmla="val 20754327"/>
-            <a:gd name="adj3" fmla="val 2765"/>
+            <a:gd name="adj1" fmla="val 19485650"/>
+            <a:gd name="adj2" fmla="val 192693"/>
+            <a:gd name="adj3" fmla="val 3439"/>
           </a:avLst>
         </a:prstGeom>
         <a:solidFill>
           <a:schemeClr val="accent2">
             <a:shade val="90000"/>
-            <a:hueOff val="-106964"/>
-            <a:satOff val="-227"/>
-            <a:lumOff val="6465"/>
+            <a:hueOff val="-133705"/>
+            <a:satOff val="-284"/>
+            <a:lumOff val="8081"/>
             <a:alphaOff val="0"/>
           </a:schemeClr>
         </a:solidFill>
@@ -2101,14 +1899,14 @@
       </dsp:nvSpPr>
       <dsp:spPr>
         <a:xfrm>
-          <a:off x="3031278" y="535818"/>
-          <a:ext cx="6055589" cy="6055589"/>
+          <a:off x="3192807" y="639543"/>
+          <a:ext cx="5769511" cy="5769511"/>
         </a:xfrm>
         <a:prstGeom prst="blockArc">
           <a:avLst>
-            <a:gd name="adj1" fmla="val 16023112"/>
-            <a:gd name="adj2" fmla="val 18580497"/>
-            <a:gd name="adj3" fmla="val 2765"/>
+            <a:gd name="adj1" fmla="val 16050718"/>
+            <a:gd name="adj2" fmla="val 19247815"/>
+            <a:gd name="adj3" fmla="val 3439"/>
           </a:avLst>
         </a:prstGeom>
         <a:solidFill>
@@ -2147,8 +1945,8 @@
       </dsp:nvSpPr>
       <dsp:spPr>
         <a:xfrm>
-          <a:off x="4493492" y="2245006"/>
-          <a:ext cx="2824016" cy="2645118"/>
+          <a:off x="4354284" y="2590802"/>
+          <a:ext cx="3200405" cy="1872337"/>
         </a:xfrm>
         <a:prstGeom prst="ellipse">
           <a:avLst/>
@@ -2215,8 +2013,8 @@
         </a:p>
       </dsp:txBody>
       <dsp:txXfrm>
-        <a:off x="4907060" y="2632375"/>
-        <a:ext cx="1996880" cy="1870380"/>
+        <a:off x="4822972" y="2864999"/>
+        <a:ext cx="2263029" cy="1323943"/>
       </dsp:txXfrm>
     </dsp:sp>
     <dsp:sp modelId="{3DBB7F11-FCEA-4386-A9D3-55CAE7E170D1}">
@@ -2226,8 +2024,8 @@
       </dsp:nvSpPr>
       <dsp:spPr>
         <a:xfrm>
-          <a:off x="4944609" y="-20990"/>
-          <a:ext cx="1921783" cy="1205233"/>
+          <a:off x="4815737" y="-22340"/>
+          <a:ext cx="2277499" cy="1428318"/>
         </a:xfrm>
         <a:prstGeom prst="ellipse">
           <a:avLst/>
@@ -2310,8 +2108,8 @@
         </a:p>
       </dsp:txBody>
       <dsp:txXfrm>
-        <a:off x="5226048" y="155512"/>
-        <a:ext cx="1358905" cy="852229"/>
+        <a:off x="5149269" y="186832"/>
+        <a:ext cx="1610435" cy="1009974"/>
       </dsp:txXfrm>
     </dsp:sp>
     <dsp:sp modelId="{4BA0F6F2-ADF5-483A-A561-E881FE1F5D72}">
@@ -2321,8 +2119,8 @@
       </dsp:nvSpPr>
       <dsp:spPr>
         <a:xfrm>
-          <a:off x="7004499" y="662782"/>
-          <a:ext cx="1921783" cy="1205233"/>
+          <a:off x="7135803" y="1018121"/>
+          <a:ext cx="2277499" cy="1428318"/>
         </a:xfrm>
         <a:prstGeom prst="ellipse">
           <a:avLst/>
@@ -2330,9 +2128,9 @@
         <a:solidFill>
           <a:schemeClr val="accent2">
             <a:shade val="50000"/>
-            <a:hueOff val="-109770"/>
-            <a:satOff val="874"/>
-            <a:lumOff val="9349"/>
+            <a:hueOff val="-137212"/>
+            <a:satOff val="1093"/>
+            <a:lumOff val="11686"/>
             <a:alphaOff val="0"/>
           </a:schemeClr>
         </a:solidFill>
@@ -2389,8 +2187,8 @@
         </a:p>
       </dsp:txBody>
       <dsp:txXfrm>
-        <a:off x="7285938" y="839284"/>
-        <a:ext cx="1358905" cy="852229"/>
+        <a:off x="7469335" y="1227293"/>
+        <a:ext cx="1610435" cy="1009974"/>
       </dsp:txXfrm>
     </dsp:sp>
     <dsp:sp modelId="{E9984FAA-34C7-480F-90DF-3ADE45126465}">
@@ -2400,8 +2198,8 @@
       </dsp:nvSpPr>
       <dsp:spPr>
         <a:xfrm>
-          <a:off x="7784406" y="2042242"/>
-          <a:ext cx="1921783" cy="1205233"/>
+          <a:off x="7650890" y="2812812"/>
+          <a:ext cx="2277499" cy="1428318"/>
         </a:xfrm>
         <a:prstGeom prst="ellipse">
           <a:avLst/>
@@ -2409,9 +2207,9 @@
         <a:solidFill>
           <a:schemeClr val="accent2">
             <a:shade val="50000"/>
-            <a:hueOff val="-219540"/>
-            <a:satOff val="1749"/>
-            <a:lumOff val="18698"/>
+            <a:hueOff val="-274425"/>
+            <a:satOff val="2186"/>
+            <a:lumOff val="23372"/>
             <a:alphaOff val="0"/>
           </a:schemeClr>
         </a:solidFill>
@@ -2468,8 +2266,8 @@
         </a:p>
       </dsp:txBody>
       <dsp:txXfrm>
-        <a:off x="8065845" y="2218744"/>
-        <a:ext cx="1358905" cy="852229"/>
+        <a:off x="7984422" y="3021984"/>
+        <a:ext cx="1610435" cy="1009974"/>
       </dsp:txXfrm>
     </dsp:sp>
     <dsp:sp modelId="{26D9CF0F-D0EB-4382-A73A-42BC43D74F1B}">
@@ -2479,8 +2277,8 @@
       </dsp:nvSpPr>
       <dsp:spPr>
         <a:xfrm>
-          <a:off x="7784406" y="3887654"/>
-          <a:ext cx="1921783" cy="1205233"/>
+          <a:off x="7293758" y="4539828"/>
+          <a:ext cx="2277499" cy="1428318"/>
         </a:xfrm>
         <a:prstGeom prst="ellipse">
           <a:avLst/>
@@ -2488,9 +2286,9 @@
         <a:solidFill>
           <a:schemeClr val="accent2">
             <a:shade val="50000"/>
-            <a:hueOff val="-329309"/>
-            <a:satOff val="2623"/>
-            <a:lumOff val="28046"/>
+            <a:hueOff val="-411637"/>
+            <a:satOff val="3279"/>
+            <a:lumOff val="35058"/>
             <a:alphaOff val="0"/>
           </a:schemeClr>
         </a:solidFill>
@@ -2547,8 +2345,8 @@
         </a:p>
       </dsp:txBody>
       <dsp:txXfrm>
-        <a:off x="8065845" y="4064156"/>
-        <a:ext cx="1358905" cy="852229"/>
+        <a:off x="7627290" y="4749000"/>
+        <a:ext cx="1610435" cy="1009974"/>
       </dsp:txXfrm>
     </dsp:sp>
     <dsp:sp modelId="{CCB7C157-5FBD-4DDE-BEBA-191047FE7675}">
@@ -2558,87 +2356,8 @@
       </dsp:nvSpPr>
       <dsp:spPr>
         <a:xfrm>
-          <a:off x="7069816" y="5315312"/>
-          <a:ext cx="1921783" cy="1205233"/>
-        </a:xfrm>
-        <a:prstGeom prst="ellipse">
-          <a:avLst/>
-        </a:prstGeom>
-        <a:solidFill>
-          <a:schemeClr val="accent2">
-            <a:shade val="50000"/>
-            <a:hueOff val="-439079"/>
-            <a:satOff val="3498"/>
-            <a:lumOff val="37395"/>
-            <a:alphaOff val="0"/>
-          </a:schemeClr>
-        </a:solidFill>
-        <a:ln w="19050" cap="flat" cmpd="sng" algn="ctr">
-          <a:solidFill>
-            <a:schemeClr val="lt1">
-              <a:hueOff val="0"/>
-              <a:satOff val="0"/>
-              <a:lumOff val="0"/>
-              <a:alphaOff val="0"/>
-            </a:schemeClr>
-          </a:solidFill>
-          <a:prstDash val="solid"/>
-          <a:miter lim="800000"/>
-        </a:ln>
-        <a:effectLst/>
-      </dsp:spPr>
-      <dsp:style>
-        <a:lnRef idx="2">
-          <a:scrgbClr r="0" g="0" b="0"/>
-        </a:lnRef>
-        <a:fillRef idx="1">
-          <a:scrgbClr r="0" g="0" b="0"/>
-        </a:fillRef>
-        <a:effectRef idx="0">
-          <a:scrgbClr r="0" g="0" b="0"/>
-        </a:effectRef>
-        <a:fontRef idx="minor">
-          <a:schemeClr val="lt1"/>
-        </a:fontRef>
-      </dsp:style>
-      <dsp:txBody>
-        <a:bodyPr spcFirstLastPara="0" vert="horz" wrap="square" lIns="17780" tIns="17780" rIns="17780" bIns="17780" numCol="1" spcCol="1270" anchor="ctr" anchorCtr="0">
-          <a:noAutofit/>
-        </a:bodyPr>
-        <a:lstStyle/>
-        <a:p>
-          <a:pPr marL="0" lvl="0" indent="0" algn="ctr" defTabSz="622300">
-            <a:lnSpc>
-              <a:spcPct val="90000"/>
-            </a:lnSpc>
-            <a:spcBef>
-              <a:spcPct val="0"/>
-            </a:spcBef>
-            <a:spcAft>
-              <a:spcPct val="35000"/>
-            </a:spcAft>
-            <a:buNone/>
-          </a:pPr>
-          <a:r>
-            <a:rPr lang="de-DE" sz="1400" kern="1200" dirty="0"/>
-            <a:t>Haushaltsnachfrage VPI Schokolade</a:t>
-          </a:r>
-        </a:p>
-      </dsp:txBody>
-      <dsp:txXfrm>
-        <a:off x="7351255" y="5491814"/>
-        <a:ext cx="1358905" cy="852229"/>
-      </dsp:txXfrm>
-    </dsp:sp>
-    <dsp:sp modelId="{6634CEF4-5FE3-4771-9584-814A161C8192}">
-      <dsp:nvSpPr>
-        <dsp:cNvPr id="0" name=""/>
-        <dsp:cNvSpPr/>
-      </dsp:nvSpPr>
-      <dsp:spPr>
-        <a:xfrm>
-          <a:off x="4944609" y="5950888"/>
-          <a:ext cx="1921783" cy="1205233"/>
+          <a:off x="5020317" y="5475509"/>
+          <a:ext cx="2277499" cy="1428318"/>
         </a:xfrm>
         <a:prstGeom prst="ellipse">
           <a:avLst/>
@@ -2700,13 +2419,92 @@
           </a:pPr>
           <a:r>
             <a:rPr lang="de-DE" sz="1400" kern="1200" dirty="0"/>
+            <a:t>Haushaltsnachfrage VPI Schokolade</a:t>
+          </a:r>
+        </a:p>
+      </dsp:txBody>
+      <dsp:txXfrm>
+        <a:off x="5353849" y="5684681"/>
+        <a:ext cx="1610435" cy="1009974"/>
+      </dsp:txXfrm>
+    </dsp:sp>
+    <dsp:sp modelId="{6634CEF4-5FE3-4771-9584-814A161C8192}">
+      <dsp:nvSpPr>
+        <dsp:cNvPr id="0" name=""/>
+        <dsp:cNvSpPr/>
+      </dsp:nvSpPr>
+      <dsp:spPr>
+        <a:xfrm>
+          <a:off x="2660399" y="4539823"/>
+          <a:ext cx="2277499" cy="1428318"/>
+        </a:xfrm>
+        <a:prstGeom prst="ellipse">
+          <a:avLst/>
+        </a:prstGeom>
+        <a:solidFill>
+          <a:schemeClr val="accent2">
+            <a:shade val="50000"/>
+            <a:hueOff val="-411637"/>
+            <a:satOff val="3279"/>
+            <a:lumOff val="35058"/>
+            <a:alphaOff val="0"/>
+          </a:schemeClr>
+        </a:solidFill>
+        <a:ln w="19050" cap="flat" cmpd="sng" algn="ctr">
+          <a:solidFill>
+            <a:schemeClr val="lt1">
+              <a:hueOff val="0"/>
+              <a:satOff val="0"/>
+              <a:lumOff val="0"/>
+              <a:alphaOff val="0"/>
+            </a:schemeClr>
+          </a:solidFill>
+          <a:prstDash val="solid"/>
+          <a:miter lim="800000"/>
+        </a:ln>
+        <a:effectLst/>
+      </dsp:spPr>
+      <dsp:style>
+        <a:lnRef idx="2">
+          <a:scrgbClr r="0" g="0" b="0"/>
+        </a:lnRef>
+        <a:fillRef idx="1">
+          <a:scrgbClr r="0" g="0" b="0"/>
+        </a:fillRef>
+        <a:effectRef idx="0">
+          <a:scrgbClr r="0" g="0" b="0"/>
+        </a:effectRef>
+        <a:fontRef idx="minor">
+          <a:schemeClr val="lt1"/>
+        </a:fontRef>
+      </dsp:style>
+      <dsp:txBody>
+        <a:bodyPr spcFirstLastPara="0" vert="horz" wrap="square" lIns="17780" tIns="17780" rIns="17780" bIns="17780" numCol="1" spcCol="1270" anchor="ctr" anchorCtr="0">
+          <a:noAutofit/>
+        </a:bodyPr>
+        <a:lstStyle/>
+        <a:p>
+          <a:pPr marL="0" lvl="0" indent="0" algn="ctr" defTabSz="622300">
+            <a:lnSpc>
+              <a:spcPct val="90000"/>
+            </a:lnSpc>
+            <a:spcBef>
+              <a:spcPct val="0"/>
+            </a:spcBef>
+            <a:spcAft>
+              <a:spcPct val="35000"/>
+            </a:spcAft>
+            <a:buNone/>
+          </a:pPr>
+          <a:r>
+            <a:rPr lang="de-DE" sz="1400" kern="1200" dirty="0"/>
             <a:t>Kakao Futures</a:t>
           </a:r>
         </a:p>
       </dsp:txBody>
       <dsp:txXfrm>
-        <a:off x="5226048" y="6127390"/>
-        <a:ext cx="1358905" cy="852229"/>
+        <a:off x="2993931" y="4748995"/>
+        <a:ext cx="1610435" cy="1009974"/>
       </dsp:txXfrm>
     </dsp:sp>
     <dsp:sp modelId="{777913BC-8F85-4384-9E6B-F6FFB7346CB1}">
@@ -2716,8 +2514,8 @@
       </dsp:nvSpPr>
       <dsp:spPr>
         <a:xfrm>
-          <a:off x="2928263" y="5315310"/>
-          <a:ext cx="1921783" cy="1205233"/>
+          <a:off x="1944124" y="2812812"/>
+          <a:ext cx="2277499" cy="1428318"/>
         </a:xfrm>
         <a:prstGeom prst="ellipse">
           <a:avLst/>
@@ -2725,9 +2523,9 @@
         <a:solidFill>
           <a:schemeClr val="accent2">
             <a:shade val="50000"/>
-            <a:hueOff val="-439079"/>
-            <a:satOff val="3498"/>
-            <a:lumOff val="37395"/>
+            <a:hueOff val="-274425"/>
+            <a:satOff val="2186"/>
+            <a:lumOff val="23372"/>
             <a:alphaOff val="0"/>
           </a:schemeClr>
         </a:solidFill>
@@ -2784,19 +2582,19 @@
         </a:p>
       </dsp:txBody>
       <dsp:txXfrm>
-        <a:off x="3209702" y="5491812"/>
-        <a:ext cx="1358905" cy="852229"/>
+        <a:off x="2277656" y="3021984"/>
+        <a:ext cx="1610435" cy="1009974"/>
       </dsp:txXfrm>
     </dsp:sp>
-    <dsp:sp modelId="{6CF17F77-E032-4A41-9F38-9FACA655950D}">
+    <dsp:sp modelId="{0792344A-7FE6-4EDC-A301-837CDFF0CF21}">
       <dsp:nvSpPr>
         <dsp:cNvPr id="0" name=""/>
         <dsp:cNvSpPr/>
       </dsp:nvSpPr>
       <dsp:spPr>
         <a:xfrm>
-          <a:off x="2104811" y="3887654"/>
-          <a:ext cx="1921783" cy="1205233"/>
+          <a:off x="2678340" y="964694"/>
+          <a:ext cx="2277499" cy="1428318"/>
         </a:xfrm>
         <a:prstGeom prst="ellipse">
           <a:avLst/>
@@ -2804,9 +2602,9 @@
         <a:solidFill>
           <a:schemeClr val="accent2">
             <a:shade val="50000"/>
-            <a:hueOff val="-329309"/>
-            <a:satOff val="2623"/>
-            <a:lumOff val="28046"/>
+            <a:hueOff val="-137212"/>
+            <a:satOff val="1093"/>
+            <a:lumOff val="11686"/>
             <a:alphaOff val="0"/>
           </a:schemeClr>
         </a:solidFill>
@@ -2857,179 +2655,15 @@
             <a:buNone/>
           </a:pPr>
           <a:r>
-            <a:rPr lang="de-DE" sz="1400" kern="1200" dirty="0" err="1"/>
-            <a:t>Mondelezaktie</a:t>
-          </a:r>
-          <a:endParaRPr lang="de-DE" sz="1400" kern="1200" dirty="0"/>
-        </a:p>
-      </dsp:txBody>
-      <dsp:txXfrm>
-        <a:off x="2386250" y="4064156"/>
-        <a:ext cx="1358905" cy="852229"/>
-      </dsp:txXfrm>
-    </dsp:sp>
-    <dsp:sp modelId="{F38BE074-8A94-4C03-8D0C-300B48429077}">
-      <dsp:nvSpPr>
-        <dsp:cNvPr id="0" name=""/>
-        <dsp:cNvSpPr/>
-      </dsp:nvSpPr>
-      <dsp:spPr>
-        <a:xfrm>
-          <a:off x="2104811" y="2042242"/>
-          <a:ext cx="1921783" cy="1205233"/>
-        </a:xfrm>
-        <a:prstGeom prst="ellipse">
-          <a:avLst/>
-        </a:prstGeom>
-        <a:solidFill>
-          <a:schemeClr val="accent2">
-            <a:shade val="50000"/>
-            <a:hueOff val="-219540"/>
-            <a:satOff val="1749"/>
-            <a:lumOff val="18698"/>
-            <a:alphaOff val="0"/>
-          </a:schemeClr>
-        </a:solidFill>
-        <a:ln w="19050" cap="flat" cmpd="sng" algn="ctr">
-          <a:solidFill>
-            <a:schemeClr val="lt1">
-              <a:hueOff val="0"/>
-              <a:satOff val="0"/>
-              <a:lumOff val="0"/>
-              <a:alphaOff val="0"/>
-            </a:schemeClr>
-          </a:solidFill>
-          <a:prstDash val="solid"/>
-          <a:miter lim="800000"/>
-        </a:ln>
-        <a:effectLst/>
-      </dsp:spPr>
-      <dsp:style>
-        <a:lnRef idx="2">
-          <a:scrgbClr r="0" g="0" b="0"/>
-        </a:lnRef>
-        <a:fillRef idx="1">
-          <a:scrgbClr r="0" g="0" b="0"/>
-        </a:fillRef>
-        <a:effectRef idx="0">
-          <a:scrgbClr r="0" g="0" b="0"/>
-        </a:effectRef>
-        <a:fontRef idx="minor">
-          <a:schemeClr val="lt1"/>
-        </a:fontRef>
-      </dsp:style>
-      <dsp:txBody>
-        <a:bodyPr spcFirstLastPara="0" vert="horz" wrap="square" lIns="17780" tIns="17780" rIns="17780" bIns="17780" numCol="1" spcCol="1270" anchor="ctr" anchorCtr="0">
-          <a:noAutofit/>
-        </a:bodyPr>
-        <a:lstStyle/>
-        <a:p>
-          <a:pPr marL="0" lvl="0" indent="0" algn="ctr" defTabSz="622300">
-            <a:lnSpc>
-              <a:spcPct val="90000"/>
-            </a:lnSpc>
-            <a:spcBef>
-              <a:spcPct val="0"/>
-            </a:spcBef>
-            <a:spcAft>
-              <a:spcPct val="35000"/>
-            </a:spcAft>
-            <a:buNone/>
-          </a:pPr>
-          <a:r>
-            <a:rPr lang="de-DE" sz="1400" kern="1200"/>
-            <a:t>Ferreroaktie</a:t>
-          </a:r>
-          <a:endParaRPr lang="de-DE" sz="1400" kern="1200" dirty="0"/>
-        </a:p>
-      </dsp:txBody>
-      <dsp:txXfrm>
-        <a:off x="2386250" y="2218744"/>
-        <a:ext cx="1358905" cy="852229"/>
-      </dsp:txXfrm>
-    </dsp:sp>
-    <dsp:sp modelId="{0792344A-7FE6-4EDC-A301-837CDFF0CF21}">
-      <dsp:nvSpPr>
-        <dsp:cNvPr id="0" name=""/>
-        <dsp:cNvSpPr/>
-      </dsp:nvSpPr>
-      <dsp:spPr>
-        <a:xfrm>
-          <a:off x="3058897" y="662790"/>
-          <a:ext cx="1921783" cy="1205233"/>
-        </a:xfrm>
-        <a:prstGeom prst="ellipse">
-          <a:avLst/>
-        </a:prstGeom>
-        <a:solidFill>
-          <a:schemeClr val="accent2">
-            <a:shade val="50000"/>
-            <a:hueOff val="-109770"/>
-            <a:satOff val="874"/>
-            <a:lumOff val="9349"/>
-            <a:alphaOff val="0"/>
-          </a:schemeClr>
-        </a:solidFill>
-        <a:ln w="19050" cap="flat" cmpd="sng" algn="ctr">
-          <a:solidFill>
-            <a:schemeClr val="lt1">
-              <a:hueOff val="0"/>
-              <a:satOff val="0"/>
-              <a:lumOff val="0"/>
-              <a:alphaOff val="0"/>
-            </a:schemeClr>
-          </a:solidFill>
-          <a:prstDash val="solid"/>
-          <a:miter lim="800000"/>
-        </a:ln>
-        <a:effectLst/>
-      </dsp:spPr>
-      <dsp:style>
-        <a:lnRef idx="2">
-          <a:scrgbClr r="0" g="0" b="0"/>
-        </a:lnRef>
-        <a:fillRef idx="1">
-          <a:scrgbClr r="0" g="0" b="0"/>
-        </a:fillRef>
-        <a:effectRef idx="0">
-          <a:scrgbClr r="0" g="0" b="0"/>
-        </a:effectRef>
-        <a:fontRef idx="minor">
-          <a:schemeClr val="lt1"/>
-        </a:fontRef>
-      </dsp:style>
-      <dsp:txBody>
-        <a:bodyPr spcFirstLastPara="0" vert="horz" wrap="square" lIns="17780" tIns="17780" rIns="17780" bIns="17780" numCol="1" spcCol="1270" anchor="ctr" anchorCtr="0">
-          <a:noAutofit/>
-        </a:bodyPr>
-        <a:lstStyle/>
-        <a:p>
-          <a:pPr marL="0" lvl="0" indent="0" algn="ctr" defTabSz="622300">
-            <a:lnSpc>
-              <a:spcPct val="90000"/>
-            </a:lnSpc>
-            <a:spcBef>
-              <a:spcPct val="0"/>
-            </a:spcBef>
-            <a:spcAft>
-              <a:spcPct val="35000"/>
-            </a:spcAft>
-            <a:buNone/>
-          </a:pPr>
-          <a:r>
-            <a:rPr lang="de-DE" sz="1400" kern="1200" dirty="0" err="1"/>
-            <a:t>LindtSprüngli</a:t>
-          </a:r>
-          <a:r>
             <a:rPr lang="de-DE" sz="1400" kern="1200" dirty="0"/>
-            <a:t> „Aktie“</a:t>
+            <a:t>Mondelez, Ferrero, Lindt Sprüngli</a:t>
           </a:r>
           <a:endParaRPr lang="de-DE" sz="900" kern="1200" dirty="0"/>
         </a:p>
       </dsp:txBody>
       <dsp:txXfrm>
-        <a:off x="3340336" y="839292"/>
-        <a:ext cx="1358905" cy="852229"/>
+        <a:off x="3011872" y="1173866"/>
+        <a:ext cx="1610435" cy="1009974"/>
       </dsp:txXfrm>
     </dsp:sp>
   </dsp:spTree>
@@ -4477,6 +4111,442 @@
 </dgm:styleDef>
 </file>
 
+<file path=ppt/notesMasters/notesMaster1.xml><?xml version="1.0" encoding="utf-8"?>
+<p:notesMaster xmlns:a="http://schemas.openxmlformats.org/drawingml/2006/main" xmlns:r="http://schemas.openxmlformats.org/officeDocument/2006/relationships" xmlns:p="http://schemas.openxmlformats.org/presentationml/2006/main">
+  <p:cSld>
+    <p:bg>
+      <p:bgRef idx="1001">
+        <a:schemeClr val="bg1"/>
+      </p:bgRef>
+    </p:bg>
+    <p:spTree>
+      <p:nvGrpSpPr>
+        <p:cNvPr id="1" name=""/>
+        <p:cNvGrpSpPr/>
+        <p:nvPr/>
+      </p:nvGrpSpPr>
+      <p:grpSpPr>
+        <a:xfrm>
+          <a:off x="0" y="0"/>
+          <a:ext cx="0" cy="0"/>
+          <a:chOff x="0" y="0"/>
+          <a:chExt cx="0" cy="0"/>
+        </a:xfrm>
+      </p:grpSpPr>
+      <p:sp>
+        <p:nvSpPr>
+          <p:cNvPr id="2" name="Kopfzeilenplatzhalter 1"/>
+          <p:cNvSpPr>
+            <a:spLocks noGrp="1"/>
+          </p:cNvSpPr>
+          <p:nvPr>
+            <p:ph type="hdr" sz="quarter"/>
+          </p:nvPr>
+        </p:nvSpPr>
+        <p:spPr>
+          <a:xfrm>
+            <a:off x="0" y="0"/>
+            <a:ext cx="2971800" cy="458788"/>
+          </a:xfrm>
+          <a:prstGeom prst="rect">
+            <a:avLst/>
+          </a:prstGeom>
+        </p:spPr>
+        <p:txBody>
+          <a:bodyPr vert="horz" lIns="91440" tIns="45720" rIns="91440" bIns="45720" rtlCol="0"/>
+          <a:lstStyle>
+            <a:lvl1pPr algn="l">
+              <a:defRPr sz="1200"/>
+            </a:lvl1pPr>
+          </a:lstStyle>
+          <a:p>
+            <a:endParaRPr lang="de-DE"/>
+          </a:p>
+        </p:txBody>
+      </p:sp>
+      <p:sp>
+        <p:nvSpPr>
+          <p:cNvPr id="3" name="Datumsplatzhalter 2"/>
+          <p:cNvSpPr>
+            <a:spLocks noGrp="1"/>
+          </p:cNvSpPr>
+          <p:nvPr>
+            <p:ph type="dt" idx="1"/>
+          </p:nvPr>
+        </p:nvSpPr>
+        <p:spPr>
+          <a:xfrm>
+            <a:off x="3884613" y="0"/>
+            <a:ext cx="2971800" cy="458788"/>
+          </a:xfrm>
+          <a:prstGeom prst="rect">
+            <a:avLst/>
+          </a:prstGeom>
+        </p:spPr>
+        <p:txBody>
+          <a:bodyPr vert="horz" lIns="91440" tIns="45720" rIns="91440" bIns="45720" rtlCol="0"/>
+          <a:lstStyle>
+            <a:lvl1pPr algn="r">
+              <a:defRPr sz="1200"/>
+            </a:lvl1pPr>
+          </a:lstStyle>
+          <a:p>
+            <a:fld id="{82876280-6B49-4A43-9CD2-B5C68AA48712}" type="datetimeFigureOut">
+              <a:rPr lang="de-DE" smtClean="0"/>
+              <a:t>13.02.2026</a:t>
+            </a:fld>
+            <a:endParaRPr lang="de-DE"/>
+          </a:p>
+        </p:txBody>
+      </p:sp>
+      <p:sp>
+        <p:nvSpPr>
+          <p:cNvPr id="4" name="Folienbildplatzhalter 3"/>
+          <p:cNvSpPr>
+            <a:spLocks noGrp="1" noRot="1" noChangeAspect="1"/>
+          </p:cNvSpPr>
+          <p:nvPr>
+            <p:ph type="sldImg" idx="2"/>
+          </p:nvPr>
+        </p:nvSpPr>
+        <p:spPr>
+          <a:xfrm>
+            <a:off x="685800" y="1143000"/>
+            <a:ext cx="5486400" cy="3086100"/>
+          </a:xfrm>
+          <a:prstGeom prst="rect">
+            <a:avLst/>
+          </a:prstGeom>
+          <a:noFill/>
+          <a:ln w="12700">
+            <a:solidFill>
+              <a:prstClr val="black"/>
+            </a:solidFill>
+          </a:ln>
+        </p:spPr>
+        <p:txBody>
+          <a:bodyPr vert="horz" lIns="91440" tIns="45720" rIns="91440" bIns="45720" rtlCol="0" anchor="ctr"/>
+          <a:lstStyle/>
+          <a:p>
+            <a:endParaRPr lang="de-DE"/>
+          </a:p>
+        </p:txBody>
+      </p:sp>
+      <p:sp>
+        <p:nvSpPr>
+          <p:cNvPr id="5" name="Notizenplatzhalter 4"/>
+          <p:cNvSpPr>
+            <a:spLocks noGrp="1"/>
+          </p:cNvSpPr>
+          <p:nvPr>
+            <p:ph type="body" sz="quarter" idx="3"/>
+          </p:nvPr>
+        </p:nvSpPr>
+        <p:spPr>
+          <a:xfrm>
+            <a:off x="685800" y="4400550"/>
+            <a:ext cx="5486400" cy="3600450"/>
+          </a:xfrm>
+          <a:prstGeom prst="rect">
+            <a:avLst/>
+          </a:prstGeom>
+        </p:spPr>
+        <p:txBody>
+          <a:bodyPr vert="horz" lIns="91440" tIns="45720" rIns="91440" bIns="45720" rtlCol="0"/>
+          <a:lstStyle/>
+          <a:p>
+            <a:pPr lvl="0"/>
+            <a:r>
+              <a:rPr lang="de-DE"/>
+              <a:t>Mastertextformat bearbeiten</a:t>
+            </a:r>
+          </a:p>
+          <a:p>
+            <a:pPr lvl="1"/>
+            <a:r>
+              <a:rPr lang="de-DE"/>
+              <a:t>Zweite Ebene</a:t>
+            </a:r>
+          </a:p>
+          <a:p>
+            <a:pPr lvl="2"/>
+            <a:r>
+              <a:rPr lang="de-DE"/>
+              <a:t>Dritte Ebene</a:t>
+            </a:r>
+          </a:p>
+          <a:p>
+            <a:pPr lvl="3"/>
+            <a:r>
+              <a:rPr lang="de-DE"/>
+              <a:t>Vierte Ebene</a:t>
+            </a:r>
+          </a:p>
+          <a:p>
+            <a:pPr lvl="4"/>
+            <a:r>
+              <a:rPr lang="de-DE"/>
+              <a:t>Fünfte Ebene</a:t>
+            </a:r>
+          </a:p>
+        </p:txBody>
+      </p:sp>
+      <p:sp>
+        <p:nvSpPr>
+          <p:cNvPr id="6" name="Fußzeilenplatzhalter 5"/>
+          <p:cNvSpPr>
+            <a:spLocks noGrp="1"/>
+          </p:cNvSpPr>
+          <p:nvPr>
+            <p:ph type="ftr" sz="quarter" idx="4"/>
+          </p:nvPr>
+        </p:nvSpPr>
+        <p:spPr>
+          <a:xfrm>
+            <a:off x="0" y="8685213"/>
+            <a:ext cx="2971800" cy="458787"/>
+          </a:xfrm>
+          <a:prstGeom prst="rect">
+            <a:avLst/>
+          </a:prstGeom>
+        </p:spPr>
+        <p:txBody>
+          <a:bodyPr vert="horz" lIns="91440" tIns="45720" rIns="91440" bIns="45720" rtlCol="0" anchor="b"/>
+          <a:lstStyle>
+            <a:lvl1pPr algn="l">
+              <a:defRPr sz="1200"/>
+            </a:lvl1pPr>
+          </a:lstStyle>
+          <a:p>
+            <a:endParaRPr lang="de-DE"/>
+          </a:p>
+        </p:txBody>
+      </p:sp>
+      <p:sp>
+        <p:nvSpPr>
+          <p:cNvPr id="7" name="Foliennummernplatzhalter 6"/>
+          <p:cNvSpPr>
+            <a:spLocks noGrp="1"/>
+          </p:cNvSpPr>
+          <p:nvPr>
+            <p:ph type="sldNum" sz="quarter" idx="5"/>
+          </p:nvPr>
+        </p:nvSpPr>
+        <p:spPr>
+          <a:xfrm>
+            <a:off x="3884613" y="8685213"/>
+            <a:ext cx="2971800" cy="458787"/>
+          </a:xfrm>
+          <a:prstGeom prst="rect">
+            <a:avLst/>
+          </a:prstGeom>
+        </p:spPr>
+        <p:txBody>
+          <a:bodyPr vert="horz" lIns="91440" tIns="45720" rIns="91440" bIns="45720" rtlCol="0" anchor="b"/>
+          <a:lstStyle>
+            <a:lvl1pPr algn="r">
+              <a:defRPr sz="1200"/>
+            </a:lvl1pPr>
+          </a:lstStyle>
+          <a:p>
+            <a:fld id="{E86397CD-EFC4-4948-85E8-DAF1C54228A7}" type="slidenum">
+              <a:rPr lang="de-DE" smtClean="0"/>
+              <a:t>‹Nr.›</a:t>
+            </a:fld>
+            <a:endParaRPr lang="de-DE"/>
+          </a:p>
+        </p:txBody>
+      </p:sp>
+    </p:spTree>
+    <p:extLst>
+      <p:ext uri="{BB962C8B-B14F-4D97-AF65-F5344CB8AC3E}">
+        <p14:creationId xmlns:p14="http://schemas.microsoft.com/office/powerpoint/2010/main" val="2711167010"/>
+      </p:ext>
+    </p:extLst>
+  </p:cSld>
+  <p:clrMap bg1="lt1" tx1="dk1" bg2="lt2" tx2="dk2" accent1="accent1" accent2="accent2" accent3="accent3" accent4="accent4" accent5="accent5" accent6="accent6" hlink="hlink" folHlink="folHlink"/>
+  <p:notesStyle>
+    <a:lvl1pPr marL="0" algn="l" defTabSz="914400" rtl="0" eaLnBrk="1" latinLnBrk="0" hangingPunct="1">
+      <a:defRPr sz="1200" kern="1200">
+        <a:solidFill>
+          <a:schemeClr val="tx1"/>
+        </a:solidFill>
+        <a:latin typeface="+mn-lt"/>
+        <a:ea typeface="+mn-ea"/>
+        <a:cs typeface="+mn-cs"/>
+      </a:defRPr>
+    </a:lvl1pPr>
+    <a:lvl2pPr marL="457200" algn="l" defTabSz="914400" rtl="0" eaLnBrk="1" latinLnBrk="0" hangingPunct="1">
+      <a:defRPr sz="1200" kern="1200">
+        <a:solidFill>
+          <a:schemeClr val="tx1"/>
+        </a:solidFill>
+        <a:latin typeface="+mn-lt"/>
+        <a:ea typeface="+mn-ea"/>
+        <a:cs typeface="+mn-cs"/>
+      </a:defRPr>
+    </a:lvl2pPr>
+    <a:lvl3pPr marL="914400" algn="l" defTabSz="914400" rtl="0" eaLnBrk="1" latinLnBrk="0" hangingPunct="1">
+      <a:defRPr sz="1200" kern="1200">
+        <a:solidFill>
+          <a:schemeClr val="tx1"/>
+        </a:solidFill>
+        <a:latin typeface="+mn-lt"/>
+        <a:ea typeface="+mn-ea"/>
+        <a:cs typeface="+mn-cs"/>
+      </a:defRPr>
+    </a:lvl3pPr>
+    <a:lvl4pPr marL="1371600" algn="l" defTabSz="914400" rtl="0" eaLnBrk="1" latinLnBrk="0" hangingPunct="1">
+      <a:defRPr sz="1200" kern="1200">
+        <a:solidFill>
+          <a:schemeClr val="tx1"/>
+        </a:solidFill>
+        <a:latin typeface="+mn-lt"/>
+        <a:ea typeface="+mn-ea"/>
+        <a:cs typeface="+mn-cs"/>
+      </a:defRPr>
+    </a:lvl4pPr>
+    <a:lvl5pPr marL="1828800" algn="l" defTabSz="914400" rtl="0" eaLnBrk="1" latinLnBrk="0" hangingPunct="1">
+      <a:defRPr sz="1200" kern="1200">
+        <a:solidFill>
+          <a:schemeClr val="tx1"/>
+        </a:solidFill>
+        <a:latin typeface="+mn-lt"/>
+        <a:ea typeface="+mn-ea"/>
+        <a:cs typeface="+mn-cs"/>
+      </a:defRPr>
+    </a:lvl5pPr>
+    <a:lvl6pPr marL="2286000" algn="l" defTabSz="914400" rtl="0" eaLnBrk="1" latinLnBrk="0" hangingPunct="1">
+      <a:defRPr sz="1200" kern="1200">
+        <a:solidFill>
+          <a:schemeClr val="tx1"/>
+        </a:solidFill>
+        <a:latin typeface="+mn-lt"/>
+        <a:ea typeface="+mn-ea"/>
+        <a:cs typeface="+mn-cs"/>
+      </a:defRPr>
+    </a:lvl6pPr>
+    <a:lvl7pPr marL="2743200" algn="l" defTabSz="914400" rtl="0" eaLnBrk="1" latinLnBrk="0" hangingPunct="1">
+      <a:defRPr sz="1200" kern="1200">
+        <a:solidFill>
+          <a:schemeClr val="tx1"/>
+        </a:solidFill>
+        <a:latin typeface="+mn-lt"/>
+        <a:ea typeface="+mn-ea"/>
+        <a:cs typeface="+mn-cs"/>
+      </a:defRPr>
+    </a:lvl7pPr>
+    <a:lvl8pPr marL="3200400" algn="l" defTabSz="914400" rtl="0" eaLnBrk="1" latinLnBrk="0" hangingPunct="1">
+      <a:defRPr sz="1200" kern="1200">
+        <a:solidFill>
+          <a:schemeClr val="tx1"/>
+        </a:solidFill>
+        <a:latin typeface="+mn-lt"/>
+        <a:ea typeface="+mn-ea"/>
+        <a:cs typeface="+mn-cs"/>
+      </a:defRPr>
+    </a:lvl8pPr>
+    <a:lvl9pPr marL="3657600" algn="l" defTabSz="914400" rtl="0" eaLnBrk="1" latinLnBrk="0" hangingPunct="1">
+      <a:defRPr sz="1200" kern="1200">
+        <a:solidFill>
+          <a:schemeClr val="tx1"/>
+        </a:solidFill>
+        <a:latin typeface="+mn-lt"/>
+        <a:ea typeface="+mn-ea"/>
+        <a:cs typeface="+mn-cs"/>
+      </a:defRPr>
+    </a:lvl9pPr>
+  </p:notesStyle>
+</p:notesMaster>
+</file>
+
+<file path=ppt/notesSlides/notesSlide1.xml><?xml version="1.0" encoding="utf-8"?>
+<p:notes xmlns:a="http://schemas.openxmlformats.org/drawingml/2006/main" xmlns:r="http://schemas.openxmlformats.org/officeDocument/2006/relationships" xmlns:p="http://schemas.openxmlformats.org/presentationml/2006/main">
+  <p:cSld>
+    <p:spTree>
+      <p:nvGrpSpPr>
+        <p:cNvPr id="1" name=""/>
+        <p:cNvGrpSpPr/>
+        <p:nvPr/>
+      </p:nvGrpSpPr>
+      <p:grpSpPr>
+        <a:xfrm>
+          <a:off x="0" y="0"/>
+          <a:ext cx="0" cy="0"/>
+          <a:chOff x="0" y="0"/>
+          <a:chExt cx="0" cy="0"/>
+        </a:xfrm>
+      </p:grpSpPr>
+      <p:sp>
+        <p:nvSpPr>
+          <p:cNvPr id="2" name="Folienbildplatzhalter 1"/>
+          <p:cNvSpPr>
+            <a:spLocks noGrp="1" noRot="1" noChangeAspect="1"/>
+          </p:cNvSpPr>
+          <p:nvPr>
+            <p:ph type="sldImg"/>
+          </p:nvPr>
+        </p:nvSpPr>
+        <p:spPr/>
+      </p:sp>
+      <p:sp>
+        <p:nvSpPr>
+          <p:cNvPr id="3" name="Notizenplatzhalter 2"/>
+          <p:cNvSpPr>
+            <a:spLocks noGrp="1"/>
+          </p:cNvSpPr>
+          <p:nvPr>
+            <p:ph type="body" idx="1"/>
+          </p:nvPr>
+        </p:nvSpPr>
+        <p:spPr/>
+        <p:txBody>
+          <a:bodyPr/>
+          <a:lstStyle/>
+          <a:p>
+            <a:r>
+              <a:rPr lang="de-DE" dirty="0"/>
+              <a:t>Preiselastizität = monatliche Nachfrageänderung / monatliche Preisänderung</a:t>
+            </a:r>
+          </a:p>
+        </p:txBody>
+      </p:sp>
+      <p:sp>
+        <p:nvSpPr>
+          <p:cNvPr id="4" name="Foliennummernplatzhalter 3"/>
+          <p:cNvSpPr>
+            <a:spLocks noGrp="1"/>
+          </p:cNvSpPr>
+          <p:nvPr>
+            <p:ph type="sldNum" sz="quarter" idx="5"/>
+          </p:nvPr>
+        </p:nvSpPr>
+        <p:spPr/>
+        <p:txBody>
+          <a:bodyPr/>
+          <a:lstStyle/>
+          <a:p>
+            <a:fld id="{E86397CD-EFC4-4948-85E8-DAF1C54228A7}" type="slidenum">
+              <a:rPr lang="de-DE" smtClean="0"/>
+              <a:t>4</a:t>
+            </a:fld>
+            <a:endParaRPr lang="de-DE"/>
+          </a:p>
+        </p:txBody>
+      </p:sp>
+    </p:spTree>
+    <p:extLst>
+      <p:ext uri="{BB962C8B-B14F-4D97-AF65-F5344CB8AC3E}">
+        <p14:creationId xmlns:p14="http://schemas.microsoft.com/office/powerpoint/2010/main" val="3277129357"/>
+      </p:ext>
+    </p:extLst>
+  </p:cSld>
+  <p:clrMapOvr>
+    <a:masterClrMapping/>
+  </p:clrMapOvr>
+</p:notes>
+</file>
+
 <file path=ppt/slideLayouts/slideLayout1.xml><?xml version="1.0" encoding="utf-8"?>
 <p:sldLayout xmlns:a="http://schemas.openxmlformats.org/drawingml/2006/main" xmlns:r="http://schemas.openxmlformats.org/officeDocument/2006/relationships" xmlns:p="http://schemas.openxmlformats.org/presentationml/2006/main" type="title" preserve="1">
   <p:cSld name="Titelfolie">
@@ -4624,7 +4694,7 @@
           <a:p>
             <a:fld id="{9098A43D-7CA1-431C-A222-1F3E234D403A}" type="datetimeFigureOut">
               <a:rPr lang="de-DE" smtClean="0"/>
-              <a:t>12.02.2026</a:t>
+              <a:t>13.02.2026</a:t>
             </a:fld>
             <a:endParaRPr lang="de-DE"/>
           </a:p>
@@ -4822,7 +4892,7 @@
           <a:p>
             <a:fld id="{9098A43D-7CA1-431C-A222-1F3E234D403A}" type="datetimeFigureOut">
               <a:rPr lang="de-DE" smtClean="0"/>
-              <a:t>12.02.2026</a:t>
+              <a:t>13.02.2026</a:t>
             </a:fld>
             <a:endParaRPr lang="de-DE"/>
           </a:p>
@@ -5030,7 +5100,7 @@
           <a:p>
             <a:fld id="{9098A43D-7CA1-431C-A222-1F3E234D403A}" type="datetimeFigureOut">
               <a:rPr lang="de-DE" smtClean="0"/>
-              <a:t>12.02.2026</a:t>
+              <a:t>13.02.2026</a:t>
             </a:fld>
             <a:endParaRPr lang="de-DE"/>
           </a:p>
@@ -5137,9 +5207,7 @@
           </p:nvPr>
         </p:nvSpPr>
         <p:spPr>
-          <a:solidFill>
-            <a:schemeClr val="bg1"/>
-          </a:solidFill>
+          <a:noFill/>
         </p:spPr>
         <p:txBody>
           <a:bodyPr/>
@@ -5147,7 +5215,7 @@
             <a:lvl1pPr>
               <a:defRPr>
                 <a:solidFill>
-                  <a:srgbClr val="6D5050"/>
+                  <a:schemeClr val="bg1"/>
                 </a:solidFill>
               </a:defRPr>
             </a:lvl1pPr>
@@ -5177,38 +5245,43 @@
           </p:nvPr>
         </p:nvSpPr>
         <p:spPr>
-          <a:solidFill>
-            <a:schemeClr val="bg1"/>
-          </a:solidFill>
+          <a:noFill/>
         </p:spPr>
         <p:txBody>
           <a:bodyPr/>
           <a:lstStyle>
+            <a:lvl1pPr>
+              <a:defRPr>
+                <a:solidFill>
+                  <a:schemeClr val="bg1"/>
+                </a:solidFill>
+              </a:defRPr>
+            </a:lvl1pPr>
             <a:lvl2pPr>
               <a:defRPr>
                 <a:solidFill>
-                  <a:schemeClr val="tx1"/>
+                  <a:schemeClr val="bg1"/>
                 </a:solidFill>
               </a:defRPr>
             </a:lvl2pPr>
             <a:lvl3pPr>
               <a:defRPr>
                 <a:solidFill>
-                  <a:schemeClr val="tx1"/>
+                  <a:schemeClr val="bg1"/>
                 </a:solidFill>
               </a:defRPr>
             </a:lvl3pPr>
             <a:lvl4pPr>
               <a:defRPr>
                 <a:solidFill>
-                  <a:schemeClr val="tx1"/>
+                  <a:schemeClr val="bg1"/>
                 </a:solidFill>
               </a:defRPr>
             </a:lvl4pPr>
             <a:lvl5pPr>
               <a:defRPr>
                 <a:solidFill>
-                  <a:schemeClr val="tx1"/>
+                  <a:schemeClr val="bg1"/>
                 </a:solidFill>
               </a:defRPr>
             </a:lvl5pPr>
@@ -5273,7 +5346,7 @@
           <a:p>
             <a:fld id="{9098A43D-7CA1-431C-A222-1F3E234D403A}" type="datetimeFigureOut">
               <a:rPr lang="de-DE" smtClean="0"/>
-              <a:t>12.02.2026</a:t>
+              <a:t>13.02.2026</a:t>
             </a:fld>
             <a:endParaRPr lang="de-DE"/>
           </a:p>
@@ -5548,7 +5621,7 @@
           <a:p>
             <a:fld id="{9098A43D-7CA1-431C-A222-1F3E234D403A}" type="datetimeFigureOut">
               <a:rPr lang="de-DE" smtClean="0"/>
-              <a:t>12.02.2026</a:t>
+              <a:t>13.02.2026</a:t>
             </a:fld>
             <a:endParaRPr lang="de-DE"/>
           </a:p>
@@ -5813,7 +5886,7 @@
           <a:p>
             <a:fld id="{9098A43D-7CA1-431C-A222-1F3E234D403A}" type="datetimeFigureOut">
               <a:rPr lang="de-DE" smtClean="0"/>
-              <a:t>12.02.2026</a:t>
+              <a:t>13.02.2026</a:t>
             </a:fld>
             <a:endParaRPr lang="de-DE"/>
           </a:p>
@@ -6225,7 +6298,7 @@
           <a:p>
             <a:fld id="{9098A43D-7CA1-431C-A222-1F3E234D403A}" type="datetimeFigureOut">
               <a:rPr lang="de-DE" smtClean="0"/>
-              <a:t>12.02.2026</a:t>
+              <a:t>13.02.2026</a:t>
             </a:fld>
             <a:endParaRPr lang="de-DE"/>
           </a:p>
@@ -6366,7 +6439,7 @@
           <a:p>
             <a:fld id="{9098A43D-7CA1-431C-A222-1F3E234D403A}" type="datetimeFigureOut">
               <a:rPr lang="de-DE" smtClean="0"/>
-              <a:t>12.02.2026</a:t>
+              <a:t>13.02.2026</a:t>
             </a:fld>
             <a:endParaRPr lang="de-DE"/>
           </a:p>
@@ -6479,7 +6552,7 @@
           <a:p>
             <a:fld id="{9098A43D-7CA1-431C-A222-1F3E234D403A}" type="datetimeFigureOut">
               <a:rPr lang="de-DE" smtClean="0"/>
-              <a:t>12.02.2026</a:t>
+              <a:t>13.02.2026</a:t>
             </a:fld>
             <a:endParaRPr lang="de-DE"/>
           </a:p>
@@ -6790,7 +6863,7 @@
           <a:p>
             <a:fld id="{9098A43D-7CA1-431C-A222-1F3E234D403A}" type="datetimeFigureOut">
               <a:rPr lang="de-DE" smtClean="0"/>
-              <a:t>12.02.2026</a:t>
+              <a:t>13.02.2026</a:t>
             </a:fld>
             <a:endParaRPr lang="de-DE"/>
           </a:p>
@@ -7078,7 +7151,7 @@
           <a:p>
             <a:fld id="{9098A43D-7CA1-431C-A222-1F3E234D403A}" type="datetimeFigureOut">
               <a:rPr lang="de-DE" smtClean="0"/>
-              <a:t>12.02.2026</a:t>
+              <a:t>13.02.2026</a:t>
             </a:fld>
             <a:endParaRPr lang="de-DE"/>
           </a:p>
@@ -7360,7 +7433,7 @@
             <a:fld id="{9098A43D-7CA1-431C-A222-1F3E234D403A}" type="datetimeFigureOut">
               <a:rPr lang="de-DE" smtClean="0"/>
               <a:pPr/>
-              <a:t>12.02.2026</a:t>
+              <a:t>13.02.2026</a:t>
             </a:fld>
             <a:endParaRPr lang="de-DE" dirty="0">
               <a:solidFill>
@@ -7860,6 +7933,778 @@
 </file>
 
 <file path=ppt/slides/slide10.xml><?xml version="1.0" encoding="utf-8"?>
+<p:sld xmlns:a="http://schemas.openxmlformats.org/drawingml/2006/main" xmlns:r="http://schemas.openxmlformats.org/officeDocument/2006/relationships" xmlns:p="http://schemas.openxmlformats.org/presentationml/2006/main" show="0">
+  <p:cSld>
+    <p:spTree>
+      <p:nvGrpSpPr>
+        <p:cNvPr id="1" name=""/>
+        <p:cNvGrpSpPr/>
+        <p:nvPr/>
+      </p:nvGrpSpPr>
+      <p:grpSpPr>
+        <a:xfrm>
+          <a:off x="0" y="0"/>
+          <a:ext cx="0" cy="0"/>
+          <a:chOff x="0" y="0"/>
+          <a:chExt cx="0" cy="0"/>
+        </a:xfrm>
+      </p:grpSpPr>
+      <p:sp>
+        <p:nvSpPr>
+          <p:cNvPr id="2" name="Titel 1">
+            <a:extLst>
+              <a:ext uri="{FF2B5EF4-FFF2-40B4-BE49-F238E27FC236}">
+                <a16:creationId xmlns:a16="http://schemas.microsoft.com/office/drawing/2014/main" id="{EF2A5FFC-732C-BB67-8EA0-1F5AE42DB1C7}"/>
+              </a:ext>
+            </a:extLst>
+          </p:cNvPr>
+          <p:cNvSpPr>
+            <a:spLocks noGrp="1"/>
+          </p:cNvSpPr>
+          <p:nvPr>
+            <p:ph type="title"/>
+          </p:nvPr>
+        </p:nvSpPr>
+        <p:spPr/>
+        <p:txBody>
+          <a:bodyPr/>
+          <a:lstStyle/>
+          <a:p>
+            <a:r>
+              <a:rPr lang="de-DE" dirty="0"/>
+              <a:t>2019-01-31 bis 2021-04-31</a:t>
+            </a:r>
+          </a:p>
+        </p:txBody>
+      </p:sp>
+      <p:sp>
+        <p:nvSpPr>
+          <p:cNvPr id="3" name="Textplatzhalter 2">
+            <a:extLst>
+              <a:ext uri="{FF2B5EF4-FFF2-40B4-BE49-F238E27FC236}">
+                <a16:creationId xmlns:a16="http://schemas.microsoft.com/office/drawing/2014/main" id="{0C0DDA08-6C80-3E48-06E3-FCFF83243B50}"/>
+              </a:ext>
+            </a:extLst>
+          </p:cNvPr>
+          <p:cNvSpPr>
+            <a:spLocks noGrp="1"/>
+          </p:cNvSpPr>
+          <p:nvPr>
+            <p:ph type="body" idx="1"/>
+          </p:nvPr>
+        </p:nvSpPr>
+        <p:spPr/>
+        <p:txBody>
+          <a:bodyPr/>
+          <a:lstStyle/>
+          <a:p>
+            <a:r>
+              <a:rPr lang="de-DE" dirty="0"/>
+              <a:t>ARIMAX</a:t>
+            </a:r>
+          </a:p>
+        </p:txBody>
+      </p:sp>
+      <p:pic>
+        <p:nvPicPr>
+          <p:cNvPr id="10" name="Inhaltsplatzhalter 9">
+            <a:extLst>
+              <a:ext uri="{FF2B5EF4-FFF2-40B4-BE49-F238E27FC236}">
+                <a16:creationId xmlns:a16="http://schemas.microsoft.com/office/drawing/2014/main" id="{4126B0EB-921B-FCF2-3853-B0AD3F2F59EF}"/>
+              </a:ext>
+            </a:extLst>
+          </p:cNvPr>
+          <p:cNvPicPr>
+            <a:picLocks noGrp="1" noChangeAspect="1"/>
+          </p:cNvPicPr>
+          <p:nvPr>
+            <p:ph sz="half" idx="2"/>
+          </p:nvPr>
+        </p:nvPicPr>
+        <p:blipFill>
+          <a:blip r:embed="rId2">
+            <a:extLst>
+              <a:ext uri="{28A0092B-C50C-407E-A947-70E740481C1C}">
+                <a14:useLocalDpi xmlns:a14="http://schemas.microsoft.com/office/drawing/2010/main" val="0"/>
+              </a:ext>
+            </a:extLst>
+          </a:blip>
+          <a:stretch>
+            <a:fillRect/>
+          </a:stretch>
+        </p:blipFill>
+        <p:spPr>
+          <a:xfrm>
+            <a:off x="679296" y="2967778"/>
+            <a:ext cx="5157787" cy="2759181"/>
+          </a:xfrm>
+          <a:prstGeom prst="rect">
+            <a:avLst/>
+          </a:prstGeom>
+        </p:spPr>
+      </p:pic>
+      <p:sp>
+        <p:nvSpPr>
+          <p:cNvPr id="5" name="Textplatzhalter 4">
+            <a:extLst>
+              <a:ext uri="{FF2B5EF4-FFF2-40B4-BE49-F238E27FC236}">
+                <a16:creationId xmlns:a16="http://schemas.microsoft.com/office/drawing/2014/main" id="{C7AE3327-DD36-96B9-7725-277E541A4343}"/>
+              </a:ext>
+            </a:extLst>
+          </p:cNvPr>
+          <p:cNvSpPr>
+            <a:spLocks noGrp="1"/>
+          </p:cNvSpPr>
+          <p:nvPr>
+            <p:ph type="body" sz="quarter" idx="3"/>
+          </p:nvPr>
+        </p:nvSpPr>
+        <p:spPr/>
+        <p:txBody>
+          <a:bodyPr/>
+          <a:lstStyle/>
+          <a:p>
+            <a:r>
+              <a:rPr lang="de-DE" dirty="0" err="1"/>
+              <a:t>XGBoost</a:t>
+            </a:r>
+            <a:endParaRPr lang="de-DE" dirty="0"/>
+          </a:p>
+        </p:txBody>
+      </p:sp>
+      <p:pic>
+        <p:nvPicPr>
+          <p:cNvPr id="8" name="Inhaltsplatzhalter 7">
+            <a:extLst>
+              <a:ext uri="{FF2B5EF4-FFF2-40B4-BE49-F238E27FC236}">
+                <a16:creationId xmlns:a16="http://schemas.microsoft.com/office/drawing/2014/main" id="{39EA3560-288C-4E32-7B97-F7A1E3662761}"/>
+              </a:ext>
+            </a:extLst>
+          </p:cNvPr>
+          <p:cNvPicPr>
+            <a:picLocks noGrp="1" noChangeAspect="1"/>
+          </p:cNvPicPr>
+          <p:nvPr>
+            <p:ph sz="quarter" idx="4"/>
+          </p:nvPr>
+        </p:nvPicPr>
+        <p:blipFill>
+          <a:blip r:embed="rId3">
+            <a:extLst>
+              <a:ext uri="{28A0092B-C50C-407E-A947-70E740481C1C}">
+                <a14:useLocalDpi xmlns:a14="http://schemas.microsoft.com/office/drawing/2010/main" val="0"/>
+              </a:ext>
+            </a:extLst>
+          </a:blip>
+          <a:stretch>
+            <a:fillRect/>
+          </a:stretch>
+        </p:blipFill>
+        <p:spPr>
+          <a:xfrm>
+            <a:off x="5914339" y="2967778"/>
+            <a:ext cx="5896677" cy="2759181"/>
+          </a:xfrm>
+          <a:prstGeom prst="rect">
+            <a:avLst/>
+          </a:prstGeom>
+        </p:spPr>
+      </p:pic>
+    </p:spTree>
+    <p:extLst>
+      <p:ext uri="{BB962C8B-B14F-4D97-AF65-F5344CB8AC3E}">
+        <p14:creationId xmlns:p14="http://schemas.microsoft.com/office/powerpoint/2010/main" val="1840781907"/>
+      </p:ext>
+    </p:extLst>
+  </p:cSld>
+  <p:clrMapOvr>
+    <a:masterClrMapping/>
+  </p:clrMapOvr>
+</p:sld>
+</file>
+
+<file path=ppt/slides/slide11.xml><?xml version="1.0" encoding="utf-8"?>
+<p:sld xmlns:a="http://schemas.openxmlformats.org/drawingml/2006/main" xmlns:r="http://schemas.openxmlformats.org/officeDocument/2006/relationships" xmlns:p="http://schemas.openxmlformats.org/presentationml/2006/main">
+  <p:cSld>
+    <p:spTree>
+      <p:nvGrpSpPr>
+        <p:cNvPr id="1" name="">
+          <a:extLst>
+            <a:ext uri="{FF2B5EF4-FFF2-40B4-BE49-F238E27FC236}">
+              <a16:creationId xmlns:a16="http://schemas.microsoft.com/office/drawing/2014/main" id="{25FA7C4C-1713-64E0-5B11-7B89E87A3126}"/>
+            </a:ext>
+          </a:extLst>
+        </p:cNvPr>
+        <p:cNvGrpSpPr/>
+        <p:nvPr/>
+      </p:nvGrpSpPr>
+      <p:grpSpPr>
+        <a:xfrm>
+          <a:off x="0" y="0"/>
+          <a:ext cx="0" cy="0"/>
+          <a:chOff x="0" y="0"/>
+          <a:chExt cx="0" cy="0"/>
+        </a:xfrm>
+      </p:grpSpPr>
+      <p:sp>
+        <p:nvSpPr>
+          <p:cNvPr id="2" name="Titel 1">
+            <a:extLst>
+              <a:ext uri="{FF2B5EF4-FFF2-40B4-BE49-F238E27FC236}">
+                <a16:creationId xmlns:a16="http://schemas.microsoft.com/office/drawing/2014/main" id="{01A4A593-C445-9011-B459-3FF4652CE795}"/>
+              </a:ext>
+            </a:extLst>
+          </p:cNvPr>
+          <p:cNvSpPr>
+            <a:spLocks noGrp="1"/>
+          </p:cNvSpPr>
+          <p:nvPr>
+            <p:ph type="title"/>
+          </p:nvPr>
+        </p:nvSpPr>
+        <p:spPr/>
+        <p:txBody>
+          <a:bodyPr/>
+          <a:lstStyle/>
+          <a:p>
+            <a:r>
+              <a:rPr lang="de-DE" dirty="0"/>
+              <a:t>2019-01-31 bis 2021-04-31</a:t>
+            </a:r>
+          </a:p>
+        </p:txBody>
+      </p:sp>
+      <p:sp>
+        <p:nvSpPr>
+          <p:cNvPr id="3" name="Textplatzhalter 2">
+            <a:extLst>
+              <a:ext uri="{FF2B5EF4-FFF2-40B4-BE49-F238E27FC236}">
+                <a16:creationId xmlns:a16="http://schemas.microsoft.com/office/drawing/2014/main" id="{F3EA1F99-3024-5407-9561-61281F850087}"/>
+              </a:ext>
+            </a:extLst>
+          </p:cNvPr>
+          <p:cNvSpPr>
+            <a:spLocks noGrp="1"/>
+          </p:cNvSpPr>
+          <p:nvPr>
+            <p:ph type="body" idx="1"/>
+          </p:nvPr>
+        </p:nvSpPr>
+        <p:spPr/>
+        <p:txBody>
+          <a:bodyPr/>
+          <a:lstStyle/>
+          <a:p>
+            <a:r>
+              <a:rPr lang="de-DE" dirty="0"/>
+              <a:t>ARIMAX</a:t>
+            </a:r>
+          </a:p>
+        </p:txBody>
+      </p:sp>
+      <p:pic>
+        <p:nvPicPr>
+          <p:cNvPr id="10" name="Inhaltsplatzhalter 9">
+            <a:extLst>
+              <a:ext uri="{FF2B5EF4-FFF2-40B4-BE49-F238E27FC236}">
+                <a16:creationId xmlns:a16="http://schemas.microsoft.com/office/drawing/2014/main" id="{7DD79F36-6BDF-1F1D-2EF9-697C9461156B}"/>
+              </a:ext>
+            </a:extLst>
+          </p:cNvPr>
+          <p:cNvPicPr>
+            <a:picLocks noGrp="1" noChangeAspect="1"/>
+          </p:cNvPicPr>
+          <p:nvPr>
+            <p:ph sz="half" idx="2"/>
+          </p:nvPr>
+        </p:nvPicPr>
+        <p:blipFill>
+          <a:blip r:embed="rId2">
+            <a:extLst>
+              <a:ext uri="{28A0092B-C50C-407E-A947-70E740481C1C}">
+                <a14:useLocalDpi xmlns:a14="http://schemas.microsoft.com/office/drawing/2010/main" val="0"/>
+              </a:ext>
+            </a:extLst>
+          </a:blip>
+          <a:srcRect/>
+          <a:stretch/>
+        </p:blipFill>
+        <p:spPr>
+          <a:xfrm>
+            <a:off x="679296" y="2967778"/>
+            <a:ext cx="5157787" cy="2759181"/>
+          </a:xfrm>
+          <a:prstGeom prst="rect">
+            <a:avLst/>
+          </a:prstGeom>
+        </p:spPr>
+      </p:pic>
+      <p:sp>
+        <p:nvSpPr>
+          <p:cNvPr id="5" name="Textplatzhalter 4">
+            <a:extLst>
+              <a:ext uri="{FF2B5EF4-FFF2-40B4-BE49-F238E27FC236}">
+                <a16:creationId xmlns:a16="http://schemas.microsoft.com/office/drawing/2014/main" id="{9C2E8B72-C5DC-49A0-AEC3-27FE106606DB}"/>
+              </a:ext>
+            </a:extLst>
+          </p:cNvPr>
+          <p:cNvSpPr>
+            <a:spLocks noGrp="1"/>
+          </p:cNvSpPr>
+          <p:nvPr>
+            <p:ph type="body" sz="quarter" idx="3"/>
+          </p:nvPr>
+        </p:nvSpPr>
+        <p:spPr/>
+        <p:txBody>
+          <a:bodyPr/>
+          <a:lstStyle/>
+          <a:p>
+            <a:r>
+              <a:rPr lang="de-DE" dirty="0" err="1"/>
+              <a:t>XGBoost</a:t>
+            </a:r>
+            <a:endParaRPr lang="de-DE" dirty="0"/>
+          </a:p>
+        </p:txBody>
+      </p:sp>
+      <p:pic>
+        <p:nvPicPr>
+          <p:cNvPr id="8" name="Inhaltsplatzhalter 7">
+            <a:extLst>
+              <a:ext uri="{FF2B5EF4-FFF2-40B4-BE49-F238E27FC236}">
+                <a16:creationId xmlns:a16="http://schemas.microsoft.com/office/drawing/2014/main" id="{097EA36F-4EB3-7CC3-6E36-F25F9C89017D}"/>
+              </a:ext>
+            </a:extLst>
+          </p:cNvPr>
+          <p:cNvPicPr>
+            <a:picLocks noGrp="1" noChangeAspect="1"/>
+          </p:cNvPicPr>
+          <p:nvPr>
+            <p:ph sz="quarter" idx="4"/>
+          </p:nvPr>
+        </p:nvPicPr>
+        <p:blipFill>
+          <a:blip r:embed="rId3">
+            <a:extLst>
+              <a:ext uri="{28A0092B-C50C-407E-A947-70E740481C1C}">
+                <a14:useLocalDpi xmlns:a14="http://schemas.microsoft.com/office/drawing/2010/main" val="0"/>
+              </a:ext>
+            </a:extLst>
+          </a:blip>
+          <a:srcRect/>
+          <a:stretch/>
+        </p:blipFill>
+        <p:spPr>
+          <a:xfrm>
+            <a:off x="5914339" y="2967778"/>
+            <a:ext cx="5896677" cy="2759181"/>
+          </a:xfrm>
+          <a:prstGeom prst="rect">
+            <a:avLst/>
+          </a:prstGeom>
+        </p:spPr>
+      </p:pic>
+    </p:spTree>
+    <p:extLst>
+      <p:ext uri="{BB962C8B-B14F-4D97-AF65-F5344CB8AC3E}">
+        <p14:creationId xmlns:p14="http://schemas.microsoft.com/office/powerpoint/2010/main" val="1224565856"/>
+      </p:ext>
+    </p:extLst>
+  </p:cSld>
+  <p:clrMapOvr>
+    <a:masterClrMapping/>
+  </p:clrMapOvr>
+</p:sld>
+</file>
+
+<file path=ppt/slides/slide12.xml><?xml version="1.0" encoding="utf-8"?>
+<p:sld xmlns:a="http://schemas.openxmlformats.org/drawingml/2006/main" xmlns:r="http://schemas.openxmlformats.org/officeDocument/2006/relationships" xmlns:p="http://schemas.openxmlformats.org/presentationml/2006/main" show="0">
+  <p:cSld>
+    <p:spTree>
+      <p:nvGrpSpPr>
+        <p:cNvPr id="1" name=""/>
+        <p:cNvGrpSpPr/>
+        <p:nvPr/>
+      </p:nvGrpSpPr>
+      <p:grpSpPr>
+        <a:xfrm>
+          <a:off x="0" y="0"/>
+          <a:ext cx="0" cy="0"/>
+          <a:chOff x="0" y="0"/>
+          <a:chExt cx="0" cy="0"/>
+        </a:xfrm>
+      </p:grpSpPr>
+      <p:sp>
+        <p:nvSpPr>
+          <p:cNvPr id="2" name="Titel 1">
+            <a:extLst>
+              <a:ext uri="{FF2B5EF4-FFF2-40B4-BE49-F238E27FC236}">
+                <a16:creationId xmlns:a16="http://schemas.microsoft.com/office/drawing/2014/main" id="{A188D6D1-6CB7-0643-82ED-37080AF93176}"/>
+              </a:ext>
+            </a:extLst>
+          </p:cNvPr>
+          <p:cNvSpPr>
+            <a:spLocks noGrp="1"/>
+          </p:cNvSpPr>
+          <p:nvPr>
+            <p:ph type="title"/>
+          </p:nvPr>
+        </p:nvSpPr>
+        <p:spPr/>
+        <p:txBody>
+          <a:bodyPr/>
+          <a:lstStyle/>
+          <a:p>
+            <a:r>
+              <a:rPr lang="de-DE" dirty="0"/>
+              <a:t>2024-08-31 bis 2024-10-31</a:t>
+            </a:r>
+          </a:p>
+        </p:txBody>
+      </p:sp>
+      <p:sp>
+        <p:nvSpPr>
+          <p:cNvPr id="3" name="Textplatzhalter 2">
+            <a:extLst>
+              <a:ext uri="{FF2B5EF4-FFF2-40B4-BE49-F238E27FC236}">
+                <a16:creationId xmlns:a16="http://schemas.microsoft.com/office/drawing/2014/main" id="{40F39423-6472-107D-C17C-3A6350966838}"/>
+              </a:ext>
+            </a:extLst>
+          </p:cNvPr>
+          <p:cNvSpPr>
+            <a:spLocks noGrp="1"/>
+          </p:cNvSpPr>
+          <p:nvPr>
+            <p:ph type="body" idx="1"/>
+          </p:nvPr>
+        </p:nvSpPr>
+        <p:spPr/>
+        <p:txBody>
+          <a:bodyPr/>
+          <a:lstStyle/>
+          <a:p>
+            <a:r>
+              <a:rPr lang="de-DE" dirty="0"/>
+              <a:t>ARIMAX</a:t>
+            </a:r>
+          </a:p>
+        </p:txBody>
+      </p:sp>
+      <p:pic>
+        <p:nvPicPr>
+          <p:cNvPr id="8" name="Inhaltsplatzhalter 7">
+            <a:extLst>
+              <a:ext uri="{FF2B5EF4-FFF2-40B4-BE49-F238E27FC236}">
+                <a16:creationId xmlns:a16="http://schemas.microsoft.com/office/drawing/2014/main" id="{7DC24BE5-11F5-714F-2D98-334B21CA1AE5}"/>
+              </a:ext>
+            </a:extLst>
+          </p:cNvPr>
+          <p:cNvPicPr>
+            <a:picLocks noGrp="1" noChangeAspect="1"/>
+          </p:cNvPicPr>
+          <p:nvPr>
+            <p:ph sz="half" idx="2"/>
+          </p:nvPr>
+        </p:nvPicPr>
+        <p:blipFill>
+          <a:blip r:embed="rId2">
+            <a:extLst>
+              <a:ext uri="{28A0092B-C50C-407E-A947-70E740481C1C}">
+                <a14:useLocalDpi xmlns:a14="http://schemas.microsoft.com/office/drawing/2010/main" val="0"/>
+              </a:ext>
+            </a:extLst>
+          </a:blip>
+          <a:stretch>
+            <a:fillRect/>
+          </a:stretch>
+        </p:blipFill>
+        <p:spPr>
+          <a:xfrm>
+            <a:off x="603814" y="2980764"/>
+            <a:ext cx="5157787" cy="2723311"/>
+          </a:xfrm>
+          <a:prstGeom prst="rect">
+            <a:avLst/>
+          </a:prstGeom>
+        </p:spPr>
+      </p:pic>
+      <p:sp>
+        <p:nvSpPr>
+          <p:cNvPr id="5" name="Textplatzhalter 4">
+            <a:extLst>
+              <a:ext uri="{FF2B5EF4-FFF2-40B4-BE49-F238E27FC236}">
+                <a16:creationId xmlns:a16="http://schemas.microsoft.com/office/drawing/2014/main" id="{ABC60529-7215-3CA4-7405-1DADC06C1C8D}"/>
+              </a:ext>
+            </a:extLst>
+          </p:cNvPr>
+          <p:cNvSpPr>
+            <a:spLocks noGrp="1"/>
+          </p:cNvSpPr>
+          <p:nvPr>
+            <p:ph type="body" sz="quarter" idx="3"/>
+          </p:nvPr>
+        </p:nvSpPr>
+        <p:spPr/>
+        <p:txBody>
+          <a:bodyPr/>
+          <a:lstStyle/>
+          <a:p>
+            <a:r>
+              <a:rPr lang="de-DE" dirty="0" err="1"/>
+              <a:t>XGBoost</a:t>
+            </a:r>
+            <a:endParaRPr lang="de-DE" dirty="0"/>
+          </a:p>
+        </p:txBody>
+      </p:sp>
+      <p:pic>
+        <p:nvPicPr>
+          <p:cNvPr id="10" name="Inhaltsplatzhalter 9">
+            <a:extLst>
+              <a:ext uri="{FF2B5EF4-FFF2-40B4-BE49-F238E27FC236}">
+                <a16:creationId xmlns:a16="http://schemas.microsoft.com/office/drawing/2014/main" id="{8B0CB48B-6B50-F7E1-9CF0-A4DA3E993E03}"/>
+              </a:ext>
+            </a:extLst>
+          </p:cNvPr>
+          <p:cNvPicPr>
+            <a:picLocks noGrp="1" noChangeAspect="1"/>
+          </p:cNvPicPr>
+          <p:nvPr>
+            <p:ph sz="quarter" idx="4"/>
+          </p:nvPr>
+        </p:nvPicPr>
+        <p:blipFill>
+          <a:blip r:embed="rId3">
+            <a:extLst>
+              <a:ext uri="{28A0092B-C50C-407E-A947-70E740481C1C}">
+                <a14:useLocalDpi xmlns:a14="http://schemas.microsoft.com/office/drawing/2010/main" val="0"/>
+              </a:ext>
+            </a:extLst>
+          </a:blip>
+          <a:stretch>
+            <a:fillRect/>
+          </a:stretch>
+        </p:blipFill>
+        <p:spPr>
+          <a:xfrm>
+            <a:off x="5861432" y="2980764"/>
+            <a:ext cx="5760278" cy="2723311"/>
+          </a:xfrm>
+          <a:prstGeom prst="rect">
+            <a:avLst/>
+          </a:prstGeom>
+        </p:spPr>
+      </p:pic>
+    </p:spTree>
+    <p:extLst>
+      <p:ext uri="{BB962C8B-B14F-4D97-AF65-F5344CB8AC3E}">
+        <p14:creationId xmlns:p14="http://schemas.microsoft.com/office/powerpoint/2010/main" val="3334302623"/>
+      </p:ext>
+    </p:extLst>
+  </p:cSld>
+  <p:clrMapOvr>
+    <a:masterClrMapping/>
+  </p:clrMapOvr>
+</p:sld>
+</file>
+
+<file path=ppt/slides/slide13.xml><?xml version="1.0" encoding="utf-8"?>
+<p:sld xmlns:a="http://schemas.openxmlformats.org/drawingml/2006/main" xmlns:r="http://schemas.openxmlformats.org/officeDocument/2006/relationships" xmlns:p="http://schemas.openxmlformats.org/presentationml/2006/main">
+  <p:cSld>
+    <p:spTree>
+      <p:nvGrpSpPr>
+        <p:cNvPr id="1" name="">
+          <a:extLst>
+            <a:ext uri="{FF2B5EF4-FFF2-40B4-BE49-F238E27FC236}">
+              <a16:creationId xmlns:a16="http://schemas.microsoft.com/office/drawing/2014/main" id="{244AC856-714F-DEDA-3735-6D7CB612B8DA}"/>
+            </a:ext>
+          </a:extLst>
+        </p:cNvPr>
+        <p:cNvGrpSpPr/>
+        <p:nvPr/>
+      </p:nvGrpSpPr>
+      <p:grpSpPr>
+        <a:xfrm>
+          <a:off x="0" y="0"/>
+          <a:ext cx="0" cy="0"/>
+          <a:chOff x="0" y="0"/>
+          <a:chExt cx="0" cy="0"/>
+        </a:xfrm>
+      </p:grpSpPr>
+      <p:sp>
+        <p:nvSpPr>
+          <p:cNvPr id="2" name="Titel 1">
+            <a:extLst>
+              <a:ext uri="{FF2B5EF4-FFF2-40B4-BE49-F238E27FC236}">
+                <a16:creationId xmlns:a16="http://schemas.microsoft.com/office/drawing/2014/main" id="{8115070B-23C0-4CDA-DBDB-7DF0275F2DF3}"/>
+              </a:ext>
+            </a:extLst>
+          </p:cNvPr>
+          <p:cNvSpPr>
+            <a:spLocks noGrp="1"/>
+          </p:cNvSpPr>
+          <p:nvPr>
+            <p:ph type="title"/>
+          </p:nvPr>
+        </p:nvSpPr>
+        <p:spPr/>
+        <p:txBody>
+          <a:bodyPr/>
+          <a:lstStyle/>
+          <a:p>
+            <a:r>
+              <a:rPr lang="de-DE" dirty="0"/>
+              <a:t>2024-08-31 bis 2024-10-31</a:t>
+            </a:r>
+          </a:p>
+        </p:txBody>
+      </p:sp>
+      <p:sp>
+        <p:nvSpPr>
+          <p:cNvPr id="3" name="Textplatzhalter 2">
+            <a:extLst>
+              <a:ext uri="{FF2B5EF4-FFF2-40B4-BE49-F238E27FC236}">
+                <a16:creationId xmlns:a16="http://schemas.microsoft.com/office/drawing/2014/main" id="{1012C07C-6E56-4C5D-D57A-AA50388EDB7E}"/>
+              </a:ext>
+            </a:extLst>
+          </p:cNvPr>
+          <p:cNvSpPr>
+            <a:spLocks noGrp="1"/>
+          </p:cNvSpPr>
+          <p:nvPr>
+            <p:ph type="body" idx="1"/>
+          </p:nvPr>
+        </p:nvSpPr>
+        <p:spPr/>
+        <p:txBody>
+          <a:bodyPr/>
+          <a:lstStyle/>
+          <a:p>
+            <a:r>
+              <a:rPr lang="de-DE" dirty="0"/>
+              <a:t>ARIMAX</a:t>
+            </a:r>
+          </a:p>
+        </p:txBody>
+      </p:sp>
+      <p:pic>
+        <p:nvPicPr>
+          <p:cNvPr id="8" name="Inhaltsplatzhalter 7">
+            <a:extLst>
+              <a:ext uri="{FF2B5EF4-FFF2-40B4-BE49-F238E27FC236}">
+                <a16:creationId xmlns:a16="http://schemas.microsoft.com/office/drawing/2014/main" id="{FB651561-6591-8CD8-943D-77C0926EF26E}"/>
+              </a:ext>
+            </a:extLst>
+          </p:cNvPr>
+          <p:cNvPicPr>
+            <a:picLocks noGrp="1" noChangeAspect="1"/>
+          </p:cNvPicPr>
+          <p:nvPr>
+            <p:ph sz="half" idx="2"/>
+          </p:nvPr>
+        </p:nvPicPr>
+        <p:blipFill>
+          <a:blip r:embed="rId2">
+            <a:extLst>
+              <a:ext uri="{28A0092B-C50C-407E-A947-70E740481C1C}">
+                <a14:useLocalDpi xmlns:a14="http://schemas.microsoft.com/office/drawing/2010/main" val="0"/>
+              </a:ext>
+            </a:extLst>
+          </a:blip>
+          <a:srcRect/>
+          <a:stretch/>
+        </p:blipFill>
+        <p:spPr>
+          <a:xfrm>
+            <a:off x="603814" y="2980764"/>
+            <a:ext cx="5157787" cy="2723311"/>
+          </a:xfrm>
+          <a:prstGeom prst="rect">
+            <a:avLst/>
+          </a:prstGeom>
+        </p:spPr>
+      </p:pic>
+      <p:sp>
+        <p:nvSpPr>
+          <p:cNvPr id="5" name="Textplatzhalter 4">
+            <a:extLst>
+              <a:ext uri="{FF2B5EF4-FFF2-40B4-BE49-F238E27FC236}">
+                <a16:creationId xmlns:a16="http://schemas.microsoft.com/office/drawing/2014/main" id="{5E47BCD5-4EA1-1D2E-C4F7-3C0EE7572F2E}"/>
+              </a:ext>
+            </a:extLst>
+          </p:cNvPr>
+          <p:cNvSpPr>
+            <a:spLocks noGrp="1"/>
+          </p:cNvSpPr>
+          <p:nvPr>
+            <p:ph type="body" sz="quarter" idx="3"/>
+          </p:nvPr>
+        </p:nvSpPr>
+        <p:spPr/>
+        <p:txBody>
+          <a:bodyPr/>
+          <a:lstStyle/>
+          <a:p>
+            <a:r>
+              <a:rPr lang="de-DE" dirty="0" err="1"/>
+              <a:t>XGBoost</a:t>
+            </a:r>
+            <a:endParaRPr lang="de-DE" dirty="0"/>
+          </a:p>
+        </p:txBody>
+      </p:sp>
+      <p:pic>
+        <p:nvPicPr>
+          <p:cNvPr id="10" name="Inhaltsplatzhalter 9">
+            <a:extLst>
+              <a:ext uri="{FF2B5EF4-FFF2-40B4-BE49-F238E27FC236}">
+                <a16:creationId xmlns:a16="http://schemas.microsoft.com/office/drawing/2014/main" id="{E3BEB877-A180-B3BB-D67A-0B8786787011}"/>
+              </a:ext>
+            </a:extLst>
+          </p:cNvPr>
+          <p:cNvPicPr>
+            <a:picLocks noGrp="1" noChangeAspect="1"/>
+          </p:cNvPicPr>
+          <p:nvPr>
+            <p:ph sz="quarter" idx="4"/>
+          </p:nvPr>
+        </p:nvPicPr>
+        <p:blipFill>
+          <a:blip r:embed="rId3">
+            <a:extLst>
+              <a:ext uri="{28A0092B-C50C-407E-A947-70E740481C1C}">
+                <a14:useLocalDpi xmlns:a14="http://schemas.microsoft.com/office/drawing/2010/main" val="0"/>
+              </a:ext>
+            </a:extLst>
+          </a:blip>
+          <a:srcRect/>
+          <a:stretch/>
+        </p:blipFill>
+        <p:spPr>
+          <a:xfrm>
+            <a:off x="5861432" y="2980764"/>
+            <a:ext cx="5760278" cy="2723311"/>
+          </a:xfrm>
+          <a:prstGeom prst="rect">
+            <a:avLst/>
+          </a:prstGeom>
+        </p:spPr>
+      </p:pic>
+    </p:spTree>
+    <p:extLst>
+      <p:ext uri="{BB962C8B-B14F-4D97-AF65-F5344CB8AC3E}">
+        <p14:creationId xmlns:p14="http://schemas.microsoft.com/office/powerpoint/2010/main" val="1436581423"/>
+      </p:ext>
+    </p:extLst>
+  </p:cSld>
+  <p:clrMapOvr>
+    <a:masterClrMapping/>
+  </p:clrMapOvr>
+</p:sld>
+</file>
+
+<file path=ppt/slides/slide14.xml><?xml version="1.0" encoding="utf-8"?>
 <p:sld xmlns:a="http://schemas.openxmlformats.org/drawingml/2006/main" xmlns:r="http://schemas.openxmlformats.org/officeDocument/2006/relationships" xmlns:p="http://schemas.openxmlformats.org/presentationml/2006/main">
   <p:cSld>
     <p:spTree>
@@ -7926,63 +8771,35 @@
           <a:lstStyle/>
           <a:p>
             <a:r>
-              <a:rPr lang="de-DE" dirty="0">
-                <a:solidFill>
-                  <a:schemeClr val="tx1"/>
-                </a:solidFill>
-              </a:rPr>
+              <a:rPr lang="de-DE" dirty="0"/>
               <a:t>Interpretation Preiselastizität: Bei einem Preisanstieg von 1% ändert sich die Nachfrage entsprechend um x%</a:t>
             </a:r>
           </a:p>
           <a:p>
             <a:r>
-              <a:rPr lang="de-DE" dirty="0">
-                <a:solidFill>
-                  <a:schemeClr val="tx1"/>
-                </a:solidFill>
-              </a:rPr>
+              <a:rPr lang="de-DE" dirty="0"/>
               <a:t>Für die Empfehlung wird die Schätzung von </a:t>
             </a:r>
             <a:r>
-              <a:rPr lang="de-DE" dirty="0" err="1">
-                <a:solidFill>
-                  <a:schemeClr val="tx1"/>
-                </a:solidFill>
-              </a:rPr>
+              <a:rPr lang="de-DE" dirty="0" err="1"/>
               <a:t>XGBoost</a:t>
             </a:r>
             <a:r>
-              <a:rPr lang="de-DE" dirty="0">
-                <a:solidFill>
-                  <a:schemeClr val="tx1"/>
-                </a:solidFill>
-              </a:rPr>
+              <a:rPr lang="de-DE" dirty="0"/>
               <a:t> herangezogen: ungefähr </a:t>
             </a:r>
             <a:r>
-              <a:rPr lang="de-DE" dirty="0" err="1">
-                <a:solidFill>
-                  <a:schemeClr val="tx1"/>
-                </a:solidFill>
-              </a:rPr>
+              <a:rPr lang="de-DE" dirty="0" err="1"/>
               <a:t>isoelastische</a:t>
             </a:r>
             <a:r>
-              <a:rPr lang="de-DE" dirty="0">
-                <a:solidFill>
-                  <a:schemeClr val="tx1"/>
-                </a:solidFill>
-              </a:rPr>
+              <a:rPr lang="de-DE" dirty="0"/>
               <a:t> Nachfrage, wobei sich die Nachfrage genauso stark wie der Preisanstieg ändern sollte</a:t>
             </a:r>
           </a:p>
           <a:p>
             <a:r>
-              <a:rPr lang="de-DE" dirty="0">
-                <a:solidFill>
-                  <a:schemeClr val="tx1"/>
-                </a:solidFill>
-              </a:rPr>
+              <a:rPr lang="de-DE" dirty="0"/>
               <a:t>Entscheidungsfrage beim Management, gemessen an der Gewinnmarge -&gt; Preissteigerung sollte Gewinnmarge nicht übersteigen!</a:t>
             </a:r>
           </a:p>
@@ -7990,11 +8807,7 @@
             <a:pPr marL="0" indent="0">
               <a:buNone/>
             </a:pPr>
-            <a:endParaRPr lang="de-DE" dirty="0">
-              <a:solidFill>
-                <a:schemeClr val="tx1"/>
-              </a:solidFill>
-            </a:endParaRPr>
+            <a:endParaRPr lang="de-DE" dirty="0"/>
           </a:p>
         </p:txBody>
       </p:sp>
@@ -8011,7 +8824,7 @@
 </p:sld>
 </file>
 
-<file path=ppt/slides/slide11.xml><?xml version="1.0" encoding="utf-8"?>
+<file path=ppt/slides/slide15.xml><?xml version="1.0" encoding="utf-8"?>
 <p:sld xmlns:a="http://schemas.openxmlformats.org/drawingml/2006/main" xmlns:r="http://schemas.openxmlformats.org/officeDocument/2006/relationships" xmlns:p="http://schemas.openxmlformats.org/presentationml/2006/main">
   <p:cSld>
     <p:spTree>
@@ -8078,58 +8891,34 @@
           <a:lstStyle/>
           <a:p>
             <a:r>
-              <a:rPr lang="de-DE" dirty="0">
-                <a:solidFill>
-                  <a:schemeClr val="tx1"/>
-                </a:solidFill>
-              </a:rPr>
-              <a:t>Die Modelle müssen definitiv noch nachgeschärft werden, sollte nur einem schnellem Überblick dienen</a:t>
+              <a:rPr lang="de-DE" dirty="0"/>
+              <a:t>Die Modelle müssen definitiv noch nachgeschärft werden, diese Analyse sollte nur einem schnellem Überblick dienen</a:t>
             </a:r>
           </a:p>
           <a:p>
             <a:r>
-              <a:rPr lang="de-DE" dirty="0">
-                <a:solidFill>
-                  <a:schemeClr val="tx1"/>
-                </a:solidFill>
-              </a:rPr>
+              <a:rPr lang="de-DE" dirty="0"/>
               <a:t>Weitere Modelle sind in Bearbeitung: </a:t>
             </a:r>
             <a:r>
-              <a:rPr lang="de-DE" dirty="0" err="1">
-                <a:solidFill>
-                  <a:schemeClr val="tx1"/>
-                </a:solidFill>
-              </a:rPr>
+              <a:rPr lang="de-DE" dirty="0" err="1"/>
               <a:t>RandomForest</a:t>
             </a:r>
             <a:r>
-              <a:rPr lang="de-DE" dirty="0">
-                <a:solidFill>
-                  <a:schemeClr val="tx1"/>
-                </a:solidFill>
-              </a:rPr>
+              <a:rPr lang="de-DE" dirty="0"/>
               <a:t>, Neuronales Netz und SVM</a:t>
             </a:r>
           </a:p>
           <a:p>
             <a:r>
-              <a:rPr lang="de-DE" dirty="0">
-                <a:solidFill>
-                  <a:schemeClr val="tx1"/>
-                </a:solidFill>
-              </a:rPr>
-              <a:t>Weitere externe Daten sollten überlegt werden, da nicht alle exogenen Schocks mit vorhandenen Features oder deren Kombinationen erklärt werden konnten</a:t>
+              <a:rPr lang="de-DE" dirty="0"/>
+              <a:t>Weitere externe Daten sollten hinzugezogen werden, da nicht alle exogenen Schocks mit vorhandenen Features oder deren Kombinationen erklärt werden konnten</a:t>
             </a:r>
           </a:p>
           <a:p>
             <a:r>
-              <a:rPr lang="de-DE" dirty="0">
-                <a:solidFill>
-                  <a:schemeClr val="tx1"/>
-                </a:solidFill>
-              </a:rPr>
-              <a:t>Analyse der Entstehung von Kaffeebohnenpreisen und Kaufkraftzuwächse könnten mehr Informationen beschaffen</a:t>
+              <a:rPr lang="de-DE" dirty="0"/>
+              <a:t>Analysen der Entstehung von Kaffeebohnenpreisen und Kaufkraftzuwächsen könnten mehr Informationen beschaffen</a:t>
             </a:r>
           </a:p>
         </p:txBody>
@@ -8147,7 +8936,7 @@
 </p:sld>
 </file>
 
-<file path=ppt/slides/slide12.xml><?xml version="1.0" encoding="utf-8"?>
+<file path=ppt/slides/slide16.xml><?xml version="1.0" encoding="utf-8"?>
 <p:sld xmlns:a="http://schemas.openxmlformats.org/drawingml/2006/main" xmlns:r="http://schemas.openxmlformats.org/officeDocument/2006/relationships" xmlns:p="http://schemas.openxmlformats.org/presentationml/2006/main">
   <p:cSld>
     <p:spTree>
@@ -8178,7 +8967,7 @@
         </p:nvSpPr>
         <p:spPr>
           <a:xfrm>
-            <a:off x="48992" y="1954964"/>
+            <a:off x="97984" y="2967335"/>
             <a:ext cx="12094016" cy="923330"/>
           </a:xfrm>
           <a:prstGeom prst="rect">
@@ -8207,57 +8996,8 @@
                   </a:innerShdw>
                 </a:effectLst>
               </a:rPr>
-              <a:t>Vielen Dank für die Aufmerksamkeit!.</a:t>
+              <a:t>Vielen Dank für die Aufmerksamkeit!</a:t>
             </a:r>
-          </a:p>
-        </p:txBody>
-      </p:sp>
-      <p:sp>
-        <p:nvSpPr>
-          <p:cNvPr id="5" name="Smiley 4">
-            <a:extLst>
-              <a:ext uri="{FF2B5EF4-FFF2-40B4-BE49-F238E27FC236}">
-                <a16:creationId xmlns:a16="http://schemas.microsoft.com/office/drawing/2014/main" id="{CFB1D3AA-C2B1-CAF9-0F3C-D773B161F2B2}"/>
-              </a:ext>
-            </a:extLst>
-          </p:cNvPr>
-          <p:cNvSpPr/>
-          <p:nvPr/>
-        </p:nvSpPr>
-        <p:spPr>
-          <a:xfrm>
-            <a:off x="4498521" y="3200400"/>
-            <a:ext cx="3194957" cy="2852058"/>
-          </a:xfrm>
-          <a:prstGeom prst="smileyFace">
-            <a:avLst/>
-          </a:prstGeom>
-          <a:solidFill>
-            <a:srgbClr val="D4A0A0"/>
-          </a:solidFill>
-        </p:spPr>
-        <p:style>
-          <a:lnRef idx="2">
-            <a:schemeClr val="accent1">
-              <a:shade val="15000"/>
-            </a:schemeClr>
-          </a:lnRef>
-          <a:fillRef idx="1">
-            <a:schemeClr val="accent1"/>
-          </a:fillRef>
-          <a:effectRef idx="0">
-            <a:schemeClr val="accent1"/>
-          </a:effectRef>
-          <a:fontRef idx="minor">
-            <a:schemeClr val="lt1"/>
-          </a:fontRef>
-        </p:style>
-        <p:txBody>
-          <a:bodyPr rtlCol="0" anchor="ctr"/>
-          <a:lstStyle/>
-          <a:p>
-            <a:pPr algn="ctr"/>
-            <a:endParaRPr lang="de-DE"/>
           </a:p>
         </p:txBody>
       </p:sp>
@@ -8976,11 +9716,7 @@
           <a:lstStyle/>
           <a:p>
             <a:r>
-              <a:rPr lang="de-DE" dirty="0">
-                <a:solidFill>
-                  <a:srgbClr val="6D5050"/>
-                </a:solidFill>
-              </a:rPr>
+              <a:rPr lang="de-DE" dirty="0"/>
               <a:t>Aufgabenstellung</a:t>
             </a:r>
           </a:p>
@@ -9008,38 +9744,14 @@
           <a:lstStyle/>
           <a:p>
             <a:r>
-              <a:rPr lang="de-DE" dirty="0">
-                <a:solidFill>
-                  <a:schemeClr val="tx1"/>
-                </a:solidFill>
-              </a:rPr>
+              <a:rPr lang="de-DE" dirty="0"/>
               <a:t>Das Management eines Schokoladen- und Pralinenherstellers fragt an, ob wir eine fundierte Empfehlung für die nächste Preissteigerung abgeben können. </a:t>
             </a:r>
           </a:p>
           <a:p>
             <a:r>
-              <a:rPr lang="de-DE" dirty="0">
-                <a:solidFill>
-                  <a:schemeClr val="tx1"/>
-                </a:solidFill>
-              </a:rPr>
-              <a:t>Die vermehrten Rohstoffpreise der </a:t>
-            </a:r>
-            <a:r>
-              <a:rPr lang="de-DE">
-                <a:solidFill>
-                  <a:schemeClr val="tx1"/>
-                </a:solidFill>
-              </a:rPr>
-              <a:t>Kakaobohne sollen </a:t>
-            </a:r>
-            <a:r>
-              <a:rPr lang="de-DE" dirty="0">
-                <a:solidFill>
-                  <a:schemeClr val="tx1"/>
-                </a:solidFill>
-              </a:rPr>
-              <a:t>so auf die Kunden umgelegt werden, dass der Kundenstamm nicht zu sehr wegbricht.</a:t>
+              <a:rPr lang="de-DE" dirty="0"/>
+              <a:t>Die vermehrten Rohstoffpreise der Kakaobohne sollen so auf die Kunden umgelegt werden, dass der Kundenstamm nicht zu sehr wegbricht.</a:t>
             </a:r>
           </a:p>
           <a:p>
@@ -9048,11 +9760,7 @@
               <a:buChar char="è"/>
             </a:pPr>
             <a:r>
-              <a:rPr lang="de-DE" dirty="0">
-                <a:solidFill>
-                  <a:schemeClr val="tx1"/>
-                </a:solidFill>
-              </a:rPr>
+              <a:rPr lang="de-DE" dirty="0"/>
               <a:t>Wie weit dürfen die Preise in den nächsten Monaten steigen, ohne dass die Nachfrage zu sehr wegfällt?</a:t>
             </a:r>
           </a:p>
@@ -9060,11 +9768,7 @@
             <a:pPr marL="0" indent="0">
               <a:buNone/>
             </a:pPr>
-            <a:endParaRPr lang="de-DE" dirty="0">
-              <a:solidFill>
-                <a:schemeClr val="tx1"/>
-              </a:solidFill>
-            </a:endParaRPr>
+            <a:endParaRPr lang="de-DE" dirty="0"/>
           </a:p>
         </p:txBody>
       </p:sp>
@@ -9114,7 +9818,12 @@
             <p:ph type="title"/>
           </p:nvPr>
         </p:nvSpPr>
-        <p:spPr/>
+        <p:spPr>
+          <a:xfrm>
+            <a:off x="839788" y="203880"/>
+            <a:ext cx="10515600" cy="1325563"/>
+          </a:xfrm>
+        </p:spPr>
         <p:txBody>
           <a:bodyPr/>
           <a:lstStyle/>
@@ -9244,18 +9953,18 @@
           <p:nvPr>
             <p:extLst>
               <p:ext uri="{D42A27DB-BD31-4B8C-83A1-F6EECF244321}">
-                <p14:modId xmlns:p14="http://schemas.microsoft.com/office/powerpoint/2010/main" val="173402039"/>
+                <p14:modId xmlns:p14="http://schemas.microsoft.com/office/powerpoint/2010/main" val="4163113714"/>
               </p:ext>
             </p:extLst>
           </p:nvPr>
         </p:nvGraphicFramePr>
         <p:xfrm>
-          <a:off x="653144" y="-138566"/>
-          <a:ext cx="11811002" cy="7135131"/>
+          <a:off x="217712" y="0"/>
+          <a:ext cx="11908975" cy="7053943"/>
         </p:xfrm>
         <a:graphic>
           <a:graphicData uri="http://schemas.openxmlformats.org/drawingml/2006/diagram">
-            <dgm:relIds xmlns:dgm="http://schemas.openxmlformats.org/drawingml/2006/diagram" xmlns:r="http://schemas.openxmlformats.org/officeDocument/2006/relationships" r:dm="rId2" r:lo="rId3" r:qs="rId4" r:cs="rId5"/>
+            <dgm:relIds xmlns:dgm="http://schemas.openxmlformats.org/drawingml/2006/diagram" xmlns:r="http://schemas.openxmlformats.org/officeDocument/2006/relationships" r:dm="rId3" r:lo="rId4" r:qs="rId5" r:cs="rId6"/>
           </a:graphicData>
         </a:graphic>
       </p:graphicFrame>
@@ -9363,9 +10072,8 @@
               </a:ext>
             </a:extLst>
           </a:blip>
-          <a:stretch>
-            <a:fillRect/>
-          </a:stretch>
+          <a:srcRect/>
+          <a:stretch/>
         </p:blipFill>
         <p:spPr>
           <a:xfrm>
@@ -9426,9 +10134,8 @@
               </a:ext>
             </a:extLst>
           </a:blip>
-          <a:stretch>
-            <a:fillRect/>
-          </a:stretch>
+          <a:srcRect/>
+          <a:stretch/>
         </p:blipFill>
         <p:spPr>
           <a:xfrm>
@@ -9462,14 +10169,13 @@
               </a:ext>
             </a:extLst>
           </a:blip>
-          <a:stretch>
-            <a:fillRect/>
-          </a:stretch>
+          <a:srcRect/>
+          <a:stretch/>
         </p:blipFill>
         <p:spPr>
           <a:xfrm>
-            <a:off x="3325907" y="3391863"/>
-            <a:ext cx="5263262" cy="3084812"/>
+            <a:off x="3325907" y="3394513"/>
+            <a:ext cx="5263262" cy="3079512"/>
           </a:xfrm>
           <a:prstGeom prst="rect">
             <a:avLst/>
@@ -9490,6 +10196,226 @@
 </file>
 
 <file path=ppt/slides/slide6.xml><?xml version="1.0" encoding="utf-8"?>
+<p:sld xmlns:a="http://schemas.openxmlformats.org/drawingml/2006/main" xmlns:r="http://schemas.openxmlformats.org/officeDocument/2006/relationships" xmlns:p="http://schemas.openxmlformats.org/presentationml/2006/main">
+  <p:cSld>
+    <p:spTree>
+      <p:nvGrpSpPr>
+        <p:cNvPr id="1" name="">
+          <a:extLst>
+            <a:ext uri="{FF2B5EF4-FFF2-40B4-BE49-F238E27FC236}">
+              <a16:creationId xmlns:a16="http://schemas.microsoft.com/office/drawing/2014/main" id="{7CE9F578-C190-7BA9-238B-B355B1B9E00E}"/>
+            </a:ext>
+          </a:extLst>
+        </p:cNvPr>
+        <p:cNvGrpSpPr/>
+        <p:nvPr/>
+      </p:nvGrpSpPr>
+      <p:grpSpPr>
+        <a:xfrm>
+          <a:off x="0" y="0"/>
+          <a:ext cx="0" cy="0"/>
+          <a:chOff x="0" y="0"/>
+          <a:chExt cx="0" cy="0"/>
+        </a:xfrm>
+      </p:grpSpPr>
+      <p:sp>
+        <p:nvSpPr>
+          <p:cNvPr id="2" name="Titel 1">
+            <a:extLst>
+              <a:ext uri="{FF2B5EF4-FFF2-40B4-BE49-F238E27FC236}">
+                <a16:creationId xmlns:a16="http://schemas.microsoft.com/office/drawing/2014/main" id="{AF40C77A-C955-2AD9-69EE-49A7AB039219}"/>
+              </a:ext>
+            </a:extLst>
+          </p:cNvPr>
+          <p:cNvSpPr>
+            <a:spLocks noGrp="1"/>
+          </p:cNvSpPr>
+          <p:nvPr>
+            <p:ph type="title"/>
+          </p:nvPr>
+        </p:nvSpPr>
+        <p:spPr/>
+        <p:txBody>
+          <a:bodyPr/>
+          <a:lstStyle/>
+          <a:p>
+            <a:endParaRPr lang="de-DE" dirty="0"/>
+          </a:p>
+        </p:txBody>
+      </p:sp>
+      <p:sp>
+        <p:nvSpPr>
+          <p:cNvPr id="3" name="Textplatzhalter 2">
+            <a:extLst>
+              <a:ext uri="{FF2B5EF4-FFF2-40B4-BE49-F238E27FC236}">
+                <a16:creationId xmlns:a16="http://schemas.microsoft.com/office/drawing/2014/main" id="{F7650FC0-0BA1-949D-7807-0FF573C3D9DE}"/>
+              </a:ext>
+            </a:extLst>
+          </p:cNvPr>
+          <p:cNvSpPr>
+            <a:spLocks noGrp="1"/>
+          </p:cNvSpPr>
+          <p:nvPr>
+            <p:ph type="body" idx="1"/>
+          </p:nvPr>
+        </p:nvSpPr>
+        <p:spPr/>
+        <p:txBody>
+          <a:bodyPr/>
+          <a:lstStyle/>
+          <a:p>
+            <a:endParaRPr lang="de-DE"/>
+          </a:p>
+        </p:txBody>
+      </p:sp>
+      <p:pic>
+        <p:nvPicPr>
+          <p:cNvPr id="8" name="Inhaltsplatzhalter 7">
+            <a:extLst>
+              <a:ext uri="{FF2B5EF4-FFF2-40B4-BE49-F238E27FC236}">
+                <a16:creationId xmlns:a16="http://schemas.microsoft.com/office/drawing/2014/main" id="{6CADDA47-1738-F198-3900-FED44EB6C5C7}"/>
+              </a:ext>
+            </a:extLst>
+          </p:cNvPr>
+          <p:cNvPicPr>
+            <a:picLocks noGrp="1" noChangeAspect="1"/>
+          </p:cNvPicPr>
+          <p:nvPr>
+            <p:ph sz="half" idx="2"/>
+          </p:nvPr>
+        </p:nvPicPr>
+        <p:blipFill>
+          <a:blip r:embed="rId2">
+            <a:extLst>
+              <a:ext uri="{28A0092B-C50C-407E-A947-70E740481C1C}">
+                <a14:useLocalDpi xmlns:a14="http://schemas.microsoft.com/office/drawing/2010/main" val="0"/>
+              </a:ext>
+            </a:extLst>
+          </a:blip>
+          <a:srcRect/>
+          <a:stretch/>
+        </p:blipFill>
+        <p:spPr>
+          <a:xfrm>
+            <a:off x="665163" y="161772"/>
+            <a:ext cx="5157787" cy="3057831"/>
+          </a:xfrm>
+          <a:prstGeom prst="rect">
+            <a:avLst/>
+          </a:prstGeom>
+        </p:spPr>
+      </p:pic>
+      <p:sp>
+        <p:nvSpPr>
+          <p:cNvPr id="5" name="Textplatzhalter 4">
+            <a:extLst>
+              <a:ext uri="{FF2B5EF4-FFF2-40B4-BE49-F238E27FC236}">
+                <a16:creationId xmlns:a16="http://schemas.microsoft.com/office/drawing/2014/main" id="{EB1EE4F0-8D59-E3EF-1045-6CF25A338670}"/>
+              </a:ext>
+            </a:extLst>
+          </p:cNvPr>
+          <p:cNvSpPr>
+            <a:spLocks noGrp="1"/>
+          </p:cNvSpPr>
+          <p:nvPr>
+            <p:ph type="body" sz="quarter" idx="3"/>
+          </p:nvPr>
+        </p:nvSpPr>
+        <p:spPr/>
+        <p:txBody>
+          <a:bodyPr/>
+          <a:lstStyle/>
+          <a:p>
+            <a:endParaRPr lang="de-DE"/>
+          </a:p>
+        </p:txBody>
+      </p:sp>
+      <p:pic>
+        <p:nvPicPr>
+          <p:cNvPr id="10" name="Inhaltsplatzhalter 9">
+            <a:extLst>
+              <a:ext uri="{FF2B5EF4-FFF2-40B4-BE49-F238E27FC236}">
+                <a16:creationId xmlns:a16="http://schemas.microsoft.com/office/drawing/2014/main" id="{DA4B644E-58B5-E528-4880-273ADB2337BF}"/>
+              </a:ext>
+            </a:extLst>
+          </p:cNvPr>
+          <p:cNvPicPr>
+            <a:picLocks noGrp="1" noChangeAspect="1"/>
+          </p:cNvPicPr>
+          <p:nvPr>
+            <p:ph sz="quarter" idx="4"/>
+          </p:nvPr>
+        </p:nvPicPr>
+        <p:blipFill>
+          <a:blip r:embed="rId3">
+            <a:extLst>
+              <a:ext uri="{28A0092B-C50C-407E-A947-70E740481C1C}">
+                <a14:useLocalDpi xmlns:a14="http://schemas.microsoft.com/office/drawing/2010/main" val="0"/>
+              </a:ext>
+            </a:extLst>
+          </a:blip>
+          <a:srcRect/>
+          <a:stretch/>
+        </p:blipFill>
+        <p:spPr>
+          <a:xfrm>
+            <a:off x="5997575" y="192865"/>
+            <a:ext cx="5183188" cy="2995646"/>
+          </a:xfrm>
+          <a:prstGeom prst="rect">
+            <a:avLst/>
+          </a:prstGeom>
+        </p:spPr>
+      </p:pic>
+      <p:pic>
+        <p:nvPicPr>
+          <p:cNvPr id="12" name="Grafik 11">
+            <a:extLst>
+              <a:ext uri="{FF2B5EF4-FFF2-40B4-BE49-F238E27FC236}">
+                <a16:creationId xmlns:a16="http://schemas.microsoft.com/office/drawing/2014/main" id="{A75345F4-2C9F-C036-D988-71C57C7B1F6F}"/>
+              </a:ext>
+            </a:extLst>
+          </p:cNvPr>
+          <p:cNvPicPr>
+            <a:picLocks noChangeAspect="1"/>
+          </p:cNvPicPr>
+          <p:nvPr/>
+        </p:nvPicPr>
+        <p:blipFill>
+          <a:blip r:embed="rId4">
+            <a:extLst>
+              <a:ext uri="{28A0092B-C50C-407E-A947-70E740481C1C}">
+                <a14:useLocalDpi xmlns:a14="http://schemas.microsoft.com/office/drawing/2010/main" val="0"/>
+              </a:ext>
+            </a:extLst>
+          </a:blip>
+          <a:srcRect/>
+          <a:stretch/>
+        </p:blipFill>
+        <p:spPr>
+          <a:xfrm>
+            <a:off x="2946391" y="3360771"/>
+            <a:ext cx="5944640" cy="3242179"/>
+          </a:xfrm>
+          <a:prstGeom prst="rect">
+            <a:avLst/>
+          </a:prstGeom>
+        </p:spPr>
+      </p:pic>
+    </p:spTree>
+    <p:extLst>
+      <p:ext uri="{BB962C8B-B14F-4D97-AF65-F5344CB8AC3E}">
+        <p14:creationId xmlns:p14="http://schemas.microsoft.com/office/powerpoint/2010/main" val="603488837"/>
+      </p:ext>
+    </p:extLst>
+  </p:cSld>
+  <p:clrMapOvr>
+    <a:masterClrMapping/>
+  </p:clrMapOvr>
+</p:sld>
+</file>
+
+<file path=ppt/slides/slide7.xml><?xml version="1.0" encoding="utf-8"?>
 <p:sld xmlns:a="http://schemas.openxmlformats.org/drawingml/2006/main" xmlns:r="http://schemas.openxmlformats.org/officeDocument/2006/relationships" xmlns:p="http://schemas.openxmlformats.org/presentationml/2006/main">
   <p:cSld>
     <p:spTree>
@@ -9607,13 +10533,13 @@
             <p:ph sz="quarter" idx="4"/>
             <p:extLst>
               <p:ext uri="{D42A27DB-BD31-4B8C-83A1-F6EECF244321}">
-                <p14:modId xmlns:p14="http://schemas.microsoft.com/office/powerpoint/2010/main" val="3163422504"/>
+                <p14:modId xmlns:p14="http://schemas.microsoft.com/office/powerpoint/2010/main" val="99888629"/>
               </p:ext>
             </p:extLst>
           </p:nvPr>
         </p:nvGraphicFramePr>
         <p:xfrm>
-          <a:off x="6172201" y="3108333"/>
+          <a:off x="6194427" y="3109369"/>
           <a:ext cx="5183186" cy="2478072"/>
         </p:xfrm>
         <a:graphic>
@@ -9682,7 +10608,7 @@
                   </a:txBody>
                   <a:tcPr marL="30047" marR="30047" marT="15024" marB="15024" anchor="ctr">
                     <a:solidFill>
-                      <a:srgbClr val="D4A0A0"/>
+                      <a:srgbClr val="C1ABAB"/>
                     </a:solidFill>
                   </a:tcPr>
                 </a:tc>
@@ -9709,7 +10635,7 @@
                   </a:txBody>
                   <a:tcPr marL="30047" marR="30047" marT="15024" marB="15024" anchor="ctr">
                     <a:solidFill>
-                      <a:srgbClr val="D4A0A0"/>
+                      <a:srgbClr val="C1ABAB"/>
                     </a:solidFill>
                   </a:tcPr>
                 </a:tc>
@@ -9734,7 +10660,7 @@
                   </a:txBody>
                   <a:tcPr marL="30047" marR="30047" marT="15024" marB="15024" anchor="ctr">
                     <a:solidFill>
-                      <a:srgbClr val="D4A0A0"/>
+                      <a:srgbClr val="C1ABAB"/>
                     </a:solidFill>
                   </a:tcPr>
                 </a:tc>
@@ -9759,7 +10685,7 @@
                   </a:txBody>
                   <a:tcPr marL="30047" marR="30047" marT="15024" marB="15024" anchor="ctr">
                     <a:solidFill>
-                      <a:srgbClr val="D4A0A0"/>
+                      <a:srgbClr val="C1ABAB"/>
                     </a:solidFill>
                   </a:tcPr>
                 </a:tc>
@@ -9784,7 +10710,7 @@
                   </a:txBody>
                   <a:tcPr marL="30047" marR="30047" marT="15024" marB="15024" anchor="ctr">
                     <a:solidFill>
-                      <a:srgbClr val="D4A0A0"/>
+                      <a:srgbClr val="C1ABAB"/>
                     </a:solidFill>
                   </a:tcPr>
                 </a:tc>
@@ -9806,7 +10732,7 @@
                   </a:txBody>
                   <a:tcPr marL="30047" marR="30047" marT="15024" marB="15024" anchor="ctr">
                     <a:solidFill>
-                      <a:srgbClr val="D4A0A0"/>
+                      <a:srgbClr val="C1ABAB"/>
                     </a:solidFill>
                   </a:tcPr>
                 </a:tc>
@@ -9835,7 +10761,7 @@
                   </a:txBody>
                   <a:tcPr marL="30047" marR="30047" marT="15024" marB="15024" anchor="ctr">
                     <a:solidFill>
-                      <a:srgbClr val="D4A0A0"/>
+                      <a:srgbClr val="C1ABAB"/>
                     </a:solidFill>
                   </a:tcPr>
                 </a:tc>
@@ -9854,7 +10780,7 @@
                   </a:txBody>
                   <a:tcPr marL="30047" marR="30047" marT="15024" marB="15024" anchor="ctr">
                     <a:solidFill>
-                      <a:srgbClr val="D4A0A0"/>
+                      <a:srgbClr val="C1ABAB"/>
                     </a:solidFill>
                   </a:tcPr>
                 </a:tc>
@@ -9873,7 +10799,7 @@
                   </a:txBody>
                   <a:tcPr marL="30047" marR="30047" marT="15024" marB="15024" anchor="ctr">
                     <a:solidFill>
-                      <a:srgbClr val="D4A0A0"/>
+                      <a:srgbClr val="C1ABAB"/>
                     </a:solidFill>
                   </a:tcPr>
                 </a:tc>
@@ -9892,7 +10818,7 @@
                   </a:txBody>
                   <a:tcPr marL="30047" marR="30047" marT="15024" marB="15024" anchor="ctr">
                     <a:solidFill>
-                      <a:srgbClr val="D4A0A0"/>
+                      <a:srgbClr val="C1ABAB"/>
                     </a:solidFill>
                   </a:tcPr>
                 </a:tc>
@@ -9911,7 +10837,7 @@
                   </a:txBody>
                   <a:tcPr marL="30047" marR="30047" marT="15024" marB="15024" anchor="ctr">
                     <a:solidFill>
-                      <a:srgbClr val="D4A0A0"/>
+                      <a:srgbClr val="C1ABAB"/>
                     </a:solidFill>
                   </a:tcPr>
                 </a:tc>
@@ -9930,7 +10856,7 @@
                   </a:txBody>
                   <a:tcPr marL="30047" marR="30047" marT="15024" marB="15024" anchor="ctr">
                     <a:solidFill>
-                      <a:srgbClr val="D4A0A0"/>
+                      <a:srgbClr val="C1ABAB"/>
                     </a:solidFill>
                   </a:tcPr>
                 </a:tc>
@@ -9959,7 +10885,7 @@
                   </a:txBody>
                   <a:tcPr marL="30047" marR="30047" marT="15024" marB="15024" anchor="ctr">
                     <a:solidFill>
-                      <a:srgbClr val="D4A0A0"/>
+                      <a:srgbClr val="C1ABAB"/>
                     </a:solidFill>
                   </a:tcPr>
                 </a:tc>
@@ -9981,7 +10907,7 @@
                   </a:txBody>
                   <a:tcPr marL="30047" marR="30047" marT="15024" marB="15024" anchor="ctr">
                     <a:solidFill>
-                      <a:srgbClr val="D4A0A0"/>
+                      <a:srgbClr val="C1ABAB"/>
                     </a:solidFill>
                   </a:tcPr>
                 </a:tc>
@@ -9994,16 +10920,38 @@
                         <a:buNone/>
                       </a:pPr>
                       <a:r>
+                        <a:rPr lang="de-DE" sz="900" dirty="0">
+                          <a:effectLst/>
+                        </a:rPr>
+                        <a:t>0.703789</a:t>
+                      </a:r>
+                    </a:p>
+                  </a:txBody>
+                  <a:tcPr marL="30047" marR="30047" marT="15024" marB="15024" anchor="ctr">
+                    <a:solidFill>
+                      <a:srgbClr val="C1ABAB"/>
+                    </a:solidFill>
+                  </a:tcPr>
+                </a:tc>
+                <a:tc>
+                  <a:txBody>
+                    <a:bodyPr/>
+                    <a:lstStyle/>
+                    <a:p>
+                      <a:pPr>
+                        <a:buNone/>
+                      </a:pPr>
+                      <a:r>
                         <a:rPr lang="de-DE" sz="900">
                           <a:effectLst/>
                         </a:rPr>
-                        <a:t>0.703789</a:t>
+                        <a:t>0.027411</a:t>
                       </a:r>
                     </a:p>
                   </a:txBody>
                   <a:tcPr marL="30047" marR="30047" marT="15024" marB="15024" anchor="ctr">
                     <a:solidFill>
-                      <a:srgbClr val="D4A0A0"/>
+                      <a:srgbClr val="C1ABAB"/>
                     </a:solidFill>
                   </a:tcPr>
                 </a:tc>
@@ -10019,13 +10967,13 @@
                         <a:rPr lang="de-DE" sz="900">
                           <a:effectLst/>
                         </a:rPr>
-                        <a:t>0.027411</a:t>
+                        <a:t>0.019835</a:t>
                       </a:r>
                     </a:p>
                   </a:txBody>
                   <a:tcPr marL="30047" marR="30047" marT="15024" marB="15024" anchor="ctr">
                     <a:solidFill>
-                      <a:srgbClr val="D4A0A0"/>
+                      <a:srgbClr val="C1ABAB"/>
                     </a:solidFill>
                   </a:tcPr>
                 </a:tc>
@@ -10041,35 +10989,13 @@
                         <a:rPr lang="de-DE" sz="900">
                           <a:effectLst/>
                         </a:rPr>
-                        <a:t>0.019835</a:t>
+                        <a:t>0.999451</a:t>
                       </a:r>
                     </a:p>
                   </a:txBody>
                   <a:tcPr marL="30047" marR="30047" marT="15024" marB="15024" anchor="ctr">
                     <a:solidFill>
-                      <a:srgbClr val="D4A0A0"/>
-                    </a:solidFill>
-                  </a:tcPr>
-                </a:tc>
-                <a:tc>
-                  <a:txBody>
-                    <a:bodyPr/>
-                    <a:lstStyle/>
-                    <a:p>
-                      <a:pPr>
-                        <a:buNone/>
-                      </a:pPr>
-                      <a:r>
-                        <a:rPr lang="de-DE" sz="900">
-                          <a:effectLst/>
-                        </a:rPr>
-                        <a:t>0.999451</a:t>
-                      </a:r>
-                    </a:p>
-                  </a:txBody>
-                  <a:tcPr marL="30047" marR="30047" marT="15024" marB="15024" anchor="ctr">
-                    <a:solidFill>
-                      <a:srgbClr val="D4A0A0"/>
+                      <a:srgbClr val="C1ABAB"/>
                     </a:solidFill>
                   </a:tcPr>
                 </a:tc>
@@ -10098,7 +11024,7 @@
                   </a:txBody>
                   <a:tcPr marL="30047" marR="30047" marT="15024" marB="15024" anchor="ctr">
                     <a:solidFill>
-                      <a:srgbClr val="D4A0A0"/>
+                      <a:srgbClr val="C1ABAB"/>
                     </a:solidFill>
                   </a:tcPr>
                 </a:tc>
@@ -10120,7 +11046,7 @@
                   </a:txBody>
                   <a:tcPr marL="30047" marR="30047" marT="15024" marB="15024" anchor="ctr">
                     <a:solidFill>
-                      <a:srgbClr val="D4A0A0"/>
+                      <a:srgbClr val="C1ABAB"/>
                     </a:solidFill>
                   </a:tcPr>
                 </a:tc>
@@ -10142,7 +11068,7 @@
                   </a:txBody>
                   <a:tcPr marL="30047" marR="30047" marT="15024" marB="15024" anchor="ctr">
                     <a:solidFill>
-                      <a:srgbClr val="D4A0A0"/>
+                      <a:srgbClr val="C1ABAB"/>
                     </a:solidFill>
                   </a:tcPr>
                 </a:tc>
@@ -10164,7 +11090,7 @@
                   </a:txBody>
                   <a:tcPr marL="30047" marR="30047" marT="15024" marB="15024" anchor="ctr">
                     <a:solidFill>
-                      <a:srgbClr val="D4A0A0"/>
+                      <a:srgbClr val="C1ABAB"/>
                     </a:solidFill>
                   </a:tcPr>
                 </a:tc>
@@ -10186,7 +11112,7 @@
                   </a:txBody>
                   <a:tcPr marL="30047" marR="30047" marT="15024" marB="15024" anchor="ctr">
                     <a:solidFill>
-                      <a:srgbClr val="D4A0A0"/>
+                      <a:srgbClr val="C1ABAB"/>
                     </a:solidFill>
                   </a:tcPr>
                 </a:tc>
@@ -10208,7 +11134,7 @@
                   </a:txBody>
                   <a:tcPr marL="30047" marR="30047" marT="15024" marB="15024" anchor="ctr">
                     <a:solidFill>
-                      <a:srgbClr val="D4A0A0"/>
+                      <a:srgbClr val="C1ABAB"/>
                     </a:solidFill>
                   </a:tcPr>
                 </a:tc>
@@ -10237,7 +11163,7 @@
                   </a:txBody>
                   <a:tcPr marL="30047" marR="30047" marT="15024" marB="15024" anchor="ctr">
                     <a:solidFill>
-                      <a:srgbClr val="D4A0A0"/>
+                      <a:srgbClr val="C1ABAB"/>
                     </a:solidFill>
                   </a:tcPr>
                 </a:tc>
@@ -10259,7 +11185,7 @@
                   </a:txBody>
                   <a:tcPr marL="30047" marR="30047" marT="15024" marB="15024" anchor="ctr">
                     <a:solidFill>
-                      <a:srgbClr val="D4A0A0"/>
+                      <a:srgbClr val="C1ABAB"/>
                     </a:solidFill>
                   </a:tcPr>
                 </a:tc>
@@ -10281,7 +11207,7 @@
                   </a:txBody>
                   <a:tcPr marL="30047" marR="30047" marT="15024" marB="15024" anchor="ctr">
                     <a:solidFill>
-                      <a:srgbClr val="D4A0A0"/>
+                      <a:srgbClr val="C1ABAB"/>
                     </a:solidFill>
                   </a:tcPr>
                 </a:tc>
@@ -10303,7 +11229,7 @@
                   </a:txBody>
                   <a:tcPr marL="30047" marR="30047" marT="15024" marB="15024" anchor="ctr">
                     <a:solidFill>
-                      <a:srgbClr val="D4A0A0"/>
+                      <a:srgbClr val="C1ABAB"/>
                     </a:solidFill>
                   </a:tcPr>
                 </a:tc>
@@ -10325,7 +11251,7 @@
                   </a:txBody>
                   <a:tcPr marL="30047" marR="30047" marT="15024" marB="15024" anchor="ctr">
                     <a:solidFill>
-                      <a:srgbClr val="D4A0A0"/>
+                      <a:srgbClr val="C1ABAB"/>
                     </a:solidFill>
                   </a:tcPr>
                 </a:tc>
@@ -10347,7 +11273,7 @@
                   </a:txBody>
                   <a:tcPr marL="30047" marR="30047" marT="15024" marB="15024" anchor="ctr">
                     <a:solidFill>
-                      <a:srgbClr val="D4A0A0"/>
+                      <a:srgbClr val="C1ABAB"/>
                     </a:solidFill>
                   </a:tcPr>
                 </a:tc>
@@ -10376,7 +11302,7 @@
                   </a:txBody>
                   <a:tcPr marL="30047" marR="30047" marT="15024" marB="15024" anchor="ctr">
                     <a:solidFill>
-                      <a:srgbClr val="D4A0A0"/>
+                      <a:srgbClr val="C1ABAB"/>
                     </a:solidFill>
                   </a:tcPr>
                 </a:tc>
@@ -10398,7 +11324,7 @@
                   </a:txBody>
                   <a:tcPr marL="30047" marR="30047" marT="15024" marB="15024" anchor="ctr">
                     <a:solidFill>
-                      <a:srgbClr val="D4A0A0"/>
+                      <a:srgbClr val="C1ABAB"/>
                     </a:solidFill>
                   </a:tcPr>
                 </a:tc>
@@ -10420,7 +11346,7 @@
                   </a:txBody>
                   <a:tcPr marL="30047" marR="30047" marT="15024" marB="15024" anchor="ctr">
                     <a:solidFill>
-                      <a:srgbClr val="D4A0A0"/>
+                      <a:srgbClr val="C1ABAB"/>
                     </a:solidFill>
                   </a:tcPr>
                 </a:tc>
@@ -10442,7 +11368,7 @@
                   </a:txBody>
                   <a:tcPr marL="30047" marR="30047" marT="15024" marB="15024" anchor="ctr">
                     <a:solidFill>
-                      <a:srgbClr val="D4A0A0"/>
+                      <a:srgbClr val="C1ABAB"/>
                     </a:solidFill>
                   </a:tcPr>
                 </a:tc>
@@ -10464,7 +11390,7 @@
                   </a:txBody>
                   <a:tcPr marL="30047" marR="30047" marT="15024" marB="15024" anchor="ctr">
                     <a:solidFill>
-                      <a:srgbClr val="D4A0A0"/>
+                      <a:srgbClr val="C1ABAB"/>
                     </a:solidFill>
                   </a:tcPr>
                 </a:tc>
@@ -10486,7 +11412,7 @@
                   </a:txBody>
                   <a:tcPr marL="30047" marR="30047" marT="15024" marB="15024" anchor="ctr">
                     <a:solidFill>
-                      <a:srgbClr val="D4A0A0"/>
+                      <a:srgbClr val="C1ABAB"/>
                     </a:solidFill>
                   </a:tcPr>
                 </a:tc>
@@ -10515,7 +11441,7 @@
                   </a:txBody>
                   <a:tcPr marL="30047" marR="30047" marT="15024" marB="15024" anchor="ctr">
                     <a:solidFill>
-                      <a:srgbClr val="D4A0A0"/>
+                      <a:srgbClr val="C1ABAB"/>
                     </a:solidFill>
                   </a:tcPr>
                 </a:tc>
@@ -10537,7 +11463,7 @@
                   </a:txBody>
                   <a:tcPr marL="30047" marR="30047" marT="15024" marB="15024" anchor="ctr">
                     <a:solidFill>
-                      <a:srgbClr val="D4A0A0"/>
+                      <a:srgbClr val="C1ABAB"/>
                     </a:solidFill>
                   </a:tcPr>
                 </a:tc>
@@ -10559,7 +11485,7 @@
                   </a:txBody>
                   <a:tcPr marL="30047" marR="30047" marT="15024" marB="15024" anchor="ctr">
                     <a:solidFill>
-                      <a:srgbClr val="D4A0A0"/>
+                      <a:srgbClr val="C1ABAB"/>
                     </a:solidFill>
                   </a:tcPr>
                 </a:tc>
@@ -10581,7 +11507,7 @@
                   </a:txBody>
                   <a:tcPr marL="30047" marR="30047" marT="15024" marB="15024" anchor="ctr">
                     <a:solidFill>
-                      <a:srgbClr val="D4A0A0"/>
+                      <a:srgbClr val="C1ABAB"/>
                     </a:solidFill>
                   </a:tcPr>
                 </a:tc>
@@ -10603,7 +11529,7 @@
                   </a:txBody>
                   <a:tcPr marL="30047" marR="30047" marT="15024" marB="15024" anchor="ctr">
                     <a:solidFill>
-                      <a:srgbClr val="D4A0A0"/>
+                      <a:srgbClr val="C1ABAB"/>
                     </a:solidFill>
                   </a:tcPr>
                 </a:tc>
@@ -10625,7 +11551,7 @@
                   </a:txBody>
                   <a:tcPr marL="30047" marR="30047" marT="15024" marB="15024" anchor="ctr">
                     <a:solidFill>
-                      <a:srgbClr val="D4A0A0"/>
+                      <a:srgbClr val="C1ABAB"/>
                     </a:solidFill>
                   </a:tcPr>
                 </a:tc>
@@ -10654,7 +11580,7 @@
                   </a:txBody>
                   <a:tcPr marL="30047" marR="30047" marT="15024" marB="15024" anchor="ctr">
                     <a:solidFill>
-                      <a:srgbClr val="D4A0A0"/>
+                      <a:srgbClr val="C1ABAB"/>
                     </a:solidFill>
                   </a:tcPr>
                 </a:tc>
@@ -10676,7 +11602,7 @@
                   </a:txBody>
                   <a:tcPr marL="30047" marR="30047" marT="15024" marB="15024" anchor="ctr">
                     <a:solidFill>
-                      <a:srgbClr val="D4A0A0"/>
+                      <a:srgbClr val="C1ABAB"/>
                     </a:solidFill>
                   </a:tcPr>
                 </a:tc>
@@ -10698,7 +11624,7 @@
                   </a:txBody>
                   <a:tcPr marL="30047" marR="30047" marT="15024" marB="15024" anchor="ctr">
                     <a:solidFill>
-                      <a:srgbClr val="D4A0A0"/>
+                      <a:srgbClr val="C1ABAB"/>
                     </a:solidFill>
                   </a:tcPr>
                 </a:tc>
@@ -10720,7 +11646,7 @@
                   </a:txBody>
                   <a:tcPr marL="30047" marR="30047" marT="15024" marB="15024" anchor="ctr">
                     <a:solidFill>
-                      <a:srgbClr val="D4A0A0"/>
+                      <a:srgbClr val="C1ABAB"/>
                     </a:solidFill>
                   </a:tcPr>
                 </a:tc>
@@ -10742,7 +11668,7 @@
                   </a:txBody>
                   <a:tcPr marL="30047" marR="30047" marT="15024" marB="15024" anchor="ctr">
                     <a:solidFill>
-                      <a:srgbClr val="D4A0A0"/>
+                      <a:srgbClr val="C1ABAB"/>
                     </a:solidFill>
                   </a:tcPr>
                 </a:tc>
@@ -10764,7 +11690,7 @@
                   </a:txBody>
                   <a:tcPr marL="30047" marR="30047" marT="15024" marB="15024" anchor="ctr">
                     <a:solidFill>
-                      <a:srgbClr val="D4A0A0"/>
+                      <a:srgbClr val="C1ABAB"/>
                     </a:solidFill>
                   </a:tcPr>
                 </a:tc>
@@ -10793,7 +11719,7 @@
                   </a:txBody>
                   <a:tcPr marL="30047" marR="30047" marT="15024" marB="15024" anchor="ctr">
                     <a:solidFill>
-                      <a:srgbClr val="D4A0A0"/>
+                      <a:srgbClr val="C1ABAB"/>
                     </a:solidFill>
                   </a:tcPr>
                 </a:tc>
@@ -10815,7 +11741,7 @@
                   </a:txBody>
                   <a:tcPr marL="30047" marR="30047" marT="15024" marB="15024" anchor="ctr">
                     <a:solidFill>
-                      <a:srgbClr val="D4A0A0"/>
+                      <a:srgbClr val="C1ABAB"/>
                     </a:solidFill>
                   </a:tcPr>
                 </a:tc>
@@ -10837,7 +11763,7 @@
                   </a:txBody>
                   <a:tcPr marL="30047" marR="30047" marT="15024" marB="15024" anchor="ctr">
                     <a:solidFill>
-                      <a:srgbClr val="D4A0A0"/>
+                      <a:srgbClr val="C1ABAB"/>
                     </a:solidFill>
                   </a:tcPr>
                 </a:tc>
@@ -10859,7 +11785,7 @@
                   </a:txBody>
                   <a:tcPr marL="30047" marR="30047" marT="15024" marB="15024" anchor="ctr">
                     <a:solidFill>
-                      <a:srgbClr val="D4A0A0"/>
+                      <a:srgbClr val="C1ABAB"/>
                     </a:solidFill>
                   </a:tcPr>
                 </a:tc>
@@ -10881,7 +11807,7 @@
                   </a:txBody>
                   <a:tcPr marL="30047" marR="30047" marT="15024" marB="15024" anchor="ctr">
                     <a:solidFill>
-                      <a:srgbClr val="D4A0A0"/>
+                      <a:srgbClr val="C1ABAB"/>
                     </a:solidFill>
                   </a:tcPr>
                 </a:tc>
@@ -10903,7 +11829,7 @@
                   </a:txBody>
                   <a:tcPr marL="30047" marR="30047" marT="15024" marB="15024" anchor="ctr">
                     <a:solidFill>
-                      <a:srgbClr val="D4A0A0"/>
+                      <a:srgbClr val="C1ABAB"/>
                     </a:solidFill>
                   </a:tcPr>
                 </a:tc>
@@ -10932,7 +11858,7 @@
                   </a:txBody>
                   <a:tcPr marL="30047" marR="30047" marT="15024" marB="15024" anchor="ctr">
                     <a:solidFill>
-                      <a:srgbClr val="D4A0A0"/>
+                      <a:srgbClr val="C1ABAB"/>
                     </a:solidFill>
                   </a:tcPr>
                 </a:tc>
@@ -10954,7 +11880,7 @@
                   </a:txBody>
                   <a:tcPr marL="30047" marR="30047" marT="15024" marB="15024" anchor="ctr">
                     <a:solidFill>
-                      <a:srgbClr val="D4A0A0"/>
+                      <a:srgbClr val="C1ABAB"/>
                     </a:solidFill>
                   </a:tcPr>
                 </a:tc>
@@ -10976,7 +11902,7 @@
                   </a:txBody>
                   <a:tcPr marL="30047" marR="30047" marT="15024" marB="15024" anchor="ctr">
                     <a:solidFill>
-                      <a:srgbClr val="D4A0A0"/>
+                      <a:srgbClr val="C1ABAB"/>
                     </a:solidFill>
                   </a:tcPr>
                 </a:tc>
@@ -10998,7 +11924,7 @@
                   </a:txBody>
                   <a:tcPr marL="30047" marR="30047" marT="15024" marB="15024" anchor="ctr">
                     <a:solidFill>
-                      <a:srgbClr val="D4A0A0"/>
+                      <a:srgbClr val="C1ABAB"/>
                     </a:solidFill>
                   </a:tcPr>
                 </a:tc>
@@ -11020,7 +11946,7 @@
                   </a:txBody>
                   <a:tcPr marL="30047" marR="30047" marT="15024" marB="15024" anchor="ctr">
                     <a:solidFill>
-                      <a:srgbClr val="D4A0A0"/>
+                      <a:srgbClr val="C1ABAB"/>
                     </a:solidFill>
                   </a:tcPr>
                 </a:tc>
@@ -11042,7 +11968,7 @@
                   </a:txBody>
                   <a:tcPr marL="30047" marR="30047" marT="15024" marB="15024" anchor="ctr">
                     <a:solidFill>
-                      <a:srgbClr val="D4A0A0"/>
+                      <a:srgbClr val="C1ABAB"/>
                     </a:solidFill>
                   </a:tcPr>
                 </a:tc>
@@ -11062,7 +11988,7 @@
                         <a:buNone/>
                       </a:pPr>
                       <a:r>
-                        <a:rPr lang="de-DE" sz="900" b="0">
+                        <a:rPr lang="de-DE" sz="900" b="1" dirty="0">
                           <a:effectLst/>
                         </a:rPr>
                         <a:t>2025-08-31</a:t>
@@ -11071,7 +11997,7 @@
                   </a:txBody>
                   <a:tcPr marL="30047" marR="30047" marT="15024" marB="15024" anchor="ctr">
                     <a:solidFill>
-                      <a:srgbClr val="D4A0A0"/>
+                      <a:srgbClr val="C1ABAB"/>
                     </a:solidFill>
                   </a:tcPr>
                 </a:tc>
@@ -11084,7 +12010,7 @@
                         <a:buNone/>
                       </a:pPr>
                       <a:r>
-                        <a:rPr lang="de-DE" sz="900">
+                        <a:rPr lang="de-DE" sz="900" b="1">
                           <a:effectLst/>
                         </a:rPr>
                         <a:t>0.861298</a:t>
@@ -11093,7 +12019,7 @@
                   </a:txBody>
                   <a:tcPr marL="30047" marR="30047" marT="15024" marB="15024" anchor="ctr">
                     <a:solidFill>
-                      <a:srgbClr val="D4A0A0"/>
+                      <a:srgbClr val="C1ABAB"/>
                     </a:solidFill>
                   </a:tcPr>
                 </a:tc>
@@ -11106,7 +12032,7 @@
                         <a:buNone/>
                       </a:pPr>
                       <a:r>
-                        <a:rPr lang="de-DE" sz="900">
+                        <a:rPr lang="de-DE" sz="900" b="1">
                           <a:effectLst/>
                         </a:rPr>
                         <a:t>0.861329</a:t>
@@ -11115,7 +12041,7 @@
                   </a:txBody>
                   <a:tcPr marL="30047" marR="30047" marT="15024" marB="15024" anchor="ctr">
                     <a:solidFill>
-                      <a:srgbClr val="D4A0A0"/>
+                      <a:srgbClr val="C1ABAB"/>
                     </a:solidFill>
                   </a:tcPr>
                 </a:tc>
@@ -11128,7 +12054,7 @@
                         <a:buNone/>
                       </a:pPr>
                       <a:r>
-                        <a:rPr lang="de-DE" sz="900">
+                        <a:rPr lang="de-DE" sz="900" b="1">
                           <a:effectLst/>
                         </a:rPr>
                         <a:t>0.000037</a:t>
@@ -11137,7 +12063,7 @@
                   </a:txBody>
                   <a:tcPr marL="30047" marR="30047" marT="15024" marB="15024" anchor="ctr">
                     <a:solidFill>
-                      <a:srgbClr val="D4A0A0"/>
+                      <a:srgbClr val="C1ABAB"/>
                     </a:solidFill>
                   </a:tcPr>
                 </a:tc>
@@ -11150,7 +12076,7 @@
                         <a:buNone/>
                       </a:pPr>
                       <a:r>
-                        <a:rPr lang="de-DE" sz="900">
+                        <a:rPr lang="de-DE" sz="900" b="1">
                           <a:effectLst/>
                         </a:rPr>
                         <a:t>0.000032</a:t>
@@ -11159,7 +12085,7 @@
                   </a:txBody>
                   <a:tcPr marL="30047" marR="30047" marT="15024" marB="15024" anchor="ctr">
                     <a:solidFill>
-                      <a:srgbClr val="D4A0A0"/>
+                      <a:srgbClr val="C1ABAB"/>
                     </a:solidFill>
                   </a:tcPr>
                 </a:tc>
@@ -11172,7 +12098,7 @@
                         <a:buNone/>
                       </a:pPr>
                       <a:r>
-                        <a:rPr lang="de-DE" sz="900">
+                        <a:rPr lang="de-DE" sz="900" b="1" dirty="0">
                           <a:effectLst/>
                         </a:rPr>
                         <a:t>-0.579789</a:t>
@@ -11181,7 +12107,7 @@
                   </a:txBody>
                   <a:tcPr marL="30047" marR="30047" marT="15024" marB="15024" anchor="ctr">
                     <a:solidFill>
-                      <a:srgbClr val="D4A0A0"/>
+                      <a:srgbClr val="C1ABAB"/>
                     </a:solidFill>
                   </a:tcPr>
                 </a:tc>
@@ -11201,7 +12127,7 @@
                         <a:buNone/>
                       </a:pPr>
                       <a:r>
-                        <a:rPr lang="de-DE" sz="900" b="0">
+                        <a:rPr lang="de-DE" sz="900" b="1">
                           <a:effectLst/>
                         </a:rPr>
                         <a:t>2025-09-30</a:t>
@@ -11210,7 +12136,7 @@
                   </a:txBody>
                   <a:tcPr marL="30047" marR="30047" marT="15024" marB="15024" anchor="ctr">
                     <a:solidFill>
-                      <a:srgbClr val="D4A0A0"/>
+                      <a:srgbClr val="C1ABAB"/>
                     </a:solidFill>
                   </a:tcPr>
                 </a:tc>
@@ -11223,7 +12149,7 @@
                         <a:buNone/>
                       </a:pPr>
                       <a:r>
-                        <a:rPr lang="de-DE" sz="900">
+                        <a:rPr lang="de-DE" sz="900" b="1">
                           <a:effectLst/>
                         </a:rPr>
                         <a:t>0.916343</a:t>
@@ -11232,7 +12158,7 @@
                   </a:txBody>
                   <a:tcPr marL="30047" marR="30047" marT="15024" marB="15024" anchor="ctr">
                     <a:solidFill>
-                      <a:srgbClr val="D4A0A0"/>
+                      <a:srgbClr val="C1ABAB"/>
                     </a:solidFill>
                   </a:tcPr>
                 </a:tc>
@@ -11245,7 +12171,7 @@
                         <a:buNone/>
                       </a:pPr>
                       <a:r>
-                        <a:rPr lang="de-DE" sz="900">
+                        <a:rPr lang="de-DE" sz="900" b="1">
                           <a:effectLst/>
                         </a:rPr>
                         <a:t>0.861329</a:t>
@@ -11254,7 +12180,7 @@
                   </a:txBody>
                   <a:tcPr marL="30047" marR="30047" marT="15024" marB="15024" anchor="ctr">
                     <a:solidFill>
-                      <a:srgbClr val="D4A0A0"/>
+                      <a:srgbClr val="C1ABAB"/>
                     </a:solidFill>
                   </a:tcPr>
                 </a:tc>
@@ -11267,7 +12193,7 @@
                         <a:buNone/>
                       </a:pPr>
                       <a:r>
-                        <a:rPr lang="de-DE" sz="900">
+                        <a:rPr lang="de-DE" sz="900" b="1">
                           <a:effectLst/>
                         </a:rPr>
                         <a:t>0.030037</a:t>
@@ -11276,7 +12202,7 @@
                   </a:txBody>
                   <a:tcPr marL="30047" marR="30047" marT="15024" marB="15024" anchor="ctr">
                     <a:solidFill>
-                      <a:srgbClr val="D4A0A0"/>
+                      <a:srgbClr val="C1ABAB"/>
                     </a:solidFill>
                   </a:tcPr>
                 </a:tc>
@@ -11289,7 +12215,7 @@
                         <a:buNone/>
                       </a:pPr>
                       <a:r>
-                        <a:rPr lang="de-DE" sz="900">
+                        <a:rPr lang="de-DE" sz="900" b="1">
                           <a:effectLst/>
                         </a:rPr>
                         <a:t>0.027523</a:t>
@@ -11298,7 +12224,7 @@
                   </a:txBody>
                   <a:tcPr marL="30047" marR="30047" marT="15024" marB="15024" anchor="ctr">
                     <a:solidFill>
-                      <a:srgbClr val="D4A0A0"/>
+                      <a:srgbClr val="C1ABAB"/>
                     </a:solidFill>
                   </a:tcPr>
                 </a:tc>
@@ -11311,7 +12237,7 @@
                         <a:buNone/>
                       </a:pPr>
                       <a:r>
-                        <a:rPr lang="de-DE" sz="900">
+                        <a:rPr lang="de-DE" sz="900" b="1" dirty="0">
                           <a:effectLst/>
                         </a:rPr>
                         <a:t>-0.579789</a:t>
@@ -11320,7 +12246,7 @@
                   </a:txBody>
                   <a:tcPr marL="30047" marR="30047" marT="15024" marB="15024" anchor="ctr">
                     <a:solidFill>
-                      <a:srgbClr val="D4A0A0"/>
+                      <a:srgbClr val="C1ABAB"/>
                     </a:solidFill>
                   </a:tcPr>
                 </a:tc>
@@ -11340,7 +12266,7 @@
                         <a:buNone/>
                       </a:pPr>
                       <a:r>
-                        <a:rPr lang="de-DE" sz="900" b="0">
+                        <a:rPr lang="de-DE" sz="900" b="1">
                           <a:effectLst/>
                         </a:rPr>
                         <a:t>2025-10-31</a:t>
@@ -11349,7 +12275,7 @@
                   </a:txBody>
                   <a:tcPr marL="30047" marR="30047" marT="15024" marB="15024" anchor="ctr">
                     <a:solidFill>
-                      <a:srgbClr val="D4A0A0"/>
+                      <a:srgbClr val="C1ABAB"/>
                     </a:solidFill>
                   </a:tcPr>
                 </a:tc>
@@ -11362,7 +12288,7 @@
                         <a:buNone/>
                       </a:pPr>
                       <a:r>
-                        <a:rPr lang="de-DE" sz="900">
+                        <a:rPr lang="de-DE" sz="900" b="1">
                           <a:effectLst/>
                         </a:rPr>
                         <a:t>-4.733622</a:t>
@@ -11371,7 +12297,7 @@
                   </a:txBody>
                   <a:tcPr marL="30047" marR="30047" marT="15024" marB="15024" anchor="ctr">
                     <a:solidFill>
-                      <a:srgbClr val="D4A0A0"/>
+                      <a:srgbClr val="C1ABAB"/>
                     </a:solidFill>
                   </a:tcPr>
                 </a:tc>
@@ -11384,7 +12310,7 @@
                         <a:buNone/>
                       </a:pPr>
                       <a:r>
-                        <a:rPr lang="de-DE" sz="900">
+                        <a:rPr lang="de-DE" sz="900" b="1">
                           <a:effectLst/>
                         </a:rPr>
                         <a:t>1.602157</a:t>
@@ -11393,7 +12319,7 @@
                   </a:txBody>
                   <a:tcPr marL="30047" marR="30047" marT="15024" marB="15024" anchor="ctr">
                     <a:solidFill>
-                      <a:srgbClr val="D4A0A0"/>
+                      <a:srgbClr val="C1ABAB"/>
                     </a:solidFill>
                   </a:tcPr>
                 </a:tc>
@@ -11406,7 +12332,7 @@
                         <a:buNone/>
                       </a:pPr>
                       <a:r>
-                        <a:rPr lang="de-DE" sz="900">
+                        <a:rPr lang="de-DE" sz="900" b="1">
                           <a:effectLst/>
                         </a:rPr>
                         <a:t>0.466179</a:t>
@@ -11415,7 +12341,7 @@
                   </a:txBody>
                   <a:tcPr marL="30047" marR="30047" marT="15024" marB="15024" anchor="ctr">
                     <a:solidFill>
-                      <a:srgbClr val="D4A0A0"/>
+                      <a:srgbClr val="C1ABAB"/>
                     </a:solidFill>
                   </a:tcPr>
                 </a:tc>
@@ -11428,7 +12354,7 @@
                         <a:buNone/>
                       </a:pPr>
                       <a:r>
-                        <a:rPr lang="de-DE" sz="900">
+                        <a:rPr lang="de-DE" sz="900" b="1">
                           <a:effectLst/>
                         </a:rPr>
                         <a:t>2.130275</a:t>
@@ -11437,7 +12363,7 @@
                   </a:txBody>
                   <a:tcPr marL="30047" marR="30047" marT="15024" marB="15024" anchor="ctr">
                     <a:solidFill>
-                      <a:srgbClr val="D4A0A0"/>
+                      <a:srgbClr val="C1ABAB"/>
                     </a:solidFill>
                   </a:tcPr>
                 </a:tc>
@@ -11450,7 +12376,7 @@
                         <a:buNone/>
                       </a:pPr>
                       <a:r>
-                        <a:rPr lang="de-DE" sz="900">
+                        <a:rPr lang="de-DE" sz="900" b="1" dirty="0">
                           <a:effectLst/>
                         </a:rPr>
                         <a:t>-0.579789</a:t>
@@ -11459,7 +12385,7 @@
                   </a:txBody>
                   <a:tcPr marL="30047" marR="30047" marT="15024" marB="15024" anchor="ctr">
                     <a:solidFill>
-                      <a:srgbClr val="D4A0A0"/>
+                      <a:srgbClr val="C1ABAB"/>
                     </a:solidFill>
                   </a:tcPr>
                 </a:tc>
@@ -11479,7 +12405,7 @@
                         <a:buNone/>
                       </a:pPr>
                       <a:r>
-                        <a:rPr lang="de-DE" sz="900" b="0">
+                        <a:rPr lang="de-DE" sz="900" b="1" dirty="0">
                           <a:effectLst/>
                         </a:rPr>
                         <a:t>2025-11-30</a:t>
@@ -11488,7 +12414,7 @@
                   </a:txBody>
                   <a:tcPr marL="30047" marR="30047" marT="15024" marB="15024" anchor="ctr">
                     <a:solidFill>
-                      <a:srgbClr val="D4A0A0"/>
+                      <a:srgbClr val="C1ABAB"/>
                     </a:solidFill>
                   </a:tcPr>
                 </a:tc>
@@ -11501,7 +12427,7 @@
                         <a:buNone/>
                       </a:pPr>
                       <a:r>
-                        <a:rPr lang="de-DE" sz="900">
+                        <a:rPr lang="de-DE" sz="900" b="1">
                           <a:effectLst/>
                         </a:rPr>
                         <a:t>1.427131</a:t>
@@ -11510,7 +12436,7 @@
                   </a:txBody>
                   <a:tcPr marL="30047" marR="30047" marT="15024" marB="15024" anchor="ctr">
                     <a:solidFill>
-                      <a:srgbClr val="D4A0A0"/>
+                      <a:srgbClr val="C1ABAB"/>
                     </a:solidFill>
                   </a:tcPr>
                 </a:tc>
@@ -11523,7 +12449,7 @@
                         <a:buNone/>
                       </a:pPr>
                       <a:r>
-                        <a:rPr lang="de-DE" sz="900">
+                        <a:rPr lang="de-DE" sz="900" b="1">
                           <a:effectLst/>
                         </a:rPr>
                         <a:t>1.642504</a:t>
@@ -11532,7 +12458,7 @@
                   </a:txBody>
                   <a:tcPr marL="30047" marR="30047" marT="15024" marB="15024" anchor="ctr">
                     <a:solidFill>
-                      <a:srgbClr val="D4A0A0"/>
+                      <a:srgbClr val="C1ABAB"/>
                     </a:solidFill>
                   </a:tcPr>
                 </a:tc>
@@ -11545,7 +12471,7 @@
                         <a:buNone/>
                       </a:pPr>
                       <a:r>
-                        <a:rPr lang="de-DE" sz="900">
+                        <a:rPr lang="de-DE" sz="900" b="1">
                           <a:effectLst/>
                         </a:rPr>
                         <a:t>0.387362</a:t>
@@ -11554,7 +12480,7 @@
                   </a:txBody>
                   <a:tcPr marL="30047" marR="30047" marT="15024" marB="15024" anchor="ctr">
                     <a:solidFill>
-                      <a:srgbClr val="D4A0A0"/>
+                      <a:srgbClr val="C1ABAB"/>
                     </a:solidFill>
                   </a:tcPr>
                 </a:tc>
@@ -11567,7 +12493,7 @@
                         <a:buNone/>
                       </a:pPr>
                       <a:r>
-                        <a:rPr lang="de-DE" sz="900">
+                        <a:rPr lang="de-DE" sz="900" b="1">
                           <a:effectLst/>
                         </a:rPr>
                         <a:t>1.651549</a:t>
@@ -11576,7 +12502,7 @@
                   </a:txBody>
                   <a:tcPr marL="30047" marR="30047" marT="15024" marB="15024" anchor="ctr">
                     <a:solidFill>
-                      <a:srgbClr val="D4A0A0"/>
+                      <a:srgbClr val="C1ABAB"/>
                     </a:solidFill>
                   </a:tcPr>
                 </a:tc>
@@ -11589,7 +12515,7 @@
                         <a:buNone/>
                       </a:pPr>
                       <a:r>
-                        <a:rPr lang="de-DE" sz="900" dirty="0">
+                        <a:rPr lang="de-DE" sz="900" b="1" dirty="0">
                           <a:effectLst/>
                         </a:rPr>
                         <a:t>-0.579789</a:t>
@@ -11598,7 +12524,7 @@
                   </a:txBody>
                   <a:tcPr marL="30047" marR="30047" marT="15024" marB="15024" anchor="ctr">
                     <a:solidFill>
-                      <a:srgbClr val="D4A0A0"/>
+                      <a:srgbClr val="C1ABAB"/>
                     </a:solidFill>
                   </a:tcPr>
                 </a:tc>
@@ -11628,7 +12554,7 @@
             <p:ph sz="half" idx="2"/>
             <p:extLst>
               <p:ext uri="{D42A27DB-BD31-4B8C-83A1-F6EECF244321}">
-                <p14:modId xmlns:p14="http://schemas.microsoft.com/office/powerpoint/2010/main" val="33673291"/>
+                <p14:modId xmlns:p14="http://schemas.microsoft.com/office/powerpoint/2010/main" val="548216394"/>
               </p:ext>
             </p:extLst>
           </p:nvPr>
@@ -11703,7 +12629,7 @@
                   </a:txBody>
                   <a:tcPr marL="29900" marR="29900" marT="14950" marB="14950" anchor="ctr">
                     <a:solidFill>
-                      <a:srgbClr val="D4A0A0"/>
+                      <a:srgbClr val="C1ABAB"/>
                     </a:solidFill>
                   </a:tcPr>
                 </a:tc>
@@ -11730,7 +12656,7 @@
                   </a:txBody>
                   <a:tcPr marL="29900" marR="29900" marT="14950" marB="14950" anchor="ctr">
                     <a:solidFill>
-                      <a:srgbClr val="D4A0A0"/>
+                      <a:srgbClr val="C1ABAB"/>
                     </a:solidFill>
                   </a:tcPr>
                 </a:tc>
@@ -11755,7 +12681,7 @@
                   </a:txBody>
                   <a:tcPr marL="29900" marR="29900" marT="14950" marB="14950" anchor="ctr">
                     <a:solidFill>
-                      <a:srgbClr val="D4A0A0"/>
+                      <a:srgbClr val="C1ABAB"/>
                     </a:solidFill>
                   </a:tcPr>
                 </a:tc>
@@ -11777,7 +12703,7 @@
                   </a:txBody>
                   <a:tcPr marL="29900" marR="29900" marT="14950" marB="14950" anchor="ctr">
                     <a:solidFill>
-                      <a:srgbClr val="D4A0A0"/>
+                      <a:srgbClr val="C1ABAB"/>
                     </a:solidFill>
                   </a:tcPr>
                 </a:tc>
@@ -11799,7 +12725,7 @@
                   </a:txBody>
                   <a:tcPr marL="29900" marR="29900" marT="14950" marB="14950" anchor="ctr">
                     <a:solidFill>
-                      <a:srgbClr val="D4A0A0"/>
+                      <a:srgbClr val="C1ABAB"/>
                     </a:solidFill>
                   </a:tcPr>
                 </a:tc>
@@ -11821,7 +12747,7 @@
                   </a:txBody>
                   <a:tcPr marL="29900" marR="29900" marT="14950" marB="14950" anchor="ctr">
                     <a:solidFill>
-                      <a:srgbClr val="D4A0A0"/>
+                      <a:srgbClr val="C1ABAB"/>
                     </a:solidFill>
                   </a:tcPr>
                 </a:tc>
@@ -11850,7 +12776,7 @@
                   </a:txBody>
                   <a:tcPr marL="29900" marR="29900" marT="14950" marB="14950" anchor="ctr">
                     <a:solidFill>
-                      <a:srgbClr val="D4A0A0"/>
+                      <a:srgbClr val="C1ABAB"/>
                     </a:solidFill>
                   </a:tcPr>
                 </a:tc>
@@ -11869,7 +12795,7 @@
                   </a:txBody>
                   <a:tcPr marL="29900" marR="29900" marT="14950" marB="14950" anchor="ctr">
                     <a:solidFill>
-                      <a:srgbClr val="D4A0A0"/>
+                      <a:srgbClr val="C1ABAB"/>
                     </a:solidFill>
                   </a:tcPr>
                 </a:tc>
@@ -11888,7 +12814,7 @@
                   </a:txBody>
                   <a:tcPr marL="29900" marR="29900" marT="14950" marB="14950" anchor="ctr">
                     <a:solidFill>
-                      <a:srgbClr val="D4A0A0"/>
+                      <a:srgbClr val="C1ABAB"/>
                     </a:solidFill>
                   </a:tcPr>
                 </a:tc>
@@ -11907,7 +12833,7 @@
                   </a:txBody>
                   <a:tcPr marL="29900" marR="29900" marT="14950" marB="14950" anchor="ctr">
                     <a:solidFill>
-                      <a:srgbClr val="D4A0A0"/>
+                      <a:srgbClr val="C1ABAB"/>
                     </a:solidFill>
                   </a:tcPr>
                 </a:tc>
@@ -11926,7 +12852,7 @@
                   </a:txBody>
                   <a:tcPr marL="29900" marR="29900" marT="14950" marB="14950" anchor="ctr">
                     <a:solidFill>
-                      <a:srgbClr val="D4A0A0"/>
+                      <a:srgbClr val="C1ABAB"/>
                     </a:solidFill>
                   </a:tcPr>
                 </a:tc>
@@ -11945,7 +12871,7 @@
                   </a:txBody>
                   <a:tcPr marL="29900" marR="29900" marT="14950" marB="14950" anchor="ctr">
                     <a:solidFill>
-                      <a:srgbClr val="D4A0A0"/>
+                      <a:srgbClr val="C1ABAB"/>
                     </a:solidFill>
                   </a:tcPr>
                 </a:tc>
@@ -11974,7 +12900,7 @@
                   </a:txBody>
                   <a:tcPr marL="29900" marR="29900" marT="14950" marB="14950" anchor="ctr">
                     <a:solidFill>
-                      <a:srgbClr val="D4A0A0"/>
+                      <a:srgbClr val="C1ABAB"/>
                     </a:solidFill>
                   </a:tcPr>
                 </a:tc>
@@ -11996,7 +12922,7 @@
                   </a:txBody>
                   <a:tcPr marL="29900" marR="29900" marT="14950" marB="14950" anchor="ctr">
                     <a:solidFill>
-                      <a:srgbClr val="D4A0A0"/>
+                      <a:srgbClr val="C1ABAB"/>
                     </a:solidFill>
                   </a:tcPr>
                 </a:tc>
@@ -12018,7 +12944,7 @@
                   </a:txBody>
                   <a:tcPr marL="29900" marR="29900" marT="14950" marB="14950" anchor="ctr">
                     <a:solidFill>
-                      <a:srgbClr val="D4A0A0"/>
+                      <a:srgbClr val="C1ABAB"/>
                     </a:solidFill>
                   </a:tcPr>
                 </a:tc>
@@ -12040,7 +12966,7 @@
                   </a:txBody>
                   <a:tcPr marL="29900" marR="29900" marT="14950" marB="14950" anchor="ctr">
                     <a:solidFill>
-                      <a:srgbClr val="D4A0A0"/>
+                      <a:srgbClr val="C1ABAB"/>
                     </a:solidFill>
                   </a:tcPr>
                 </a:tc>
@@ -12062,7 +12988,7 @@
                   </a:txBody>
                   <a:tcPr marL="29900" marR="29900" marT="14950" marB="14950" anchor="ctr">
                     <a:solidFill>
-                      <a:srgbClr val="D4A0A0"/>
+                      <a:srgbClr val="C1ABAB"/>
                     </a:solidFill>
                   </a:tcPr>
                 </a:tc>
@@ -12084,7 +13010,7 @@
                   </a:txBody>
                   <a:tcPr marL="29900" marR="29900" marT="14950" marB="14950" anchor="ctr">
                     <a:solidFill>
-                      <a:srgbClr val="D4A0A0"/>
+                      <a:srgbClr val="C1ABAB"/>
                     </a:solidFill>
                   </a:tcPr>
                 </a:tc>
@@ -12113,7 +13039,7 @@
                   </a:txBody>
                   <a:tcPr marL="29900" marR="29900" marT="14950" marB="14950" anchor="ctr">
                     <a:solidFill>
-                      <a:srgbClr val="D4A0A0"/>
+                      <a:srgbClr val="C1ABAB"/>
                     </a:solidFill>
                   </a:tcPr>
                 </a:tc>
@@ -12135,7 +13061,7 @@
                   </a:txBody>
                   <a:tcPr marL="29900" marR="29900" marT="14950" marB="14950" anchor="ctr">
                     <a:solidFill>
-                      <a:srgbClr val="D4A0A0"/>
+                      <a:srgbClr val="C1ABAB"/>
                     </a:solidFill>
                   </a:tcPr>
                 </a:tc>
@@ -12157,7 +13083,7 @@
                   </a:txBody>
                   <a:tcPr marL="29900" marR="29900" marT="14950" marB="14950" anchor="ctr">
                     <a:solidFill>
-                      <a:srgbClr val="D4A0A0"/>
+                      <a:srgbClr val="C1ABAB"/>
                     </a:solidFill>
                   </a:tcPr>
                 </a:tc>
@@ -12179,7 +13105,7 @@
                   </a:txBody>
                   <a:tcPr marL="29900" marR="29900" marT="14950" marB="14950" anchor="ctr">
                     <a:solidFill>
-                      <a:srgbClr val="D4A0A0"/>
+                      <a:srgbClr val="C1ABAB"/>
                     </a:solidFill>
                   </a:tcPr>
                 </a:tc>
@@ -12201,7 +13127,7 @@
                   </a:txBody>
                   <a:tcPr marL="29900" marR="29900" marT="14950" marB="14950" anchor="ctr">
                     <a:solidFill>
-                      <a:srgbClr val="D4A0A0"/>
+                      <a:srgbClr val="C1ABAB"/>
                     </a:solidFill>
                   </a:tcPr>
                 </a:tc>
@@ -12223,7 +13149,7 @@
                   </a:txBody>
                   <a:tcPr marL="29900" marR="29900" marT="14950" marB="14950" anchor="ctr">
                     <a:solidFill>
-                      <a:srgbClr val="D4A0A0"/>
+                      <a:srgbClr val="C1ABAB"/>
                     </a:solidFill>
                   </a:tcPr>
                 </a:tc>
@@ -12252,7 +13178,7 @@
                   </a:txBody>
                   <a:tcPr marL="29900" marR="29900" marT="14950" marB="14950" anchor="ctr">
                     <a:solidFill>
-                      <a:srgbClr val="D4A0A0"/>
+                      <a:srgbClr val="C1ABAB"/>
                     </a:solidFill>
                   </a:tcPr>
                 </a:tc>
@@ -12274,7 +13200,7 @@
                   </a:txBody>
                   <a:tcPr marL="29900" marR="29900" marT="14950" marB="14950" anchor="ctr">
                     <a:solidFill>
-                      <a:srgbClr val="D4A0A0"/>
+                      <a:srgbClr val="C1ABAB"/>
                     </a:solidFill>
                   </a:tcPr>
                 </a:tc>
@@ -12296,7 +13222,7 @@
                   </a:txBody>
                   <a:tcPr marL="29900" marR="29900" marT="14950" marB="14950" anchor="ctr">
                     <a:solidFill>
-                      <a:srgbClr val="D4A0A0"/>
+                      <a:srgbClr val="C1ABAB"/>
                     </a:solidFill>
                   </a:tcPr>
                 </a:tc>
@@ -12318,7 +13244,7 @@
                   </a:txBody>
                   <a:tcPr marL="29900" marR="29900" marT="14950" marB="14950" anchor="ctr">
                     <a:solidFill>
-                      <a:srgbClr val="D4A0A0"/>
+                      <a:srgbClr val="C1ABAB"/>
                     </a:solidFill>
                   </a:tcPr>
                 </a:tc>
@@ -12340,7 +13266,7 @@
                   </a:txBody>
                   <a:tcPr marL="29900" marR="29900" marT="14950" marB="14950" anchor="ctr">
                     <a:solidFill>
-                      <a:srgbClr val="D4A0A0"/>
+                      <a:srgbClr val="C1ABAB"/>
                     </a:solidFill>
                   </a:tcPr>
                 </a:tc>
@@ -12362,7 +13288,7 @@
                   </a:txBody>
                   <a:tcPr marL="29900" marR="29900" marT="14950" marB="14950" anchor="ctr">
                     <a:solidFill>
-                      <a:srgbClr val="D4A0A0"/>
+                      <a:srgbClr val="C1ABAB"/>
                     </a:solidFill>
                   </a:tcPr>
                 </a:tc>
@@ -12391,7 +13317,7 @@
                   </a:txBody>
                   <a:tcPr marL="29900" marR="29900" marT="14950" marB="14950" anchor="ctr">
                     <a:solidFill>
-                      <a:srgbClr val="D4A0A0"/>
+                      <a:srgbClr val="C1ABAB"/>
                     </a:solidFill>
                   </a:tcPr>
                 </a:tc>
@@ -12413,7 +13339,7 @@
                   </a:txBody>
                   <a:tcPr marL="29900" marR="29900" marT="14950" marB="14950" anchor="ctr">
                     <a:solidFill>
-                      <a:srgbClr val="D4A0A0"/>
+                      <a:srgbClr val="C1ABAB"/>
                     </a:solidFill>
                   </a:tcPr>
                 </a:tc>
@@ -12435,7 +13361,7 @@
                   </a:txBody>
                   <a:tcPr marL="29900" marR="29900" marT="14950" marB="14950" anchor="ctr">
                     <a:solidFill>
-                      <a:srgbClr val="D4A0A0"/>
+                      <a:srgbClr val="C1ABAB"/>
                     </a:solidFill>
                   </a:tcPr>
                 </a:tc>
@@ -12448,16 +13374,38 @@
                         <a:buNone/>
                       </a:pPr>
                       <a:r>
+                        <a:rPr lang="de-DE" sz="900" dirty="0">
+                          <a:effectLst/>
+                        </a:rPr>
+                        <a:t>8.439234</a:t>
+                      </a:r>
+                    </a:p>
+                  </a:txBody>
+                  <a:tcPr marL="29900" marR="29900" marT="14950" marB="14950" anchor="ctr">
+                    <a:solidFill>
+                      <a:srgbClr val="C1ABAB"/>
+                    </a:solidFill>
+                  </a:tcPr>
+                </a:tc>
+                <a:tc>
+                  <a:txBody>
+                    <a:bodyPr/>
+                    <a:lstStyle/>
+                    <a:p>
+                      <a:pPr>
+                        <a:buNone/>
+                      </a:pPr>
+                      <a:r>
                         <a:rPr lang="de-DE" sz="900">
                           <a:effectLst/>
                         </a:rPr>
-                        <a:t>8.439234</a:t>
+                        <a:t>1.122612</a:t>
                       </a:r>
                     </a:p>
                   </a:txBody>
                   <a:tcPr marL="29900" marR="29900" marT="14950" marB="14950" anchor="ctr">
                     <a:solidFill>
-                      <a:srgbClr val="D4A0A0"/>
+                      <a:srgbClr val="C1ABAB"/>
                     </a:solidFill>
                   </a:tcPr>
                 </a:tc>
@@ -12473,35 +13421,13 @@
                         <a:rPr lang="de-DE" sz="900">
                           <a:effectLst/>
                         </a:rPr>
-                        <a:t>1.122612</a:t>
+                        <a:t>-70.864797</a:t>
                       </a:r>
                     </a:p>
                   </a:txBody>
                   <a:tcPr marL="29900" marR="29900" marT="14950" marB="14950" anchor="ctr">
                     <a:solidFill>
-                      <a:srgbClr val="D4A0A0"/>
-                    </a:solidFill>
-                  </a:tcPr>
-                </a:tc>
-                <a:tc>
-                  <a:txBody>
-                    <a:bodyPr/>
-                    <a:lstStyle/>
-                    <a:p>
-                      <a:pPr>
-                        <a:buNone/>
-                      </a:pPr>
-                      <a:r>
-                        <a:rPr lang="de-DE" sz="900">
-                          <a:effectLst/>
-                        </a:rPr>
-                        <a:t>-70.864797</a:t>
-                      </a:r>
-                    </a:p>
-                  </a:txBody>
-                  <a:tcPr marL="29900" marR="29900" marT="14950" marB="14950" anchor="ctr">
-                    <a:solidFill>
-                      <a:srgbClr val="D4A0A0"/>
+                      <a:srgbClr val="C1ABAB"/>
                     </a:solidFill>
                   </a:tcPr>
                 </a:tc>
@@ -12530,7 +13456,7 @@
                   </a:txBody>
                   <a:tcPr marL="29900" marR="29900" marT="14950" marB="14950" anchor="ctr">
                     <a:solidFill>
-                      <a:srgbClr val="D4A0A0"/>
+                      <a:srgbClr val="C1ABAB"/>
                     </a:solidFill>
                   </a:tcPr>
                 </a:tc>
@@ -12552,7 +13478,7 @@
                   </a:txBody>
                   <a:tcPr marL="29900" marR="29900" marT="14950" marB="14950" anchor="ctr">
                     <a:solidFill>
-                      <a:srgbClr val="D4A0A0"/>
+                      <a:srgbClr val="C1ABAB"/>
                     </a:solidFill>
                   </a:tcPr>
                 </a:tc>
@@ -12574,7 +13500,7 @@
                   </a:txBody>
                   <a:tcPr marL="29900" marR="29900" marT="14950" marB="14950" anchor="ctr">
                     <a:solidFill>
-                      <a:srgbClr val="D4A0A0"/>
+                      <a:srgbClr val="C1ABAB"/>
                     </a:solidFill>
                   </a:tcPr>
                 </a:tc>
@@ -12596,7 +13522,7 @@
                   </a:txBody>
                   <a:tcPr marL="29900" marR="29900" marT="14950" marB="14950" anchor="ctr">
                     <a:solidFill>
-                      <a:srgbClr val="D4A0A0"/>
+                      <a:srgbClr val="C1ABAB"/>
                     </a:solidFill>
                   </a:tcPr>
                 </a:tc>
@@ -12618,7 +13544,7 @@
                   </a:txBody>
                   <a:tcPr marL="29900" marR="29900" marT="14950" marB="14950" anchor="ctr">
                     <a:solidFill>
-                      <a:srgbClr val="D4A0A0"/>
+                      <a:srgbClr val="C1ABAB"/>
                     </a:solidFill>
                   </a:tcPr>
                 </a:tc>
@@ -12640,7 +13566,7 @@
                   </a:txBody>
                   <a:tcPr marL="29900" marR="29900" marT="14950" marB="14950" anchor="ctr">
                     <a:solidFill>
-                      <a:srgbClr val="D4A0A0"/>
+                      <a:srgbClr val="C1ABAB"/>
                     </a:solidFill>
                   </a:tcPr>
                 </a:tc>
@@ -12669,7 +13595,7 @@
                   </a:txBody>
                   <a:tcPr marL="29900" marR="29900" marT="14950" marB="14950" anchor="ctr">
                     <a:solidFill>
-                      <a:srgbClr val="D4A0A0"/>
+                      <a:srgbClr val="C1ABAB"/>
                     </a:solidFill>
                   </a:tcPr>
                 </a:tc>
@@ -12691,7 +13617,7 @@
                   </a:txBody>
                   <a:tcPr marL="29900" marR="29900" marT="14950" marB="14950" anchor="ctr">
                     <a:solidFill>
-                      <a:srgbClr val="D4A0A0"/>
+                      <a:srgbClr val="C1ABAB"/>
                     </a:solidFill>
                   </a:tcPr>
                 </a:tc>
@@ -12713,7 +13639,7 @@
                   </a:txBody>
                   <a:tcPr marL="29900" marR="29900" marT="14950" marB="14950" anchor="ctr">
                     <a:solidFill>
-                      <a:srgbClr val="D4A0A0"/>
+                      <a:srgbClr val="C1ABAB"/>
                     </a:solidFill>
                   </a:tcPr>
                 </a:tc>
@@ -12735,7 +13661,7 @@
                   </a:txBody>
                   <a:tcPr marL="29900" marR="29900" marT="14950" marB="14950" anchor="ctr">
                     <a:solidFill>
-                      <a:srgbClr val="D4A0A0"/>
+                      <a:srgbClr val="C1ABAB"/>
                     </a:solidFill>
                   </a:tcPr>
                 </a:tc>
@@ -12757,7 +13683,7 @@
                   </a:txBody>
                   <a:tcPr marL="29900" marR="29900" marT="14950" marB="14950" anchor="ctr">
                     <a:solidFill>
-                      <a:srgbClr val="D4A0A0"/>
+                      <a:srgbClr val="C1ABAB"/>
                     </a:solidFill>
                   </a:tcPr>
                 </a:tc>
@@ -12779,7 +13705,7 @@
                   </a:txBody>
                   <a:tcPr marL="29900" marR="29900" marT="14950" marB="14950" anchor="ctr">
                     <a:solidFill>
-                      <a:srgbClr val="D4A0A0"/>
+                      <a:srgbClr val="C1ABAB"/>
                     </a:solidFill>
                   </a:tcPr>
                 </a:tc>
@@ -12808,7 +13734,7 @@
                   </a:txBody>
                   <a:tcPr marL="29900" marR="29900" marT="14950" marB="14950" anchor="ctr">
                     <a:solidFill>
-                      <a:srgbClr val="D4A0A0"/>
+                      <a:srgbClr val="C1ABAB"/>
                     </a:solidFill>
                   </a:tcPr>
                 </a:tc>
@@ -12830,7 +13756,7 @@
                   </a:txBody>
                   <a:tcPr marL="29900" marR="29900" marT="14950" marB="14950" anchor="ctr">
                     <a:solidFill>
-                      <a:srgbClr val="D4A0A0"/>
+                      <a:srgbClr val="C1ABAB"/>
                     </a:solidFill>
                   </a:tcPr>
                 </a:tc>
@@ -12852,7 +13778,7 @@
                   </a:txBody>
                   <a:tcPr marL="29900" marR="29900" marT="14950" marB="14950" anchor="ctr">
                     <a:solidFill>
-                      <a:srgbClr val="D4A0A0"/>
+                      <a:srgbClr val="C1ABAB"/>
                     </a:solidFill>
                   </a:tcPr>
                 </a:tc>
@@ -12874,7 +13800,7 @@
                   </a:txBody>
                   <a:tcPr marL="29900" marR="29900" marT="14950" marB="14950" anchor="ctr">
                     <a:solidFill>
-                      <a:srgbClr val="D4A0A0"/>
+                      <a:srgbClr val="C1ABAB"/>
                     </a:solidFill>
                   </a:tcPr>
                 </a:tc>
@@ -12896,7 +13822,7 @@
                   </a:txBody>
                   <a:tcPr marL="29900" marR="29900" marT="14950" marB="14950" anchor="ctr">
                     <a:solidFill>
-                      <a:srgbClr val="D4A0A0"/>
+                      <a:srgbClr val="C1ABAB"/>
                     </a:solidFill>
                   </a:tcPr>
                 </a:tc>
@@ -12918,7 +13844,7 @@
                   </a:txBody>
                   <a:tcPr marL="29900" marR="29900" marT="14950" marB="14950" anchor="ctr">
                     <a:solidFill>
-                      <a:srgbClr val="D4A0A0"/>
+                      <a:srgbClr val="C1ABAB"/>
                     </a:solidFill>
                   </a:tcPr>
                 </a:tc>
@@ -12947,7 +13873,7 @@
                   </a:txBody>
                   <a:tcPr marL="29900" marR="29900" marT="14950" marB="14950" anchor="ctr">
                     <a:solidFill>
-                      <a:srgbClr val="D4A0A0"/>
+                      <a:srgbClr val="C1ABAB"/>
                     </a:solidFill>
                   </a:tcPr>
                 </a:tc>
@@ -12969,7 +13895,7 @@
                   </a:txBody>
                   <a:tcPr marL="29900" marR="29900" marT="14950" marB="14950" anchor="ctr">
                     <a:solidFill>
-                      <a:srgbClr val="D4A0A0"/>
+                      <a:srgbClr val="C1ABAB"/>
                     </a:solidFill>
                   </a:tcPr>
                 </a:tc>
@@ -12991,7 +13917,7 @@
                   </a:txBody>
                   <a:tcPr marL="29900" marR="29900" marT="14950" marB="14950" anchor="ctr">
                     <a:solidFill>
-                      <a:srgbClr val="D4A0A0"/>
+                      <a:srgbClr val="C1ABAB"/>
                     </a:solidFill>
                   </a:tcPr>
                 </a:tc>
@@ -13013,7 +13939,7 @@
                   </a:txBody>
                   <a:tcPr marL="29900" marR="29900" marT="14950" marB="14950" anchor="ctr">
                     <a:solidFill>
-                      <a:srgbClr val="D4A0A0"/>
+                      <a:srgbClr val="C1ABAB"/>
                     </a:solidFill>
                   </a:tcPr>
                 </a:tc>
@@ -13035,7 +13961,7 @@
                   </a:txBody>
                   <a:tcPr marL="29900" marR="29900" marT="14950" marB="14950" anchor="ctr">
                     <a:solidFill>
-                      <a:srgbClr val="D4A0A0"/>
+                      <a:srgbClr val="C1ABAB"/>
                     </a:solidFill>
                   </a:tcPr>
                 </a:tc>
@@ -13057,7 +13983,7 @@
                   </a:txBody>
                   <a:tcPr marL="29900" marR="29900" marT="14950" marB="14950" anchor="ctr">
                     <a:solidFill>
-                      <a:srgbClr val="D4A0A0"/>
+                      <a:srgbClr val="C1ABAB"/>
                     </a:solidFill>
                   </a:tcPr>
                 </a:tc>
@@ -13077,7 +14003,7 @@
                         <a:buNone/>
                       </a:pPr>
                       <a:r>
-                        <a:rPr lang="de-DE" sz="900" b="0">
+                        <a:rPr lang="de-DE" sz="900" b="1" dirty="0">
                           <a:effectLst/>
                         </a:rPr>
                         <a:t>2025-08-31</a:t>
@@ -13086,7 +14012,7 @@
                   </a:txBody>
                   <a:tcPr marL="29900" marR="29900" marT="14950" marB="14950" anchor="ctr">
                     <a:solidFill>
-                      <a:srgbClr val="D4A0A0"/>
+                      <a:srgbClr val="C1ABAB"/>
                     </a:solidFill>
                   </a:tcPr>
                 </a:tc>
@@ -13099,7 +14025,7 @@
                         <a:buNone/>
                       </a:pPr>
                       <a:r>
-                        <a:rPr lang="de-DE" sz="900">
+                        <a:rPr lang="de-DE" sz="900" b="1">
                           <a:effectLst/>
                         </a:rPr>
                         <a:t>0.861298</a:t>
@@ -13108,7 +14034,7 @@
                   </a:txBody>
                   <a:tcPr marL="29900" marR="29900" marT="14950" marB="14950" anchor="ctr">
                     <a:solidFill>
-                      <a:srgbClr val="D4A0A0"/>
+                      <a:srgbClr val="C1ABAB"/>
                     </a:solidFill>
                   </a:tcPr>
                 </a:tc>
@@ -13121,7 +14047,7 @@
                         <a:buNone/>
                       </a:pPr>
                       <a:r>
-                        <a:rPr lang="de-DE" sz="900">
+                        <a:rPr lang="de-DE" sz="900" b="1">
                           <a:effectLst/>
                         </a:rPr>
                         <a:t>-1.560896</a:t>
@@ -13130,7 +14056,7 @@
                   </a:txBody>
                   <a:tcPr marL="29900" marR="29900" marT="14950" marB="14950" anchor="ctr">
                     <a:solidFill>
-                      <a:srgbClr val="D4A0A0"/>
+                      <a:srgbClr val="C1ABAB"/>
                     </a:solidFill>
                   </a:tcPr>
                 </a:tc>
@@ -13143,7 +14069,7 @@
                         <a:buNone/>
                       </a:pPr>
                       <a:r>
-                        <a:rPr lang="de-DE" sz="900">
+                        <a:rPr lang="de-DE" sz="900" b="1" dirty="0">
                           <a:effectLst/>
                         </a:rPr>
                         <a:t>2.812261</a:t>
@@ -13152,7 +14078,7 @@
                   </a:txBody>
                   <a:tcPr marL="29900" marR="29900" marT="14950" marB="14950" anchor="ctr">
                     <a:solidFill>
-                      <a:srgbClr val="D4A0A0"/>
+                      <a:srgbClr val="C1ABAB"/>
                     </a:solidFill>
                   </a:tcPr>
                 </a:tc>
@@ -13165,7 +14091,7 @@
                         <a:buNone/>
                       </a:pPr>
                       <a:r>
-                        <a:rPr lang="de-DE" sz="900">
+                        <a:rPr lang="de-DE" sz="900" b="1">
                           <a:effectLst/>
                         </a:rPr>
                         <a:t>2.422194</a:t>
@@ -13174,7 +14100,7 @@
                   </a:txBody>
                   <a:tcPr marL="29900" marR="29900" marT="14950" marB="14950" anchor="ctr">
                     <a:solidFill>
-                      <a:srgbClr val="D4A0A0"/>
+                      <a:srgbClr val="C1ABAB"/>
                     </a:solidFill>
                   </a:tcPr>
                 </a:tc>
@@ -13187,7 +14113,7 @@
                         <a:buNone/>
                       </a:pPr>
                       <a:r>
-                        <a:rPr lang="de-DE" sz="900">
+                        <a:rPr lang="de-DE" sz="900" b="1" dirty="0">
                           <a:effectLst/>
                         </a:rPr>
                         <a:t>-70.864797</a:t>
@@ -13196,7 +14122,7 @@
                   </a:txBody>
                   <a:tcPr marL="29900" marR="29900" marT="14950" marB="14950" anchor="ctr">
                     <a:solidFill>
-                      <a:srgbClr val="D4A0A0"/>
+                      <a:srgbClr val="C1ABAB"/>
                     </a:solidFill>
                   </a:tcPr>
                 </a:tc>
@@ -13216,7 +14142,7 @@
                         <a:buNone/>
                       </a:pPr>
                       <a:r>
-                        <a:rPr lang="de-DE" sz="900" b="0">
+                        <a:rPr lang="de-DE" sz="900" b="1">
                           <a:effectLst/>
                         </a:rPr>
                         <a:t>2025-09-30</a:t>
@@ -13225,7 +14151,7 @@
                   </a:txBody>
                   <a:tcPr marL="29900" marR="29900" marT="14950" marB="14950" anchor="ctr">
                     <a:solidFill>
-                      <a:srgbClr val="D4A0A0"/>
+                      <a:srgbClr val="C1ABAB"/>
                     </a:solidFill>
                   </a:tcPr>
                 </a:tc>
@@ -13238,7 +14164,7 @@
                         <a:buNone/>
                       </a:pPr>
                       <a:r>
-                        <a:rPr lang="de-DE" sz="900">
+                        <a:rPr lang="de-DE" sz="900" b="1">
                           <a:effectLst/>
                         </a:rPr>
                         <a:t>0.916343</a:t>
@@ -13247,7 +14173,7 @@
                   </a:txBody>
                   <a:tcPr marL="29900" marR="29900" marT="14950" marB="14950" anchor="ctr">
                     <a:solidFill>
-                      <a:srgbClr val="D4A0A0"/>
+                      <a:srgbClr val="C1ABAB"/>
                     </a:solidFill>
                   </a:tcPr>
                 </a:tc>
@@ -13260,7 +14186,7 @@
                         <a:buNone/>
                       </a:pPr>
                       <a:r>
-                        <a:rPr lang="de-DE" sz="900">
+                        <a:rPr lang="de-DE" sz="900" b="1">
                           <a:effectLst/>
                         </a:rPr>
                         <a:t>9.201285</a:t>
@@ -13269,7 +14195,7 @@
                   </a:txBody>
                   <a:tcPr marL="29900" marR="29900" marT="14950" marB="14950" anchor="ctr">
                     <a:solidFill>
-                      <a:srgbClr val="D4A0A0"/>
+                      <a:srgbClr val="C1ABAB"/>
                     </a:solidFill>
                   </a:tcPr>
                 </a:tc>
@@ -13282,7 +14208,7 @@
                         <a:buNone/>
                       </a:pPr>
                       <a:r>
-                        <a:rPr lang="de-DE" sz="900">
+                        <a:rPr lang="de-DE" sz="900" b="1">
                           <a:effectLst/>
                         </a:rPr>
                         <a:t>9.041308</a:t>
@@ -13291,7 +14217,7 @@
                   </a:txBody>
                   <a:tcPr marL="29900" marR="29900" marT="14950" marB="14950" anchor="ctr">
                     <a:solidFill>
-                      <a:srgbClr val="D4A0A0"/>
+                      <a:srgbClr val="C1ABAB"/>
                     </a:solidFill>
                   </a:tcPr>
                 </a:tc>
@@ -13304,7 +14230,7 @@
                         <a:buNone/>
                       </a:pPr>
                       <a:r>
-                        <a:rPr lang="de-DE" sz="900">
+                        <a:rPr lang="de-DE" sz="900" b="1">
                           <a:effectLst/>
                         </a:rPr>
                         <a:t>8.284942</a:t>
@@ -13313,7 +14239,7 @@
                   </a:txBody>
                   <a:tcPr marL="29900" marR="29900" marT="14950" marB="14950" anchor="ctr">
                     <a:solidFill>
-                      <a:srgbClr val="D4A0A0"/>
+                      <a:srgbClr val="C1ABAB"/>
                     </a:solidFill>
                   </a:tcPr>
                 </a:tc>
@@ -13326,7 +14252,7 @@
                         <a:buNone/>
                       </a:pPr>
                       <a:r>
-                        <a:rPr lang="de-DE" sz="900">
+                        <a:rPr lang="de-DE" sz="900" b="1" dirty="0">
                           <a:effectLst/>
                         </a:rPr>
                         <a:t>-70.864797</a:t>
@@ -13335,7 +14261,7 @@
                   </a:txBody>
                   <a:tcPr marL="29900" marR="29900" marT="14950" marB="14950" anchor="ctr">
                     <a:solidFill>
-                      <a:srgbClr val="D4A0A0"/>
+                      <a:srgbClr val="C1ABAB"/>
                     </a:solidFill>
                   </a:tcPr>
                 </a:tc>
@@ -13355,7 +14281,7 @@
                         <a:buNone/>
                       </a:pPr>
                       <a:r>
-                        <a:rPr lang="de-DE" sz="900" b="0">
+                        <a:rPr lang="de-DE" sz="900" b="1">
                           <a:effectLst/>
                         </a:rPr>
                         <a:t>2025-10-31</a:t>
@@ -13364,7 +14290,7 @@
                   </a:txBody>
                   <a:tcPr marL="29900" marR="29900" marT="14950" marB="14950" anchor="ctr">
                     <a:solidFill>
-                      <a:srgbClr val="D4A0A0"/>
+                      <a:srgbClr val="C1ABAB"/>
                     </a:solidFill>
                   </a:tcPr>
                 </a:tc>
@@ -13377,7 +14303,7 @@
                         <a:buNone/>
                       </a:pPr>
                       <a:r>
-                        <a:rPr lang="de-DE" sz="900">
+                        <a:rPr lang="de-DE" sz="900" b="1">
                           <a:effectLst/>
                         </a:rPr>
                         <a:t>-4.733622</a:t>
@@ -13386,7 +14312,7 @@
                   </a:txBody>
                   <a:tcPr marL="29900" marR="29900" marT="14950" marB="14950" anchor="ctr">
                     <a:solidFill>
-                      <a:srgbClr val="D4A0A0"/>
+                      <a:srgbClr val="C1ABAB"/>
                     </a:solidFill>
                   </a:tcPr>
                 </a:tc>
@@ -13399,7 +14325,7 @@
                         <a:buNone/>
                       </a:pPr>
                       <a:r>
-                        <a:rPr lang="de-DE" sz="900">
+                        <a:rPr lang="de-DE" sz="900" b="1">
                           <a:effectLst/>
                         </a:rPr>
                         <a:t>28.238548</a:t>
@@ -13408,7 +14334,7 @@
                   </a:txBody>
                   <a:tcPr marL="29900" marR="29900" marT="14950" marB="14950" anchor="ctr">
                     <a:solidFill>
-                      <a:srgbClr val="D4A0A0"/>
+                      <a:srgbClr val="C1ABAB"/>
                     </a:solidFill>
                   </a:tcPr>
                 </a:tc>
@@ -13421,7 +14347,7 @@
                         <a:buNone/>
                       </a:pPr>
                       <a:r>
-                        <a:rPr lang="de-DE" sz="900">
+                        <a:rPr lang="de-DE" sz="900" b="1">
                           <a:effectLst/>
                         </a:rPr>
                         <a:t>6.965526</a:t>
@@ -13430,7 +14356,7 @@
                   </a:txBody>
                   <a:tcPr marL="29900" marR="29900" marT="14950" marB="14950" anchor="ctr">
                     <a:solidFill>
-                      <a:srgbClr val="D4A0A0"/>
+                      <a:srgbClr val="C1ABAB"/>
                     </a:solidFill>
                   </a:tcPr>
                 </a:tc>
@@ -13443,7 +14369,7 @@
                         <a:buNone/>
                       </a:pPr>
                       <a:r>
-                        <a:rPr lang="de-DE" sz="900">
+                        <a:rPr lang="de-DE" sz="900" b="1">
                           <a:effectLst/>
                         </a:rPr>
                         <a:t>32.972170</a:t>
@@ -13452,7 +14378,7 @@
                   </a:txBody>
                   <a:tcPr marL="29900" marR="29900" marT="14950" marB="14950" anchor="ctr">
                     <a:solidFill>
-                      <a:srgbClr val="D4A0A0"/>
+                      <a:srgbClr val="C1ABAB"/>
                     </a:solidFill>
                   </a:tcPr>
                 </a:tc>
@@ -13465,7 +14391,7 @@
                         <a:buNone/>
                       </a:pPr>
                       <a:r>
-                        <a:rPr lang="de-DE" sz="900">
+                        <a:rPr lang="de-DE" sz="900" b="1" dirty="0">
                           <a:effectLst/>
                         </a:rPr>
                         <a:t>-70.864797</a:t>
@@ -13474,7 +14400,7 @@
                   </a:txBody>
                   <a:tcPr marL="29900" marR="29900" marT="14950" marB="14950" anchor="ctr">
                     <a:solidFill>
-                      <a:srgbClr val="D4A0A0"/>
+                      <a:srgbClr val="C1ABAB"/>
                     </a:solidFill>
                   </a:tcPr>
                 </a:tc>
@@ -13494,7 +14420,7 @@
                         <a:buNone/>
                       </a:pPr>
                       <a:r>
-                        <a:rPr lang="de-DE" sz="900" b="0">
+                        <a:rPr lang="de-DE" sz="900" b="1">
                           <a:effectLst/>
                         </a:rPr>
                         <a:t>2025-11-30</a:t>
@@ -13503,7 +14429,7 @@
                   </a:txBody>
                   <a:tcPr marL="29900" marR="29900" marT="14950" marB="14950" anchor="ctr">
                     <a:solidFill>
-                      <a:srgbClr val="D4A0A0"/>
+                      <a:srgbClr val="C1ABAB"/>
                     </a:solidFill>
                   </a:tcPr>
                 </a:tc>
@@ -13516,7 +14442,7 @@
                         <a:buNone/>
                       </a:pPr>
                       <a:r>
-                        <a:rPr lang="de-DE" sz="900">
+                        <a:rPr lang="de-DE" sz="900" b="1">
                           <a:effectLst/>
                         </a:rPr>
                         <a:t>1.427131</a:t>
@@ -13525,7 +14451,7 @@
                   </a:txBody>
                   <a:tcPr marL="29900" marR="29900" marT="14950" marB="14950" anchor="ctr">
                     <a:solidFill>
-                      <a:srgbClr val="D4A0A0"/>
+                      <a:srgbClr val="C1ABAB"/>
                     </a:solidFill>
                   </a:tcPr>
                 </a:tc>
@@ -13538,7 +14464,7 @@
                         <a:buNone/>
                       </a:pPr>
                       <a:r>
-                        <a:rPr lang="de-DE" sz="900">
+                        <a:rPr lang="de-DE" sz="900" b="1">
                           <a:effectLst/>
                         </a:rPr>
                         <a:t>33.688115</a:t>
@@ -13547,7 +14473,7 @@
                   </a:txBody>
                   <a:tcPr marL="29900" marR="29900" marT="14950" marB="14950" anchor="ctr">
                     <a:solidFill>
-                      <a:srgbClr val="D4A0A0"/>
+                      <a:srgbClr val="C1ABAB"/>
                     </a:solidFill>
                   </a:tcPr>
                 </a:tc>
@@ -13560,7 +14486,7 @@
                         <a:buNone/>
                       </a:pPr>
                       <a:r>
-                        <a:rPr lang="de-DE" sz="900">
+                        <a:rPr lang="de-DE" sz="900" b="1">
                           <a:effectLst/>
                         </a:rPr>
                         <a:t>22.605480</a:t>
@@ -13569,7 +14495,7 @@
                   </a:txBody>
                   <a:tcPr marL="29900" marR="29900" marT="14950" marB="14950" anchor="ctr">
                     <a:solidFill>
-                      <a:srgbClr val="D4A0A0"/>
+                      <a:srgbClr val="C1ABAB"/>
                     </a:solidFill>
                   </a:tcPr>
                 </a:tc>
@@ -13582,7 +14508,7 @@
                         <a:buNone/>
                       </a:pPr>
                       <a:r>
-                        <a:rPr lang="de-DE" sz="900">
+                        <a:rPr lang="de-DE" sz="900" b="1">
                           <a:effectLst/>
                         </a:rPr>
                         <a:t>32.260983</a:t>
@@ -13591,7 +14517,7 @@
                   </a:txBody>
                   <a:tcPr marL="29900" marR="29900" marT="14950" marB="14950" anchor="ctr">
                     <a:solidFill>
-                      <a:srgbClr val="D4A0A0"/>
+                      <a:srgbClr val="C1ABAB"/>
                     </a:solidFill>
                   </a:tcPr>
                 </a:tc>
@@ -13604,7 +14530,7 @@
                         <a:buNone/>
                       </a:pPr>
                       <a:r>
-                        <a:rPr lang="de-DE" sz="900" dirty="0">
+                        <a:rPr lang="de-DE" sz="900" b="1" dirty="0">
                           <a:effectLst/>
                         </a:rPr>
                         <a:t>-70.864797</a:t>
@@ -13613,7 +14539,7 @@
                   </a:txBody>
                   <a:tcPr marL="29900" marR="29900" marT="14950" marB="14950" anchor="ctr">
                     <a:solidFill>
-                      <a:srgbClr val="D4A0A0"/>
+                      <a:srgbClr val="C1ABAB"/>
                     </a:solidFill>
                   </a:tcPr>
                 </a:tc>
@@ -13640,389 +14566,7 @@
 </p:sld>
 </file>
 
-<file path=ppt/slides/slide7.xml><?xml version="1.0" encoding="utf-8"?>
-<p:sld xmlns:a="http://schemas.openxmlformats.org/drawingml/2006/main" xmlns:r="http://schemas.openxmlformats.org/officeDocument/2006/relationships" xmlns:p="http://schemas.openxmlformats.org/presentationml/2006/main">
-  <p:cSld>
-    <p:spTree>
-      <p:nvGrpSpPr>
-        <p:cNvPr id="1" name=""/>
-        <p:cNvGrpSpPr/>
-        <p:nvPr/>
-      </p:nvGrpSpPr>
-      <p:grpSpPr>
-        <a:xfrm>
-          <a:off x="0" y="0"/>
-          <a:ext cx="0" cy="0"/>
-          <a:chOff x="0" y="0"/>
-          <a:chExt cx="0" cy="0"/>
-        </a:xfrm>
-      </p:grpSpPr>
-      <p:sp>
-        <p:nvSpPr>
-          <p:cNvPr id="2" name="Titel 1">
-            <a:extLst>
-              <a:ext uri="{FF2B5EF4-FFF2-40B4-BE49-F238E27FC236}">
-                <a16:creationId xmlns:a16="http://schemas.microsoft.com/office/drawing/2014/main" id="{EF2A5FFC-732C-BB67-8EA0-1F5AE42DB1C7}"/>
-              </a:ext>
-            </a:extLst>
-          </p:cNvPr>
-          <p:cNvSpPr>
-            <a:spLocks noGrp="1"/>
-          </p:cNvSpPr>
-          <p:nvPr>
-            <p:ph type="title"/>
-          </p:nvPr>
-        </p:nvSpPr>
-        <p:spPr/>
-        <p:txBody>
-          <a:bodyPr/>
-          <a:lstStyle/>
-          <a:p>
-            <a:r>
-              <a:rPr lang="de-DE" dirty="0"/>
-              <a:t>2019-01-31 bis 2021-04-31</a:t>
-            </a:r>
-          </a:p>
-        </p:txBody>
-      </p:sp>
-      <p:sp>
-        <p:nvSpPr>
-          <p:cNvPr id="3" name="Textplatzhalter 2">
-            <a:extLst>
-              <a:ext uri="{FF2B5EF4-FFF2-40B4-BE49-F238E27FC236}">
-                <a16:creationId xmlns:a16="http://schemas.microsoft.com/office/drawing/2014/main" id="{0C0DDA08-6C80-3E48-06E3-FCFF83243B50}"/>
-              </a:ext>
-            </a:extLst>
-          </p:cNvPr>
-          <p:cNvSpPr>
-            <a:spLocks noGrp="1"/>
-          </p:cNvSpPr>
-          <p:nvPr>
-            <p:ph type="body" idx="1"/>
-          </p:nvPr>
-        </p:nvSpPr>
-        <p:spPr/>
-        <p:txBody>
-          <a:bodyPr/>
-          <a:lstStyle/>
-          <a:p>
-            <a:r>
-              <a:rPr lang="de-DE" dirty="0"/>
-              <a:t>ARIMAX</a:t>
-            </a:r>
-          </a:p>
-        </p:txBody>
-      </p:sp>
-      <p:pic>
-        <p:nvPicPr>
-          <p:cNvPr id="10" name="Inhaltsplatzhalter 9">
-            <a:extLst>
-              <a:ext uri="{FF2B5EF4-FFF2-40B4-BE49-F238E27FC236}">
-                <a16:creationId xmlns:a16="http://schemas.microsoft.com/office/drawing/2014/main" id="{4126B0EB-921B-FCF2-3853-B0AD3F2F59EF}"/>
-              </a:ext>
-            </a:extLst>
-          </p:cNvPr>
-          <p:cNvPicPr>
-            <a:picLocks noGrp="1" noChangeAspect="1"/>
-          </p:cNvPicPr>
-          <p:nvPr>
-            <p:ph sz="half" idx="2"/>
-          </p:nvPr>
-        </p:nvPicPr>
-        <p:blipFill>
-          <a:blip r:embed="rId2">
-            <a:extLst>
-              <a:ext uri="{28A0092B-C50C-407E-A947-70E740481C1C}">
-                <a14:useLocalDpi xmlns:a14="http://schemas.microsoft.com/office/drawing/2010/main" val="0"/>
-              </a:ext>
-            </a:extLst>
-          </a:blip>
-          <a:stretch>
-            <a:fillRect/>
-          </a:stretch>
-        </p:blipFill>
-        <p:spPr>
-          <a:xfrm>
-            <a:off x="839788" y="2967778"/>
-            <a:ext cx="5157787" cy="2759181"/>
-          </a:xfrm>
-          <a:prstGeom prst="rect">
-            <a:avLst/>
-          </a:prstGeom>
-        </p:spPr>
-      </p:pic>
-      <p:sp>
-        <p:nvSpPr>
-          <p:cNvPr id="5" name="Textplatzhalter 4">
-            <a:extLst>
-              <a:ext uri="{FF2B5EF4-FFF2-40B4-BE49-F238E27FC236}">
-                <a16:creationId xmlns:a16="http://schemas.microsoft.com/office/drawing/2014/main" id="{C7AE3327-DD36-96B9-7725-277E541A4343}"/>
-              </a:ext>
-            </a:extLst>
-          </p:cNvPr>
-          <p:cNvSpPr>
-            <a:spLocks noGrp="1"/>
-          </p:cNvSpPr>
-          <p:nvPr>
-            <p:ph type="body" sz="quarter" idx="3"/>
-          </p:nvPr>
-        </p:nvSpPr>
-        <p:spPr/>
-        <p:txBody>
-          <a:bodyPr/>
-          <a:lstStyle/>
-          <a:p>
-            <a:r>
-              <a:rPr lang="de-DE" dirty="0" err="1"/>
-              <a:t>XGBoost</a:t>
-            </a:r>
-            <a:endParaRPr lang="de-DE" dirty="0"/>
-          </a:p>
-        </p:txBody>
-      </p:sp>
-      <p:pic>
-        <p:nvPicPr>
-          <p:cNvPr id="8" name="Inhaltsplatzhalter 7">
-            <a:extLst>
-              <a:ext uri="{FF2B5EF4-FFF2-40B4-BE49-F238E27FC236}">
-                <a16:creationId xmlns:a16="http://schemas.microsoft.com/office/drawing/2014/main" id="{39EA3560-288C-4E32-7B97-F7A1E3662761}"/>
-              </a:ext>
-            </a:extLst>
-          </p:cNvPr>
-          <p:cNvPicPr>
-            <a:picLocks noGrp="1" noChangeAspect="1"/>
-          </p:cNvPicPr>
-          <p:nvPr>
-            <p:ph sz="quarter" idx="4"/>
-          </p:nvPr>
-        </p:nvPicPr>
-        <p:blipFill>
-          <a:blip r:embed="rId3">
-            <a:extLst>
-              <a:ext uri="{28A0092B-C50C-407E-A947-70E740481C1C}">
-                <a14:useLocalDpi xmlns:a14="http://schemas.microsoft.com/office/drawing/2010/main" val="0"/>
-              </a:ext>
-            </a:extLst>
-          </a:blip>
-          <a:stretch>
-            <a:fillRect/>
-          </a:stretch>
-        </p:blipFill>
-        <p:spPr>
-          <a:xfrm>
-            <a:off x="6172200" y="3134707"/>
-            <a:ext cx="5183188" cy="2425324"/>
-          </a:xfrm>
-          <a:prstGeom prst="rect">
-            <a:avLst/>
-          </a:prstGeom>
-        </p:spPr>
-      </p:pic>
-    </p:spTree>
-    <p:extLst>
-      <p:ext uri="{BB962C8B-B14F-4D97-AF65-F5344CB8AC3E}">
-        <p14:creationId xmlns:p14="http://schemas.microsoft.com/office/powerpoint/2010/main" val="1840781907"/>
-      </p:ext>
-    </p:extLst>
-  </p:cSld>
-  <p:clrMapOvr>
-    <a:masterClrMapping/>
-  </p:clrMapOvr>
-</p:sld>
-</file>
-
 <file path=ppt/slides/slide8.xml><?xml version="1.0" encoding="utf-8"?>
-<p:sld xmlns:a="http://schemas.openxmlformats.org/drawingml/2006/main" xmlns:r="http://schemas.openxmlformats.org/officeDocument/2006/relationships" xmlns:p="http://schemas.openxmlformats.org/presentationml/2006/main">
-  <p:cSld>
-    <p:spTree>
-      <p:nvGrpSpPr>
-        <p:cNvPr id="1" name=""/>
-        <p:cNvGrpSpPr/>
-        <p:nvPr/>
-      </p:nvGrpSpPr>
-      <p:grpSpPr>
-        <a:xfrm>
-          <a:off x="0" y="0"/>
-          <a:ext cx="0" cy="0"/>
-          <a:chOff x="0" y="0"/>
-          <a:chExt cx="0" cy="0"/>
-        </a:xfrm>
-      </p:grpSpPr>
-      <p:sp>
-        <p:nvSpPr>
-          <p:cNvPr id="2" name="Titel 1">
-            <a:extLst>
-              <a:ext uri="{FF2B5EF4-FFF2-40B4-BE49-F238E27FC236}">
-                <a16:creationId xmlns:a16="http://schemas.microsoft.com/office/drawing/2014/main" id="{A188D6D1-6CB7-0643-82ED-37080AF93176}"/>
-              </a:ext>
-            </a:extLst>
-          </p:cNvPr>
-          <p:cNvSpPr>
-            <a:spLocks noGrp="1"/>
-          </p:cNvSpPr>
-          <p:nvPr>
-            <p:ph type="title"/>
-          </p:nvPr>
-        </p:nvSpPr>
-        <p:spPr/>
-        <p:txBody>
-          <a:bodyPr/>
-          <a:lstStyle/>
-          <a:p>
-            <a:r>
-              <a:rPr lang="de-DE" dirty="0"/>
-              <a:t>2024-08-31 bis 2024-10-31</a:t>
-            </a:r>
-          </a:p>
-        </p:txBody>
-      </p:sp>
-      <p:sp>
-        <p:nvSpPr>
-          <p:cNvPr id="3" name="Textplatzhalter 2">
-            <a:extLst>
-              <a:ext uri="{FF2B5EF4-FFF2-40B4-BE49-F238E27FC236}">
-                <a16:creationId xmlns:a16="http://schemas.microsoft.com/office/drawing/2014/main" id="{40F39423-6472-107D-C17C-3A6350966838}"/>
-              </a:ext>
-            </a:extLst>
-          </p:cNvPr>
-          <p:cNvSpPr>
-            <a:spLocks noGrp="1"/>
-          </p:cNvSpPr>
-          <p:nvPr>
-            <p:ph type="body" idx="1"/>
-          </p:nvPr>
-        </p:nvSpPr>
-        <p:spPr/>
-        <p:txBody>
-          <a:bodyPr/>
-          <a:lstStyle/>
-          <a:p>
-            <a:r>
-              <a:rPr lang="de-DE" dirty="0"/>
-              <a:t>ARIMAX</a:t>
-            </a:r>
-          </a:p>
-        </p:txBody>
-      </p:sp>
-      <p:pic>
-        <p:nvPicPr>
-          <p:cNvPr id="8" name="Inhaltsplatzhalter 7">
-            <a:extLst>
-              <a:ext uri="{FF2B5EF4-FFF2-40B4-BE49-F238E27FC236}">
-                <a16:creationId xmlns:a16="http://schemas.microsoft.com/office/drawing/2014/main" id="{7DC24BE5-11F5-714F-2D98-334B21CA1AE5}"/>
-              </a:ext>
-            </a:extLst>
-          </p:cNvPr>
-          <p:cNvPicPr>
-            <a:picLocks noGrp="1" noChangeAspect="1"/>
-          </p:cNvPicPr>
-          <p:nvPr>
-            <p:ph sz="half" idx="2"/>
-          </p:nvPr>
-        </p:nvPicPr>
-        <p:blipFill>
-          <a:blip r:embed="rId2">
-            <a:extLst>
-              <a:ext uri="{28A0092B-C50C-407E-A947-70E740481C1C}">
-                <a14:useLocalDpi xmlns:a14="http://schemas.microsoft.com/office/drawing/2010/main" val="0"/>
-              </a:ext>
-            </a:extLst>
-          </a:blip>
-          <a:stretch>
-            <a:fillRect/>
-          </a:stretch>
-        </p:blipFill>
-        <p:spPr>
-          <a:xfrm>
-            <a:off x="839788" y="2985713"/>
-            <a:ext cx="5157787" cy="2723311"/>
-          </a:xfrm>
-          <a:prstGeom prst="rect">
-            <a:avLst/>
-          </a:prstGeom>
-        </p:spPr>
-      </p:pic>
-      <p:sp>
-        <p:nvSpPr>
-          <p:cNvPr id="5" name="Textplatzhalter 4">
-            <a:extLst>
-              <a:ext uri="{FF2B5EF4-FFF2-40B4-BE49-F238E27FC236}">
-                <a16:creationId xmlns:a16="http://schemas.microsoft.com/office/drawing/2014/main" id="{ABC60529-7215-3CA4-7405-1DADC06C1C8D}"/>
-              </a:ext>
-            </a:extLst>
-          </p:cNvPr>
-          <p:cNvSpPr>
-            <a:spLocks noGrp="1"/>
-          </p:cNvSpPr>
-          <p:nvPr>
-            <p:ph type="body" sz="quarter" idx="3"/>
-          </p:nvPr>
-        </p:nvSpPr>
-        <p:spPr/>
-        <p:txBody>
-          <a:bodyPr/>
-          <a:lstStyle/>
-          <a:p>
-            <a:r>
-              <a:rPr lang="de-DE" dirty="0" err="1"/>
-              <a:t>XGBoost</a:t>
-            </a:r>
-            <a:endParaRPr lang="de-DE" dirty="0"/>
-          </a:p>
-        </p:txBody>
-      </p:sp>
-      <p:pic>
-        <p:nvPicPr>
-          <p:cNvPr id="10" name="Inhaltsplatzhalter 9">
-            <a:extLst>
-              <a:ext uri="{FF2B5EF4-FFF2-40B4-BE49-F238E27FC236}">
-                <a16:creationId xmlns:a16="http://schemas.microsoft.com/office/drawing/2014/main" id="{8B0CB48B-6B50-F7E1-9CF0-A4DA3E993E03}"/>
-              </a:ext>
-            </a:extLst>
-          </p:cNvPr>
-          <p:cNvPicPr>
-            <a:picLocks noGrp="1" noChangeAspect="1"/>
-          </p:cNvPicPr>
-          <p:nvPr>
-            <p:ph sz="quarter" idx="4"/>
-          </p:nvPr>
-        </p:nvPicPr>
-        <p:blipFill>
-          <a:blip r:embed="rId3">
-            <a:extLst>
-              <a:ext uri="{28A0092B-C50C-407E-A947-70E740481C1C}">
-                <a14:useLocalDpi xmlns:a14="http://schemas.microsoft.com/office/drawing/2010/main" val="0"/>
-              </a:ext>
-            </a:extLst>
-          </a:blip>
-          <a:stretch>
-            <a:fillRect/>
-          </a:stretch>
-        </p:blipFill>
-        <p:spPr>
-          <a:xfrm>
-            <a:off x="6172200" y="3122130"/>
-            <a:ext cx="5183188" cy="2450478"/>
-          </a:xfrm>
-          <a:prstGeom prst="rect">
-            <a:avLst/>
-          </a:prstGeom>
-        </p:spPr>
-      </p:pic>
-    </p:spTree>
-    <p:extLst>
-      <p:ext uri="{BB962C8B-B14F-4D97-AF65-F5344CB8AC3E}">
-        <p14:creationId xmlns:p14="http://schemas.microsoft.com/office/powerpoint/2010/main" val="3334302623"/>
-      </p:ext>
-    </p:extLst>
-  </p:cSld>
-  <p:clrMapOvr>
-    <a:masterClrMapping/>
-  </p:clrMapOvr>
-</p:sld>
-</file>
-
-<file path=ppt/slides/slide9.xml><?xml version="1.0" encoding="utf-8"?>
 <p:sld xmlns:a="http://schemas.openxmlformats.org/drawingml/2006/main" xmlns:r="http://schemas.openxmlformats.org/officeDocument/2006/relationships" xmlns:p="http://schemas.openxmlformats.org/presentationml/2006/main">
   <p:cSld>
     <p:spTree>
@@ -14125,7 +14669,7 @@
         </p:blipFill>
         <p:spPr>
           <a:xfrm>
-            <a:off x="839788" y="2967778"/>
+            <a:off x="512654" y="2967777"/>
             <a:ext cx="5157787" cy="2759181"/>
           </a:xfrm>
           <a:prstGeom prst="rect">
@@ -14192,8 +14736,8 @@
         </p:blipFill>
         <p:spPr>
           <a:xfrm>
-            <a:off x="6172200" y="3121070"/>
-            <a:ext cx="5183188" cy="2452598"/>
+            <a:off x="5848242" y="2967778"/>
+            <a:ext cx="5831104" cy="2759181"/>
           </a:xfrm>
           <a:prstGeom prst="rect">
             <a:avLst/>
@@ -14204,6 +14748,201 @@
     <p:extLst>
       <p:ext uri="{BB962C8B-B14F-4D97-AF65-F5344CB8AC3E}">
         <p14:creationId xmlns:p14="http://schemas.microsoft.com/office/powerpoint/2010/main" val="1550570992"/>
+      </p:ext>
+    </p:extLst>
+  </p:cSld>
+  <p:clrMapOvr>
+    <a:masterClrMapping/>
+  </p:clrMapOvr>
+</p:sld>
+</file>
+
+<file path=ppt/slides/slide9.xml><?xml version="1.0" encoding="utf-8"?>
+<p:sld xmlns:a="http://schemas.openxmlformats.org/drawingml/2006/main" xmlns:r="http://schemas.openxmlformats.org/officeDocument/2006/relationships" xmlns:p="http://schemas.openxmlformats.org/presentationml/2006/main">
+  <p:cSld>
+    <p:spTree>
+      <p:nvGrpSpPr>
+        <p:cNvPr id="1" name="">
+          <a:extLst>
+            <a:ext uri="{FF2B5EF4-FFF2-40B4-BE49-F238E27FC236}">
+              <a16:creationId xmlns:a16="http://schemas.microsoft.com/office/drawing/2014/main" id="{C9BFBDCA-1D57-486D-219B-3BA3D3F08356}"/>
+            </a:ext>
+          </a:extLst>
+        </p:cNvPr>
+        <p:cNvGrpSpPr/>
+        <p:nvPr/>
+      </p:nvGrpSpPr>
+      <p:grpSpPr>
+        <a:xfrm>
+          <a:off x="0" y="0"/>
+          <a:ext cx="0" cy="0"/>
+          <a:chOff x="0" y="0"/>
+          <a:chExt cx="0" cy="0"/>
+        </a:xfrm>
+      </p:grpSpPr>
+      <p:sp>
+        <p:nvSpPr>
+          <p:cNvPr id="2" name="Titel 1">
+            <a:extLst>
+              <a:ext uri="{FF2B5EF4-FFF2-40B4-BE49-F238E27FC236}">
+                <a16:creationId xmlns:a16="http://schemas.microsoft.com/office/drawing/2014/main" id="{F2C97572-3D81-3B46-379C-25194DAB05BB}"/>
+              </a:ext>
+            </a:extLst>
+          </p:cNvPr>
+          <p:cNvSpPr>
+            <a:spLocks noGrp="1"/>
+          </p:cNvSpPr>
+          <p:nvPr>
+            <p:ph type="title"/>
+          </p:nvPr>
+        </p:nvSpPr>
+        <p:spPr/>
+        <p:txBody>
+          <a:bodyPr/>
+          <a:lstStyle/>
+          <a:p>
+            <a:r>
+              <a:rPr lang="de-DE" dirty="0"/>
+              <a:t>2025-08-31 bis 2025-11-30</a:t>
+            </a:r>
+          </a:p>
+        </p:txBody>
+      </p:sp>
+      <p:sp>
+        <p:nvSpPr>
+          <p:cNvPr id="3" name="Textplatzhalter 2">
+            <a:extLst>
+              <a:ext uri="{FF2B5EF4-FFF2-40B4-BE49-F238E27FC236}">
+                <a16:creationId xmlns:a16="http://schemas.microsoft.com/office/drawing/2014/main" id="{6E2974CF-AFCB-67FB-B50F-4312C95ECEAD}"/>
+              </a:ext>
+            </a:extLst>
+          </p:cNvPr>
+          <p:cNvSpPr>
+            <a:spLocks noGrp="1"/>
+          </p:cNvSpPr>
+          <p:nvPr>
+            <p:ph type="body" idx="1"/>
+          </p:nvPr>
+        </p:nvSpPr>
+        <p:spPr/>
+        <p:txBody>
+          <a:bodyPr/>
+          <a:lstStyle/>
+          <a:p>
+            <a:r>
+              <a:rPr lang="de-DE" dirty="0"/>
+              <a:t>ARIMAX</a:t>
+            </a:r>
+          </a:p>
+        </p:txBody>
+      </p:sp>
+      <p:pic>
+        <p:nvPicPr>
+          <p:cNvPr id="8" name="Inhaltsplatzhalter 7">
+            <a:extLst>
+              <a:ext uri="{FF2B5EF4-FFF2-40B4-BE49-F238E27FC236}">
+                <a16:creationId xmlns:a16="http://schemas.microsoft.com/office/drawing/2014/main" id="{C0234D9A-CF81-E5FC-73BB-8B8BA10DD825}"/>
+              </a:ext>
+            </a:extLst>
+          </p:cNvPr>
+          <p:cNvPicPr>
+            <a:picLocks noGrp="1" noChangeAspect="1"/>
+          </p:cNvPicPr>
+          <p:nvPr>
+            <p:ph sz="half" idx="2"/>
+          </p:nvPr>
+        </p:nvPicPr>
+        <p:blipFill>
+          <a:blip r:embed="rId2">
+            <a:extLst>
+              <a:ext uri="{28A0092B-C50C-407E-A947-70E740481C1C}">
+                <a14:useLocalDpi xmlns:a14="http://schemas.microsoft.com/office/drawing/2010/main" val="0"/>
+              </a:ext>
+            </a:extLst>
+          </a:blip>
+          <a:srcRect/>
+          <a:stretch/>
+        </p:blipFill>
+        <p:spPr>
+          <a:xfrm>
+            <a:off x="512654" y="2967777"/>
+            <a:ext cx="5157787" cy="2759181"/>
+          </a:xfrm>
+          <a:prstGeom prst="rect">
+            <a:avLst/>
+          </a:prstGeom>
+        </p:spPr>
+      </p:pic>
+      <p:sp>
+        <p:nvSpPr>
+          <p:cNvPr id="5" name="Textplatzhalter 4">
+            <a:extLst>
+              <a:ext uri="{FF2B5EF4-FFF2-40B4-BE49-F238E27FC236}">
+                <a16:creationId xmlns:a16="http://schemas.microsoft.com/office/drawing/2014/main" id="{DA81B934-E3A1-AEA4-D61D-9B423AE09B7A}"/>
+              </a:ext>
+            </a:extLst>
+          </p:cNvPr>
+          <p:cNvSpPr>
+            <a:spLocks noGrp="1"/>
+          </p:cNvSpPr>
+          <p:nvPr>
+            <p:ph type="body" sz="quarter" idx="3"/>
+          </p:nvPr>
+        </p:nvSpPr>
+        <p:spPr/>
+        <p:txBody>
+          <a:bodyPr/>
+          <a:lstStyle/>
+          <a:p>
+            <a:r>
+              <a:rPr lang="de-DE" dirty="0" err="1"/>
+              <a:t>XGBoost</a:t>
+            </a:r>
+            <a:endParaRPr lang="de-DE" dirty="0"/>
+          </a:p>
+        </p:txBody>
+      </p:sp>
+      <p:pic>
+        <p:nvPicPr>
+          <p:cNvPr id="10" name="Inhaltsplatzhalter 9">
+            <a:extLst>
+              <a:ext uri="{FF2B5EF4-FFF2-40B4-BE49-F238E27FC236}">
+                <a16:creationId xmlns:a16="http://schemas.microsoft.com/office/drawing/2014/main" id="{FA63F568-BCE4-504D-EA66-781276B0086C}"/>
+              </a:ext>
+            </a:extLst>
+          </p:cNvPr>
+          <p:cNvPicPr>
+            <a:picLocks noGrp="1" noChangeAspect="1"/>
+          </p:cNvPicPr>
+          <p:nvPr>
+            <p:ph sz="quarter" idx="4"/>
+          </p:nvPr>
+        </p:nvPicPr>
+        <p:blipFill>
+          <a:blip r:embed="rId3">
+            <a:extLst>
+              <a:ext uri="{28A0092B-C50C-407E-A947-70E740481C1C}">
+                <a14:useLocalDpi xmlns:a14="http://schemas.microsoft.com/office/drawing/2010/main" val="0"/>
+              </a:ext>
+            </a:extLst>
+          </a:blip>
+          <a:srcRect/>
+          <a:stretch/>
+        </p:blipFill>
+        <p:spPr>
+          <a:xfrm>
+            <a:off x="5848242" y="2967778"/>
+            <a:ext cx="5831104" cy="2759181"/>
+          </a:xfrm>
+          <a:prstGeom prst="rect">
+            <a:avLst/>
+          </a:prstGeom>
+        </p:spPr>
+      </p:pic>
+    </p:spTree>
+    <p:extLst>
+      <p:ext uri="{BB962C8B-B14F-4D97-AF65-F5344CB8AC3E}">
+        <p14:creationId xmlns:p14="http://schemas.microsoft.com/office/powerpoint/2010/main" val="361379429"/>
       </p:ext>
     </p:extLst>
   </p:cSld>
@@ -14526,4 +15265,319 @@
     </a:ext>
   </a:extLst>
 </a:theme>
+</file>
+
+<file path=ppt/theme/theme2.xml><?xml version="1.0" encoding="utf-8"?>
+<a:theme xmlns:a="http://schemas.openxmlformats.org/drawingml/2006/main" name="Office">
+  <a:themeElements>
+    <a:clrScheme name="Office">
+      <a:dk1>
+        <a:sysClr val="windowText" lastClr="000000"/>
+      </a:dk1>
+      <a:lt1>
+        <a:sysClr val="window" lastClr="FFFFFF"/>
+      </a:lt1>
+      <a:dk2>
+        <a:srgbClr val="0E2841"/>
+      </a:dk2>
+      <a:lt2>
+        <a:srgbClr val="E8E8E8"/>
+      </a:lt2>
+      <a:accent1>
+        <a:srgbClr val="156082"/>
+      </a:accent1>
+      <a:accent2>
+        <a:srgbClr val="E97132"/>
+      </a:accent2>
+      <a:accent3>
+        <a:srgbClr val="196B24"/>
+      </a:accent3>
+      <a:accent4>
+        <a:srgbClr val="0F9ED5"/>
+      </a:accent4>
+      <a:accent5>
+        <a:srgbClr val="A02B93"/>
+      </a:accent5>
+      <a:accent6>
+        <a:srgbClr val="4EA72E"/>
+      </a:accent6>
+      <a:hlink>
+        <a:srgbClr val="467886"/>
+      </a:hlink>
+      <a:folHlink>
+        <a:srgbClr val="96607D"/>
+      </a:folHlink>
+    </a:clrScheme>
+    <a:fontScheme name="Office">
+      <a:majorFont>
+        <a:latin typeface="Aptos Display" panose="02110004020202020204"/>
+        <a:ea typeface=""/>
+        <a:cs typeface=""/>
+        <a:font script="Jpan" typeface="游ゴシック Light"/>
+        <a:font script="Hang" typeface="맑은 고딕"/>
+        <a:font script="Hans" typeface="等线 Light"/>
+        <a:font script="Hant" typeface="新細明體"/>
+        <a:font script="Arab" typeface="Times New Roman"/>
+        <a:font script="Hebr" typeface="Times New Roman"/>
+        <a:font script="Thai" typeface="Angsana New"/>
+        <a:font script="Ethi" typeface="Nyala"/>
+        <a:font script="Beng" typeface="Vrinda"/>
+        <a:font script="Gujr" typeface="Shruti"/>
+        <a:font script="Khmr" typeface="MoolBoran"/>
+        <a:font script="Knda" typeface="Tunga"/>
+        <a:font script="Guru" typeface="Raavi"/>
+        <a:font script="Cans" typeface="Euphemia"/>
+        <a:font script="Cher" typeface="Plantagenet Cherokee"/>
+        <a:font script="Yiii" typeface="Microsoft Yi Baiti"/>
+        <a:font script="Tibt" typeface="Microsoft Himalaya"/>
+        <a:font script="Thaa" typeface="MV Boli"/>
+        <a:font script="Deva" typeface="Mangal"/>
+        <a:font script="Telu" typeface="Gautami"/>
+        <a:font script="Taml" typeface="Latha"/>
+        <a:font script="Syrc" typeface="Estrangelo Edessa"/>
+        <a:font script="Orya" typeface="Kalinga"/>
+        <a:font script="Mlym" typeface="Kartika"/>
+        <a:font script="Laoo" typeface="DokChampa"/>
+        <a:font script="Sinh" typeface="Iskoola Pota"/>
+        <a:font script="Mong" typeface="Mongolian Baiti"/>
+        <a:font script="Viet" typeface="Times New Roman"/>
+        <a:font script="Uigh" typeface="Microsoft Uighur"/>
+        <a:font script="Geor" typeface="Sylfaen"/>
+        <a:font script="Armn" typeface="Arial"/>
+        <a:font script="Bugi" typeface="Leelawadee UI"/>
+        <a:font script="Bopo" typeface="Microsoft JhengHei"/>
+        <a:font script="Java" typeface="Javanese Text"/>
+        <a:font script="Lisu" typeface="Segoe UI"/>
+        <a:font script="Mymr" typeface="Myanmar Text"/>
+        <a:font script="Nkoo" typeface="Ebrima"/>
+        <a:font script="Olck" typeface="Nirmala UI"/>
+        <a:font script="Osma" typeface="Ebrima"/>
+        <a:font script="Phag" typeface="Phagspa"/>
+        <a:font script="Syrn" typeface="Estrangelo Edessa"/>
+        <a:font script="Syrj" typeface="Estrangelo Edessa"/>
+        <a:font script="Syre" typeface="Estrangelo Edessa"/>
+        <a:font script="Sora" typeface="Nirmala UI"/>
+        <a:font script="Tale" typeface="Microsoft Tai Le"/>
+        <a:font script="Talu" typeface="Microsoft New Tai Lue"/>
+        <a:font script="Tfng" typeface="Ebrima"/>
+      </a:majorFont>
+      <a:minorFont>
+        <a:latin typeface="Aptos" panose="02110004020202020204"/>
+        <a:ea typeface=""/>
+        <a:cs typeface=""/>
+        <a:font script="Jpan" typeface="游ゴシック"/>
+        <a:font script="Hang" typeface="맑은 고딕"/>
+        <a:font script="Hans" typeface="等线"/>
+        <a:font script="Hant" typeface="新細明體"/>
+        <a:font script="Arab" typeface="Arial"/>
+        <a:font script="Hebr" typeface="Arial"/>
+        <a:font script="Thai" typeface="Cordia New"/>
+        <a:font script="Ethi" typeface="Nyala"/>
+        <a:font script="Beng" typeface="Vrinda"/>
+        <a:font script="Gujr" typeface="Shruti"/>
+        <a:font script="Khmr" typeface="DaunPenh"/>
+        <a:font script="Knda" typeface="Tunga"/>
+        <a:font script="Guru" typeface="Raavi"/>
+        <a:font script="Cans" typeface="Euphemia"/>
+        <a:font script="Cher" typeface="Plantagenet Cherokee"/>
+        <a:font script="Yiii" typeface="Microsoft Yi Baiti"/>
+        <a:font script="Tibt" typeface="Microsoft Himalaya"/>
+        <a:font script="Thaa" typeface="MV Boli"/>
+        <a:font script="Deva" typeface="Mangal"/>
+        <a:font script="Telu" typeface="Gautami"/>
+        <a:font script="Taml" typeface="Latha"/>
+        <a:font script="Syrc" typeface="Estrangelo Edessa"/>
+        <a:font script="Orya" typeface="Kalinga"/>
+        <a:font script="Mlym" typeface="Kartika"/>
+        <a:font script="Laoo" typeface="DokChampa"/>
+        <a:font script="Sinh" typeface="Iskoola Pota"/>
+        <a:font script="Mong" typeface="Mongolian Baiti"/>
+        <a:font script="Viet" typeface="Arial"/>
+        <a:font script="Uigh" typeface="Microsoft Uighur"/>
+        <a:font script="Geor" typeface="Sylfaen"/>
+        <a:font script="Armn" typeface="Arial"/>
+        <a:font script="Bugi" typeface="Leelawadee UI"/>
+        <a:font script="Bopo" typeface="Microsoft JhengHei"/>
+        <a:font script="Java" typeface="Javanese Text"/>
+        <a:font script="Lisu" typeface="Segoe UI"/>
+        <a:font script="Mymr" typeface="Myanmar Text"/>
+        <a:font script="Nkoo" typeface="Ebrima"/>
+        <a:font script="Olck" typeface="Nirmala UI"/>
+        <a:font script="Osma" typeface="Ebrima"/>
+        <a:font script="Phag" typeface="Phagspa"/>
+        <a:font script="Syrn" typeface="Estrangelo Edessa"/>
+        <a:font script="Syrj" typeface="Estrangelo Edessa"/>
+        <a:font script="Syre" typeface="Estrangelo Edessa"/>
+        <a:font script="Sora" typeface="Nirmala UI"/>
+        <a:font script="Tale" typeface="Microsoft Tai Le"/>
+        <a:font script="Talu" typeface="Microsoft New Tai Lue"/>
+        <a:font script="Tfng" typeface="Ebrima"/>
+      </a:minorFont>
+    </a:fontScheme>
+    <a:fmtScheme name="Office">
+      <a:fillStyleLst>
+        <a:solidFill>
+          <a:schemeClr val="phClr"/>
+        </a:solidFill>
+        <a:gradFill rotWithShape="1">
+          <a:gsLst>
+            <a:gs pos="0">
+              <a:schemeClr val="phClr">
+                <a:lumMod val="110000"/>
+                <a:satMod val="105000"/>
+                <a:tint val="67000"/>
+              </a:schemeClr>
+            </a:gs>
+            <a:gs pos="50000">
+              <a:schemeClr val="phClr">
+                <a:lumMod val="105000"/>
+                <a:satMod val="103000"/>
+                <a:tint val="73000"/>
+              </a:schemeClr>
+            </a:gs>
+            <a:gs pos="100000">
+              <a:schemeClr val="phClr">
+                <a:lumMod val="105000"/>
+                <a:satMod val="109000"/>
+                <a:tint val="81000"/>
+              </a:schemeClr>
+            </a:gs>
+          </a:gsLst>
+          <a:lin ang="5400000" scaled="0"/>
+        </a:gradFill>
+        <a:gradFill rotWithShape="1">
+          <a:gsLst>
+            <a:gs pos="0">
+              <a:schemeClr val="phClr">
+                <a:satMod val="103000"/>
+                <a:lumMod val="102000"/>
+                <a:tint val="94000"/>
+              </a:schemeClr>
+            </a:gs>
+            <a:gs pos="50000">
+              <a:schemeClr val="phClr">
+                <a:satMod val="110000"/>
+                <a:lumMod val="100000"/>
+                <a:shade val="100000"/>
+              </a:schemeClr>
+            </a:gs>
+            <a:gs pos="100000">
+              <a:schemeClr val="phClr">
+                <a:lumMod val="99000"/>
+                <a:satMod val="120000"/>
+                <a:shade val="78000"/>
+              </a:schemeClr>
+            </a:gs>
+          </a:gsLst>
+          <a:lin ang="5400000" scaled="0"/>
+        </a:gradFill>
+      </a:fillStyleLst>
+      <a:lnStyleLst>
+        <a:ln w="12700" cap="flat" cmpd="sng" algn="ctr">
+          <a:solidFill>
+            <a:schemeClr val="phClr"/>
+          </a:solidFill>
+          <a:prstDash val="solid"/>
+          <a:miter lim="800000"/>
+        </a:ln>
+        <a:ln w="19050" cap="flat" cmpd="sng" algn="ctr">
+          <a:solidFill>
+            <a:schemeClr val="phClr"/>
+          </a:solidFill>
+          <a:prstDash val="solid"/>
+          <a:miter lim="800000"/>
+        </a:ln>
+        <a:ln w="25400" cap="flat" cmpd="sng" algn="ctr">
+          <a:solidFill>
+            <a:schemeClr val="phClr"/>
+          </a:solidFill>
+          <a:prstDash val="solid"/>
+          <a:miter lim="800000"/>
+        </a:ln>
+      </a:lnStyleLst>
+      <a:effectStyleLst>
+        <a:effectStyle>
+          <a:effectLst/>
+        </a:effectStyle>
+        <a:effectStyle>
+          <a:effectLst/>
+        </a:effectStyle>
+        <a:effectStyle>
+          <a:effectLst>
+            <a:outerShdw blurRad="57150" dist="19050" dir="5400000" algn="ctr" rotWithShape="0">
+              <a:srgbClr val="000000">
+                <a:alpha val="63000"/>
+              </a:srgbClr>
+            </a:outerShdw>
+          </a:effectLst>
+        </a:effectStyle>
+      </a:effectStyleLst>
+      <a:bgFillStyleLst>
+        <a:solidFill>
+          <a:schemeClr val="phClr"/>
+        </a:solidFill>
+        <a:solidFill>
+          <a:schemeClr val="phClr">
+            <a:tint val="95000"/>
+            <a:satMod val="170000"/>
+          </a:schemeClr>
+        </a:solidFill>
+        <a:gradFill rotWithShape="1">
+          <a:gsLst>
+            <a:gs pos="0">
+              <a:schemeClr val="phClr">
+                <a:tint val="93000"/>
+                <a:satMod val="150000"/>
+                <a:shade val="98000"/>
+                <a:lumMod val="102000"/>
+              </a:schemeClr>
+            </a:gs>
+            <a:gs pos="50000">
+              <a:schemeClr val="phClr">
+                <a:tint val="98000"/>
+                <a:satMod val="130000"/>
+                <a:shade val="90000"/>
+                <a:lumMod val="103000"/>
+              </a:schemeClr>
+            </a:gs>
+            <a:gs pos="100000">
+              <a:schemeClr val="phClr">
+                <a:shade val="63000"/>
+                <a:satMod val="120000"/>
+              </a:schemeClr>
+            </a:gs>
+          </a:gsLst>
+          <a:lin ang="5400000" scaled="0"/>
+        </a:gradFill>
+      </a:bgFillStyleLst>
+    </a:fmtScheme>
+  </a:themeElements>
+  <a:objectDefaults>
+    <a:lnDef>
+      <a:spPr/>
+      <a:bodyPr/>
+      <a:lstStyle/>
+      <a:style>
+        <a:lnRef idx="2">
+          <a:schemeClr val="accent1"/>
+        </a:lnRef>
+        <a:fillRef idx="0">
+          <a:schemeClr val="accent1"/>
+        </a:fillRef>
+        <a:effectRef idx="1">
+          <a:schemeClr val="accent1"/>
+        </a:effectRef>
+        <a:fontRef idx="minor">
+          <a:schemeClr val="tx1"/>
+        </a:fontRef>
+      </a:style>
+    </a:lnDef>
+  </a:objectDefaults>
+  <a:extraClrSchemeLst/>
+  <a:extLst>
+    <a:ext uri="{05A4C25C-085E-4340-85A3-A5531E510DB2}">
+      <thm15:themeFamily xmlns:thm15="http://schemas.microsoft.com/office/thememl/2012/main" name="Office Theme" id="{2E142A2C-CD16-42D6-873A-C26D2A0506FA}" vid="{1BDDFF52-6CD6-40A5-AB3C-68EB2F1E4D0A}"/>
+    </a:ext>
+  </a:extLst>
+</a:theme>
 </file>